--- a/Projet tutoré – Livraison  V1.pptx
+++ b/Projet tutoré – Livraison  V1.pptx
@@ -13352,8 +13352,9 @@
         <a:p>
           <a:r>
             <a:rPr lang="fr-FR" sz="1800" dirty="0" smtClean="0"/>
-            <a:t>Plus de 50 heures /</a:t>
+            <a:t>40 h/</a:t>
           </a:r>
+          <a:endParaRPr lang="fr-FR" sz="1800" dirty="0" smtClean="0"/>
         </a:p>
         <a:p>
           <a:r>
@@ -13833,6 +13834,13 @@
         </dgm:presLayoutVars>
       </dgm:prSet>
       <dgm:spPr/>
+      <dgm:t>
+        <a:bodyPr/>
+        <a:lstStyle/>
+        <a:p>
+          <a:endParaRPr lang="fr-FR"/>
+        </a:p>
+      </dgm:t>
     </dgm:pt>
     <dgm:pt modelId="{432CD230-FEE0-4209-A1E2-E14178F8D4D8}" type="pres">
       <dgm:prSet presAssocID="{31645A24-2BB8-4E5C-BE62-6745BEAA9025}" presName="parTxOnly" presStyleLbl="node1" presStyleIdx="0" presStyleCnt="5">
@@ -14902,17 +14910,17 @@
     </dgm:pt>
   </dgm:ptLst>
   <dgm:cxnLst>
+    <dgm:cxn modelId="{DD39C500-6617-4CDC-9CD9-C44D4D39DEA0}" type="presOf" srcId="{8F74E87C-9202-4E5F-8E5D-3940BD130B0B}" destId="{0CC8E1C3-4157-4992-BCEB-C1333A5D98B4}" srcOrd="0" destOrd="0" presId="urn:microsoft.com/office/officeart/2005/8/layout/hChevron3"/>
+    <dgm:cxn modelId="{15DAA63C-FD6A-471D-A10D-C97EA721C610}" srcId="{06163D92-10C6-4E11-A01A-5BB96376257F}" destId="{2A73D32E-CA5A-4D97-80E1-A39469728084}" srcOrd="2" destOrd="0" parTransId="{58FCD0F1-02CD-49BF-9995-67D1C3A9B136}" sibTransId="{2EEFEEB7-6A77-4ADB-84C0-90B1BCEC2FF9}"/>
+    <dgm:cxn modelId="{F27E1260-8727-4B88-8B1D-C9CA799F0A29}" type="presOf" srcId="{2A73D32E-CA5A-4D97-80E1-A39469728084}" destId="{10103450-6A68-475F-A740-88D1385D49F4}" srcOrd="0" destOrd="0" presId="urn:microsoft.com/office/officeart/2005/8/layout/hChevron3"/>
+    <dgm:cxn modelId="{CB718DD4-A316-49F3-B17E-14B4EF68FCE0}" srcId="{06163D92-10C6-4E11-A01A-5BB96376257F}" destId="{8F74E87C-9202-4E5F-8E5D-3940BD130B0B}" srcOrd="4" destOrd="0" parTransId="{3848CBD2-ECC7-47AC-8DFF-9B9014428E7D}" sibTransId="{7BCAE178-6ECA-4D6F-9126-99CC85D45597}"/>
     <dgm:cxn modelId="{0E56E08F-E3DA-4FBF-8540-B2764E7265ED}" srcId="{06163D92-10C6-4E11-A01A-5BB96376257F}" destId="{303ECE76-E6FD-4988-AE5E-7D65FF718B53}" srcOrd="1" destOrd="0" parTransId="{BB955722-C921-4F57-8D73-D5633E97E56B}" sibTransId="{25985D9E-AF3E-4004-A28B-BFEC0E6FCF3E}"/>
+    <dgm:cxn modelId="{7BB6C10B-9BD5-4D70-9F1E-1B2D4988CD05}" type="presOf" srcId="{078CE1C6-B587-48E5-969F-C57C4E95D08E}" destId="{8550E3DC-F81D-4ADB-96EF-9C933F38F645}" srcOrd="0" destOrd="0" presId="urn:microsoft.com/office/officeart/2005/8/layout/hChevron3"/>
+    <dgm:cxn modelId="{6C53E466-B821-44C5-80E5-455AC42DB5B4}" type="presOf" srcId="{303ECE76-E6FD-4988-AE5E-7D65FF718B53}" destId="{BF36116C-7362-4FBA-B493-4C2CC2BF6976}" srcOrd="0" destOrd="0" presId="urn:microsoft.com/office/officeart/2005/8/layout/hChevron3"/>
+    <dgm:cxn modelId="{58C48621-98CC-49BA-9A7C-A553CAB629A2}" type="presOf" srcId="{06163D92-10C6-4E11-A01A-5BB96376257F}" destId="{AD771AF6-5E26-48D4-9B3D-7471D8D2FC30}" srcOrd="0" destOrd="0" presId="urn:microsoft.com/office/officeart/2005/8/layout/hChevron3"/>
     <dgm:cxn modelId="{91E87B9D-3AE3-40CD-8D36-F734B7ED0293}" srcId="{06163D92-10C6-4E11-A01A-5BB96376257F}" destId="{078CE1C6-B587-48E5-969F-C57C4E95D08E}" srcOrd="3" destOrd="0" parTransId="{68A1EAEC-8AF7-4914-A2DE-C96BAA1F21AB}" sibTransId="{29631CCF-43A8-4AC3-ABB2-ADCFC208A407}"/>
-    <dgm:cxn modelId="{6C53E466-B821-44C5-80E5-455AC42DB5B4}" type="presOf" srcId="{303ECE76-E6FD-4988-AE5E-7D65FF718B53}" destId="{BF36116C-7362-4FBA-B493-4C2CC2BF6976}" srcOrd="0" destOrd="0" presId="urn:microsoft.com/office/officeart/2005/8/layout/hChevron3"/>
     <dgm:cxn modelId="{5A200DE4-4B80-42AA-85B9-67B0D2EB231C}" type="presOf" srcId="{31645A24-2BB8-4E5C-BE62-6745BEAA9025}" destId="{432CD230-FEE0-4209-A1E2-E14178F8D4D8}" srcOrd="0" destOrd="0" presId="urn:microsoft.com/office/officeart/2005/8/layout/hChevron3"/>
     <dgm:cxn modelId="{DAEB2362-385B-45E8-B047-EFA41D4E5790}" srcId="{06163D92-10C6-4E11-A01A-5BB96376257F}" destId="{31645A24-2BB8-4E5C-BE62-6745BEAA9025}" srcOrd="0" destOrd="0" parTransId="{A2787832-8460-4D93-81BF-2BAEAB8C5399}" sibTransId="{F673B4B3-3548-439A-8AEA-E5EC77BB9A50}"/>
-    <dgm:cxn modelId="{CB718DD4-A316-49F3-B17E-14B4EF68FCE0}" srcId="{06163D92-10C6-4E11-A01A-5BB96376257F}" destId="{8F74E87C-9202-4E5F-8E5D-3940BD130B0B}" srcOrd="4" destOrd="0" parTransId="{3848CBD2-ECC7-47AC-8DFF-9B9014428E7D}" sibTransId="{7BCAE178-6ECA-4D6F-9126-99CC85D45597}"/>
-    <dgm:cxn modelId="{DD39C500-6617-4CDC-9CD9-C44D4D39DEA0}" type="presOf" srcId="{8F74E87C-9202-4E5F-8E5D-3940BD130B0B}" destId="{0CC8E1C3-4157-4992-BCEB-C1333A5D98B4}" srcOrd="0" destOrd="0" presId="urn:microsoft.com/office/officeart/2005/8/layout/hChevron3"/>
-    <dgm:cxn modelId="{58C48621-98CC-49BA-9A7C-A553CAB629A2}" type="presOf" srcId="{06163D92-10C6-4E11-A01A-5BB96376257F}" destId="{AD771AF6-5E26-48D4-9B3D-7471D8D2FC30}" srcOrd="0" destOrd="0" presId="urn:microsoft.com/office/officeart/2005/8/layout/hChevron3"/>
-    <dgm:cxn modelId="{F27E1260-8727-4B88-8B1D-C9CA799F0A29}" type="presOf" srcId="{2A73D32E-CA5A-4D97-80E1-A39469728084}" destId="{10103450-6A68-475F-A740-88D1385D49F4}" srcOrd="0" destOrd="0" presId="urn:microsoft.com/office/officeart/2005/8/layout/hChevron3"/>
-    <dgm:cxn modelId="{7BB6C10B-9BD5-4D70-9F1E-1B2D4988CD05}" type="presOf" srcId="{078CE1C6-B587-48E5-969F-C57C4E95D08E}" destId="{8550E3DC-F81D-4ADB-96EF-9C933F38F645}" srcOrd="0" destOrd="0" presId="urn:microsoft.com/office/officeart/2005/8/layout/hChevron3"/>
-    <dgm:cxn modelId="{15DAA63C-FD6A-471D-A10D-C97EA721C610}" srcId="{06163D92-10C6-4E11-A01A-5BB96376257F}" destId="{2A73D32E-CA5A-4D97-80E1-A39469728084}" srcOrd="2" destOrd="0" parTransId="{58FCD0F1-02CD-49BF-9995-67D1C3A9B136}" sibTransId="{2EEFEEB7-6A77-4ADB-84C0-90B1BCEC2FF9}"/>
     <dgm:cxn modelId="{FFCA0127-5E9A-40F6-994A-86177ECFECB5}" type="presParOf" srcId="{AD771AF6-5E26-48D4-9B3D-7471D8D2FC30}" destId="{432CD230-FEE0-4209-A1E2-E14178F8D4D8}" srcOrd="0" destOrd="0" presId="urn:microsoft.com/office/officeart/2005/8/layout/hChevron3"/>
     <dgm:cxn modelId="{D3C8C2FA-AF43-4ECF-9D7A-C13754ADFD70}" type="presParOf" srcId="{AD771AF6-5E26-48D4-9B3D-7471D8D2FC30}" destId="{525360AD-57BA-480E-89F7-F8C7751C55B0}" srcOrd="1" destOrd="0" presId="urn:microsoft.com/office/officeart/2005/8/layout/hChevron3"/>
     <dgm:cxn modelId="{8E2E85BF-CD5D-49E1-9E73-03BBA2DBC94E}" type="presParOf" srcId="{AD771AF6-5E26-48D4-9B3D-7471D8D2FC30}" destId="{BF36116C-7362-4FBA-B493-4C2CC2BF6976}" srcOrd="2" destOrd="0" presId="urn:microsoft.com/office/officeart/2005/8/layout/hChevron3"/>
@@ -15716,6 +15724,13 @@
         </dgm:presLayoutVars>
       </dgm:prSet>
       <dgm:spPr/>
+      <dgm:t>
+        <a:bodyPr/>
+        <a:lstStyle/>
+        <a:p>
+          <a:endParaRPr lang="fr-FR"/>
+        </a:p>
+      </dgm:t>
     </dgm:pt>
     <dgm:pt modelId="{46D52CB1-90CD-4843-962A-327EBB494F61}" type="pres">
       <dgm:prSet presAssocID="{40A95657-FBCD-4003-8A05-F97A2ED33E78}" presName="node" presStyleLbl="node1" presStyleIdx="0" presStyleCnt="3">
@@ -15724,14 +15739,35 @@
         </dgm:presLayoutVars>
       </dgm:prSet>
       <dgm:spPr/>
+      <dgm:t>
+        <a:bodyPr/>
+        <a:lstStyle/>
+        <a:p>
+          <a:endParaRPr lang="fr-FR"/>
+        </a:p>
+      </dgm:t>
     </dgm:pt>
     <dgm:pt modelId="{9496A391-C714-4626-AF79-25E9488D0CF7}" type="pres">
       <dgm:prSet presAssocID="{52B30A3D-84F5-4283-B91C-E23E0D8CBE29}" presName="sibTrans" presStyleLbl="sibTrans2D1" presStyleIdx="0" presStyleCnt="3"/>
       <dgm:spPr/>
+      <dgm:t>
+        <a:bodyPr/>
+        <a:lstStyle/>
+        <a:p>
+          <a:endParaRPr lang="fr-FR"/>
+        </a:p>
+      </dgm:t>
     </dgm:pt>
     <dgm:pt modelId="{71986284-3432-4C78-BFB3-80262C102D7E}" type="pres">
       <dgm:prSet presAssocID="{52B30A3D-84F5-4283-B91C-E23E0D8CBE29}" presName="connectorText" presStyleLbl="sibTrans2D1" presStyleIdx="0" presStyleCnt="3"/>
       <dgm:spPr/>
+      <dgm:t>
+        <a:bodyPr/>
+        <a:lstStyle/>
+        <a:p>
+          <a:endParaRPr lang="fr-FR"/>
+        </a:p>
+      </dgm:t>
     </dgm:pt>
     <dgm:pt modelId="{EEA101B2-B466-41E8-905E-173094F354F0}" type="pres">
       <dgm:prSet presAssocID="{2617F350-CBB8-42DA-B217-31481193CB38}" presName="node" presStyleLbl="node1" presStyleIdx="1" presStyleCnt="3">
@@ -15740,14 +15776,35 @@
         </dgm:presLayoutVars>
       </dgm:prSet>
       <dgm:spPr/>
+      <dgm:t>
+        <a:bodyPr/>
+        <a:lstStyle/>
+        <a:p>
+          <a:endParaRPr lang="fr-FR"/>
+        </a:p>
+      </dgm:t>
     </dgm:pt>
     <dgm:pt modelId="{70981418-9F6D-4063-BD77-201527E865C4}" type="pres">
       <dgm:prSet presAssocID="{D0AD757E-F164-43C0-9479-C4F332786324}" presName="sibTrans" presStyleLbl="sibTrans2D1" presStyleIdx="1" presStyleCnt="3"/>
       <dgm:spPr/>
+      <dgm:t>
+        <a:bodyPr/>
+        <a:lstStyle/>
+        <a:p>
+          <a:endParaRPr lang="fr-FR"/>
+        </a:p>
+      </dgm:t>
     </dgm:pt>
     <dgm:pt modelId="{B16B852D-4B04-4378-A38A-5843F7DB2F14}" type="pres">
       <dgm:prSet presAssocID="{D0AD757E-F164-43C0-9479-C4F332786324}" presName="connectorText" presStyleLbl="sibTrans2D1" presStyleIdx="1" presStyleCnt="3"/>
       <dgm:spPr/>
+      <dgm:t>
+        <a:bodyPr/>
+        <a:lstStyle/>
+        <a:p>
+          <a:endParaRPr lang="fr-FR"/>
+        </a:p>
+      </dgm:t>
     </dgm:pt>
     <dgm:pt modelId="{B6FA0B5D-B83D-433C-AB1B-717C2EFA7054}" type="pres">
       <dgm:prSet presAssocID="{B92A0075-B6F4-44A6-BF8D-EDCD37A22E13}" presName="node" presStyleLbl="node1" presStyleIdx="2" presStyleCnt="3">
@@ -15756,14 +15813,35 @@
         </dgm:presLayoutVars>
       </dgm:prSet>
       <dgm:spPr/>
+      <dgm:t>
+        <a:bodyPr/>
+        <a:lstStyle/>
+        <a:p>
+          <a:endParaRPr lang="fr-FR"/>
+        </a:p>
+      </dgm:t>
     </dgm:pt>
     <dgm:pt modelId="{80761FF3-B1D2-466F-B8A2-C75EE4F098FA}" type="pres">
       <dgm:prSet presAssocID="{9CFE0163-5F1F-4231-B737-B90D318AC103}" presName="sibTrans" presStyleLbl="sibTrans2D1" presStyleIdx="2" presStyleCnt="3"/>
       <dgm:spPr/>
+      <dgm:t>
+        <a:bodyPr/>
+        <a:lstStyle/>
+        <a:p>
+          <a:endParaRPr lang="fr-FR"/>
+        </a:p>
+      </dgm:t>
     </dgm:pt>
     <dgm:pt modelId="{CA9F9C76-0034-4A29-97D5-2864D4A9AEEC}" type="pres">
       <dgm:prSet presAssocID="{9CFE0163-5F1F-4231-B737-B90D318AC103}" presName="connectorText" presStyleLbl="sibTrans2D1" presStyleIdx="2" presStyleCnt="3"/>
       <dgm:spPr/>
+      <dgm:t>
+        <a:bodyPr/>
+        <a:lstStyle/>
+        <a:p>
+          <a:endParaRPr lang="fr-FR"/>
+        </a:p>
+      </dgm:t>
     </dgm:pt>
   </dgm:ptLst>
   <dgm:cxnLst>
@@ -15778,8 +15856,8 @@
     <dgm:cxn modelId="{C39A55F3-EB40-4905-9DD1-8E113F067D22}" type="presOf" srcId="{D0AD757E-F164-43C0-9479-C4F332786324}" destId="{70981418-9F6D-4063-BD77-201527E865C4}" srcOrd="0" destOrd="0" presId="urn:microsoft.com/office/officeart/2005/8/layout/cycle2"/>
     <dgm:cxn modelId="{DEAD61C6-CA0A-4F45-BFEB-A7841AB9EC21}" type="presOf" srcId="{2617F350-CBB8-42DA-B217-31481193CB38}" destId="{EEA101B2-B466-41E8-905E-173094F354F0}" srcOrd="0" destOrd="0" presId="urn:microsoft.com/office/officeart/2005/8/layout/cycle2"/>
     <dgm:cxn modelId="{E8E5D825-F810-4C51-8B9B-87AF317FD4D7}" srcId="{FA1E2EA8-B4DF-4AED-BACD-359EC417AF6C}" destId="{40A95657-FBCD-4003-8A05-F97A2ED33E78}" srcOrd="0" destOrd="0" parTransId="{C6DCB4DE-A7DD-49F2-9A22-2A517BB23722}" sibTransId="{52B30A3D-84F5-4283-B91C-E23E0D8CBE29}"/>
+    <dgm:cxn modelId="{C425A777-1568-4D57-8770-7D257E64B2F9}" type="presOf" srcId="{FA1E2EA8-B4DF-4AED-BACD-359EC417AF6C}" destId="{7942EC3B-107B-424F-A78E-7A1812DBAD7F}" srcOrd="0" destOrd="0" presId="urn:microsoft.com/office/officeart/2005/8/layout/cycle2"/>
     <dgm:cxn modelId="{7E714938-9470-4EA5-A237-4B341C2B5366}" type="presOf" srcId="{D0AD757E-F164-43C0-9479-C4F332786324}" destId="{B16B852D-4B04-4378-A38A-5843F7DB2F14}" srcOrd="1" destOrd="0" presId="urn:microsoft.com/office/officeart/2005/8/layout/cycle2"/>
-    <dgm:cxn modelId="{C425A777-1568-4D57-8770-7D257E64B2F9}" type="presOf" srcId="{FA1E2EA8-B4DF-4AED-BACD-359EC417AF6C}" destId="{7942EC3B-107B-424F-A78E-7A1812DBAD7F}" srcOrd="0" destOrd="0" presId="urn:microsoft.com/office/officeart/2005/8/layout/cycle2"/>
     <dgm:cxn modelId="{B09F9410-372C-4087-88F8-6E5EA71AFD39}" type="presParOf" srcId="{7942EC3B-107B-424F-A78E-7A1812DBAD7F}" destId="{46D52CB1-90CD-4843-962A-327EBB494F61}" srcOrd="0" destOrd="0" presId="urn:microsoft.com/office/officeart/2005/8/layout/cycle2"/>
     <dgm:cxn modelId="{772B27D9-0449-4152-BCD3-E0CFEF5FC118}" type="presParOf" srcId="{7942EC3B-107B-424F-A78E-7A1812DBAD7F}" destId="{9496A391-C714-4626-AF79-25E9488D0CF7}" srcOrd="1" destOrd="0" presId="urn:microsoft.com/office/officeart/2005/8/layout/cycle2"/>
     <dgm:cxn modelId="{2CAF5F67-3609-4584-A820-CA7F3EEDB7A3}" type="presParOf" srcId="{9496A391-C714-4626-AF79-25E9488D0CF7}" destId="{71986284-3432-4C78-BFB3-80262C102D7E}" srcOrd="0" destOrd="0" presId="urn:microsoft.com/office/officeart/2005/8/layout/cycle2"/>
@@ -16133,401 +16211,6 @@
       <dsp:cNvGrpSpPr/>
     </dsp:nvGrpSpPr>
     <dsp:grpSpPr/>
-    <dsp:sp modelId="{432CD230-FEE0-4209-A1E2-E14178F8D4D8}">
-      <dsp:nvSpPr>
-        <dsp:cNvPr id="0" name=""/>
-        <dsp:cNvSpPr/>
-      </dsp:nvSpPr>
-      <dsp:spPr>
-        <a:xfrm>
-          <a:off x="1434" y="0"/>
-          <a:ext cx="2797348" cy="336884"/>
-        </a:xfrm>
-        <a:prstGeom prst="homePlate">
-          <a:avLst/>
-        </a:prstGeom>
-        <a:solidFill>
-          <a:schemeClr val="accent2">
-            <a:hueOff val="0"/>
-            <a:satOff val="0"/>
-            <a:lumOff val="0"/>
-            <a:alphaOff val="0"/>
-          </a:schemeClr>
-        </a:solidFill>
-        <a:ln w="19050" cap="flat" cmpd="sng" algn="ctr">
-          <a:solidFill>
-            <a:schemeClr val="lt1">
-              <a:hueOff val="0"/>
-              <a:satOff val="0"/>
-              <a:lumOff val="0"/>
-              <a:alphaOff val="0"/>
-            </a:schemeClr>
-          </a:solidFill>
-          <a:prstDash val="solid"/>
-        </a:ln>
-        <a:effectLst/>
-      </dsp:spPr>
-      <dsp:style>
-        <a:lnRef idx="3">
-          <a:scrgbClr r="0" g="0" b="0"/>
-        </a:lnRef>
-        <a:fillRef idx="1">
-          <a:scrgbClr r="0" g="0" b="0"/>
-        </a:fillRef>
-        <a:effectRef idx="1">
-          <a:scrgbClr r="0" g="0" b="0"/>
-        </a:effectRef>
-        <a:fontRef idx="minor">
-          <a:schemeClr val="lt1"/>
-        </a:fontRef>
-      </dsp:style>
-      <dsp:txBody>
-        <a:bodyPr spcFirstLastPara="0" vert="horz" wrap="square" lIns="128016" tIns="64008" rIns="32004" bIns="64008" numCol="1" spcCol="1270" anchor="ctr" anchorCtr="0">
-          <a:noAutofit/>
-        </a:bodyPr>
-        <a:lstStyle/>
-        <a:p>
-          <a:pPr lvl="0" algn="ctr" defTabSz="1066800">
-            <a:lnSpc>
-              <a:spcPct val="90000"/>
-            </a:lnSpc>
-            <a:spcBef>
-              <a:spcPct val="0"/>
-            </a:spcBef>
-            <a:spcAft>
-              <a:spcPct val="35000"/>
-            </a:spcAft>
-          </a:pPr>
-          <a:r>
-            <a:rPr lang="fr-FR" sz="2400" b="0" i="1" u="none" kern="1200" dirty="0" smtClean="0">
-              <a:solidFill>
-                <a:schemeClr val="bg1"/>
-              </a:solidFill>
-              <a:effectLst/>
-            </a:rPr>
-            <a:t>Sujet</a:t>
-          </a:r>
-          <a:endParaRPr lang="fr-FR" sz="2400" b="0" i="1" u="none" kern="1200" dirty="0">
-            <a:solidFill>
-              <a:schemeClr val="bg1"/>
-            </a:solidFill>
-            <a:effectLst/>
-          </a:endParaRPr>
-        </a:p>
-      </dsp:txBody>
-      <dsp:txXfrm>
-        <a:off x="1434" y="0"/>
-        <a:ext cx="2713127" cy="336884"/>
-      </dsp:txXfrm>
-    </dsp:sp>
-    <dsp:sp modelId="{BF36116C-7362-4FBA-B493-4C2CC2BF6976}">
-      <dsp:nvSpPr>
-        <dsp:cNvPr id="0" name=""/>
-        <dsp:cNvSpPr/>
-      </dsp:nvSpPr>
-      <dsp:spPr>
-        <a:xfrm>
-          <a:off x="2239313" y="0"/>
-          <a:ext cx="2797348" cy="336884"/>
-        </a:xfrm>
-        <a:prstGeom prst="chevron">
-          <a:avLst/>
-        </a:prstGeom>
-        <a:solidFill>
-          <a:schemeClr val="accent3">
-            <a:hueOff val="0"/>
-            <a:satOff val="0"/>
-            <a:lumOff val="0"/>
-            <a:alphaOff val="0"/>
-          </a:schemeClr>
-        </a:solidFill>
-        <a:ln w="19050" cap="flat" cmpd="sng" algn="ctr">
-          <a:solidFill>
-            <a:schemeClr val="lt1">
-              <a:hueOff val="0"/>
-              <a:satOff val="0"/>
-              <a:lumOff val="0"/>
-              <a:alphaOff val="0"/>
-            </a:schemeClr>
-          </a:solidFill>
-          <a:prstDash val="solid"/>
-        </a:ln>
-        <a:effectLst/>
-      </dsp:spPr>
-      <dsp:style>
-        <a:lnRef idx="3">
-          <a:scrgbClr r="0" g="0" b="0"/>
-        </a:lnRef>
-        <a:fillRef idx="1">
-          <a:scrgbClr r="0" g="0" b="0"/>
-        </a:fillRef>
-        <a:effectRef idx="1">
-          <a:scrgbClr r="0" g="0" b="0"/>
-        </a:effectRef>
-        <a:fontRef idx="minor">
-          <a:schemeClr val="lt1"/>
-        </a:fontRef>
-      </dsp:style>
-      <dsp:txBody>
-        <a:bodyPr spcFirstLastPara="0" vert="horz" wrap="square" lIns="72009" tIns="48006" rIns="24003" bIns="48006" numCol="1" spcCol="1270" anchor="ctr" anchorCtr="0">
-          <a:noAutofit/>
-        </a:bodyPr>
-        <a:lstStyle/>
-        <a:p>
-          <a:pPr lvl="0" algn="ctr" defTabSz="800100">
-            <a:lnSpc>
-              <a:spcPct val="90000"/>
-            </a:lnSpc>
-            <a:spcBef>
-              <a:spcPct val="0"/>
-            </a:spcBef>
-            <a:spcAft>
-              <a:spcPct val="35000"/>
-            </a:spcAft>
-          </a:pPr>
-          <a:r>
-            <a:rPr lang="fr-FR" sz="1800" kern="1200" dirty="0" smtClean="0"/>
-            <a:t>Méthodologie</a:t>
-          </a:r>
-          <a:endParaRPr lang="fr-FR" sz="1800" kern="1200" dirty="0"/>
-        </a:p>
-      </dsp:txBody>
-      <dsp:txXfrm>
-        <a:off x="2407755" y="0"/>
-        <a:ext cx="2460464" cy="336884"/>
-      </dsp:txXfrm>
-    </dsp:sp>
-    <dsp:sp modelId="{10103450-6A68-475F-A740-88D1385D49F4}">
-      <dsp:nvSpPr>
-        <dsp:cNvPr id="0" name=""/>
-        <dsp:cNvSpPr/>
-      </dsp:nvSpPr>
-      <dsp:spPr>
-        <a:xfrm>
-          <a:off x="4477192" y="0"/>
-          <a:ext cx="2797348" cy="336884"/>
-        </a:xfrm>
-        <a:prstGeom prst="chevron">
-          <a:avLst/>
-        </a:prstGeom>
-        <a:solidFill>
-          <a:schemeClr val="accent4">
-            <a:hueOff val="0"/>
-            <a:satOff val="0"/>
-            <a:lumOff val="0"/>
-            <a:alphaOff val="0"/>
-          </a:schemeClr>
-        </a:solidFill>
-        <a:ln w="19050" cap="flat" cmpd="sng" algn="ctr">
-          <a:solidFill>
-            <a:schemeClr val="lt1">
-              <a:hueOff val="0"/>
-              <a:satOff val="0"/>
-              <a:lumOff val="0"/>
-              <a:alphaOff val="0"/>
-            </a:schemeClr>
-          </a:solidFill>
-          <a:prstDash val="solid"/>
-        </a:ln>
-        <a:effectLst/>
-      </dsp:spPr>
-      <dsp:style>
-        <a:lnRef idx="3">
-          <a:scrgbClr r="0" g="0" b="0"/>
-        </a:lnRef>
-        <a:fillRef idx="1">
-          <a:scrgbClr r="0" g="0" b="0"/>
-        </a:fillRef>
-        <a:effectRef idx="1">
-          <a:scrgbClr r="0" g="0" b="0"/>
-        </a:effectRef>
-        <a:fontRef idx="minor">
-          <a:schemeClr val="lt1"/>
-        </a:fontRef>
-      </dsp:style>
-      <dsp:txBody>
-        <a:bodyPr spcFirstLastPara="0" vert="horz" wrap="square" lIns="72009" tIns="48006" rIns="24003" bIns="48006" numCol="1" spcCol="1270" anchor="ctr" anchorCtr="0">
-          <a:noAutofit/>
-        </a:bodyPr>
-        <a:lstStyle/>
-        <a:p>
-          <a:pPr lvl="0" algn="ctr" defTabSz="800100">
-            <a:lnSpc>
-              <a:spcPct val="90000"/>
-            </a:lnSpc>
-            <a:spcBef>
-              <a:spcPct val="0"/>
-            </a:spcBef>
-            <a:spcAft>
-              <a:spcPct val="35000"/>
-            </a:spcAft>
-          </a:pPr>
-          <a:r>
-            <a:rPr lang="fr-FR" sz="1800" kern="1200" dirty="0" smtClean="0"/>
-            <a:t>Conception</a:t>
-          </a:r>
-          <a:endParaRPr lang="fr-FR" sz="1800" kern="1200" dirty="0"/>
-        </a:p>
-      </dsp:txBody>
-      <dsp:txXfrm>
-        <a:off x="4645634" y="0"/>
-        <a:ext cx="2460464" cy="336884"/>
-      </dsp:txXfrm>
-    </dsp:sp>
-    <dsp:sp modelId="{8550E3DC-F81D-4ADB-96EF-9C933F38F645}">
-      <dsp:nvSpPr>
-        <dsp:cNvPr id="0" name=""/>
-        <dsp:cNvSpPr/>
-      </dsp:nvSpPr>
-      <dsp:spPr>
-        <a:xfrm>
-          <a:off x="6715071" y="0"/>
-          <a:ext cx="2797348" cy="336884"/>
-        </a:xfrm>
-        <a:prstGeom prst="chevron">
-          <a:avLst/>
-        </a:prstGeom>
-        <a:solidFill>
-          <a:schemeClr val="accent5">
-            <a:hueOff val="0"/>
-            <a:satOff val="0"/>
-            <a:lumOff val="0"/>
-            <a:alphaOff val="0"/>
-          </a:schemeClr>
-        </a:solidFill>
-        <a:ln w="19050" cap="flat" cmpd="sng" algn="ctr">
-          <a:solidFill>
-            <a:schemeClr val="lt1">
-              <a:hueOff val="0"/>
-              <a:satOff val="0"/>
-              <a:lumOff val="0"/>
-              <a:alphaOff val="0"/>
-            </a:schemeClr>
-          </a:solidFill>
-          <a:prstDash val="solid"/>
-        </a:ln>
-        <a:effectLst/>
-      </dsp:spPr>
-      <dsp:style>
-        <a:lnRef idx="3">
-          <a:scrgbClr r="0" g="0" b="0"/>
-        </a:lnRef>
-        <a:fillRef idx="1">
-          <a:scrgbClr r="0" g="0" b="0"/>
-        </a:fillRef>
-        <a:effectRef idx="1">
-          <a:scrgbClr r="0" g="0" b="0"/>
-        </a:effectRef>
-        <a:fontRef idx="minor">
-          <a:schemeClr val="lt1"/>
-        </a:fontRef>
-      </dsp:style>
-      <dsp:txBody>
-        <a:bodyPr spcFirstLastPara="0" vert="horz" wrap="square" lIns="72009" tIns="48006" rIns="24003" bIns="48006" numCol="1" spcCol="1270" anchor="ctr" anchorCtr="0">
-          <a:noAutofit/>
-        </a:bodyPr>
-        <a:lstStyle/>
-        <a:p>
-          <a:pPr lvl="0" algn="ctr" defTabSz="800100">
-            <a:lnSpc>
-              <a:spcPct val="90000"/>
-            </a:lnSpc>
-            <a:spcBef>
-              <a:spcPct val="0"/>
-            </a:spcBef>
-            <a:spcAft>
-              <a:spcPct val="35000"/>
-            </a:spcAft>
-          </a:pPr>
-          <a:r>
-            <a:rPr lang="fr-FR" sz="1800" kern="1200" dirty="0" smtClean="0"/>
-            <a:t>Bilan</a:t>
-          </a:r>
-          <a:endParaRPr lang="fr-FR" sz="1800" kern="1200" dirty="0"/>
-        </a:p>
-      </dsp:txBody>
-      <dsp:txXfrm>
-        <a:off x="6883513" y="0"/>
-        <a:ext cx="2460464" cy="336884"/>
-      </dsp:txXfrm>
-    </dsp:sp>
-    <dsp:sp modelId="{0CC8E1C3-4157-4992-BCEB-C1333A5D98B4}">
-      <dsp:nvSpPr>
-        <dsp:cNvPr id="0" name=""/>
-        <dsp:cNvSpPr/>
-      </dsp:nvSpPr>
-      <dsp:spPr>
-        <a:xfrm>
-          <a:off x="8954385" y="0"/>
-          <a:ext cx="2797348" cy="336884"/>
-        </a:xfrm>
-        <a:prstGeom prst="chevron">
-          <a:avLst/>
-        </a:prstGeom>
-        <a:solidFill>
-          <a:schemeClr val="accent6">
-            <a:hueOff val="0"/>
-            <a:satOff val="0"/>
-            <a:lumOff val="0"/>
-            <a:alphaOff val="0"/>
-          </a:schemeClr>
-        </a:solidFill>
-        <a:ln w="19050" cap="flat" cmpd="sng" algn="ctr">
-          <a:solidFill>
-            <a:schemeClr val="lt1">
-              <a:hueOff val="0"/>
-              <a:satOff val="0"/>
-              <a:lumOff val="0"/>
-              <a:alphaOff val="0"/>
-            </a:schemeClr>
-          </a:solidFill>
-          <a:prstDash val="solid"/>
-        </a:ln>
-        <a:effectLst/>
-      </dsp:spPr>
-      <dsp:style>
-        <a:lnRef idx="3">
-          <a:scrgbClr r="0" g="0" b="0"/>
-        </a:lnRef>
-        <a:fillRef idx="1">
-          <a:scrgbClr r="0" g="0" b="0"/>
-        </a:fillRef>
-        <a:effectRef idx="1">
-          <a:scrgbClr r="0" g="0" b="0"/>
-        </a:effectRef>
-        <a:fontRef idx="minor">
-          <a:schemeClr val="lt1"/>
-        </a:fontRef>
-      </dsp:style>
-      <dsp:txBody>
-        <a:bodyPr spcFirstLastPara="0" vert="horz" wrap="square" lIns="72009" tIns="48006" rIns="24003" bIns="48006" numCol="1" spcCol="1270" anchor="ctr" anchorCtr="0">
-          <a:noAutofit/>
-        </a:bodyPr>
-        <a:lstStyle/>
-        <a:p>
-          <a:pPr lvl="0" algn="ctr" defTabSz="800100">
-            <a:lnSpc>
-              <a:spcPct val="90000"/>
-            </a:lnSpc>
-            <a:spcBef>
-              <a:spcPct val="0"/>
-            </a:spcBef>
-            <a:spcAft>
-              <a:spcPct val="35000"/>
-            </a:spcAft>
-          </a:pPr>
-          <a:r>
-            <a:rPr lang="fr-FR" sz="1800" kern="1200" dirty="0" smtClean="0"/>
-            <a:t>Démonstration</a:t>
-          </a:r>
-          <a:endParaRPr lang="fr-FR" sz="1800" kern="1200" dirty="0"/>
-        </a:p>
-      </dsp:txBody>
-      <dsp:txXfrm>
-        <a:off x="9122827" y="0"/>
-        <a:ext cx="2460464" cy="336884"/>
-      </dsp:txXfrm>
-    </dsp:sp>
   </dsp:spTree>
 </dsp:drawing>
 </file>
@@ -16540,391 +16223,6 @@
       <dsp:cNvGrpSpPr/>
     </dsp:nvGrpSpPr>
     <dsp:grpSpPr/>
-    <dsp:sp modelId="{432CD230-FEE0-4209-A1E2-E14178F8D4D8}">
-      <dsp:nvSpPr>
-        <dsp:cNvPr id="0" name=""/>
-        <dsp:cNvSpPr/>
-      </dsp:nvSpPr>
-      <dsp:spPr>
-        <a:xfrm>
-          <a:off x="1434" y="0"/>
-          <a:ext cx="2797348" cy="336884"/>
-        </a:xfrm>
-        <a:prstGeom prst="homePlate">
-          <a:avLst/>
-        </a:prstGeom>
-        <a:solidFill>
-          <a:schemeClr val="accent2">
-            <a:hueOff val="0"/>
-            <a:satOff val="0"/>
-            <a:lumOff val="0"/>
-            <a:alphaOff val="0"/>
-          </a:schemeClr>
-        </a:solidFill>
-        <a:ln w="19050" cap="flat" cmpd="sng" algn="ctr">
-          <a:solidFill>
-            <a:schemeClr val="lt1">
-              <a:hueOff val="0"/>
-              <a:satOff val="0"/>
-              <a:lumOff val="0"/>
-              <a:alphaOff val="0"/>
-            </a:schemeClr>
-          </a:solidFill>
-          <a:prstDash val="solid"/>
-        </a:ln>
-        <a:effectLst/>
-      </dsp:spPr>
-      <dsp:style>
-        <a:lnRef idx="3">
-          <a:scrgbClr r="0" g="0" b="0"/>
-        </a:lnRef>
-        <a:fillRef idx="1">
-          <a:scrgbClr r="0" g="0" b="0"/>
-        </a:fillRef>
-        <a:effectRef idx="1">
-          <a:scrgbClr r="0" g="0" b="0"/>
-        </a:effectRef>
-        <a:fontRef idx="minor">
-          <a:schemeClr val="lt1"/>
-        </a:fontRef>
-      </dsp:style>
-      <dsp:txBody>
-        <a:bodyPr spcFirstLastPara="0" vert="horz" wrap="square" lIns="96012" tIns="48006" rIns="24003" bIns="48006" numCol="1" spcCol="1270" anchor="ctr" anchorCtr="0">
-          <a:noAutofit/>
-        </a:bodyPr>
-        <a:lstStyle/>
-        <a:p>
-          <a:pPr lvl="0" algn="ctr" defTabSz="800100">
-            <a:lnSpc>
-              <a:spcPct val="90000"/>
-            </a:lnSpc>
-            <a:spcBef>
-              <a:spcPct val="0"/>
-            </a:spcBef>
-            <a:spcAft>
-              <a:spcPct val="35000"/>
-            </a:spcAft>
-          </a:pPr>
-          <a:r>
-            <a:rPr lang="fr-FR" sz="1800" kern="1200" dirty="0" smtClean="0"/>
-            <a:t>Sujet</a:t>
-          </a:r>
-          <a:endParaRPr lang="fr-FR" sz="1800" kern="1200" dirty="0"/>
-        </a:p>
-      </dsp:txBody>
-      <dsp:txXfrm>
-        <a:off x="1434" y="0"/>
-        <a:ext cx="2713127" cy="336884"/>
-      </dsp:txXfrm>
-    </dsp:sp>
-    <dsp:sp modelId="{BF36116C-7362-4FBA-B493-4C2CC2BF6976}">
-      <dsp:nvSpPr>
-        <dsp:cNvPr id="0" name=""/>
-        <dsp:cNvSpPr/>
-      </dsp:nvSpPr>
-      <dsp:spPr>
-        <a:xfrm>
-          <a:off x="2239313" y="0"/>
-          <a:ext cx="2797348" cy="336884"/>
-        </a:xfrm>
-        <a:prstGeom prst="chevron">
-          <a:avLst/>
-        </a:prstGeom>
-        <a:solidFill>
-          <a:schemeClr val="accent3">
-            <a:hueOff val="0"/>
-            <a:satOff val="0"/>
-            <a:lumOff val="0"/>
-            <a:alphaOff val="0"/>
-          </a:schemeClr>
-        </a:solidFill>
-        <a:ln w="19050" cap="flat" cmpd="sng" algn="ctr">
-          <a:solidFill>
-            <a:schemeClr val="lt1">
-              <a:hueOff val="0"/>
-              <a:satOff val="0"/>
-              <a:lumOff val="0"/>
-              <a:alphaOff val="0"/>
-            </a:schemeClr>
-          </a:solidFill>
-          <a:prstDash val="solid"/>
-        </a:ln>
-        <a:effectLst/>
-      </dsp:spPr>
-      <dsp:style>
-        <a:lnRef idx="3">
-          <a:scrgbClr r="0" g="0" b="0"/>
-        </a:lnRef>
-        <a:fillRef idx="1">
-          <a:scrgbClr r="0" g="0" b="0"/>
-        </a:fillRef>
-        <a:effectRef idx="1">
-          <a:scrgbClr r="0" g="0" b="0"/>
-        </a:effectRef>
-        <a:fontRef idx="minor">
-          <a:schemeClr val="lt1"/>
-        </a:fontRef>
-      </dsp:style>
-      <dsp:txBody>
-        <a:bodyPr spcFirstLastPara="0" vert="horz" wrap="square" lIns="72009" tIns="48006" rIns="24003" bIns="48006" numCol="1" spcCol="1270" anchor="ctr" anchorCtr="0">
-          <a:noAutofit/>
-        </a:bodyPr>
-        <a:lstStyle/>
-        <a:p>
-          <a:pPr lvl="0" algn="ctr" defTabSz="800100">
-            <a:lnSpc>
-              <a:spcPct val="90000"/>
-            </a:lnSpc>
-            <a:spcBef>
-              <a:spcPct val="0"/>
-            </a:spcBef>
-            <a:spcAft>
-              <a:spcPct val="35000"/>
-            </a:spcAft>
-          </a:pPr>
-          <a:r>
-            <a:rPr lang="fr-FR" sz="1800" kern="1200" dirty="0" smtClean="0"/>
-            <a:t>Méthodologie</a:t>
-          </a:r>
-          <a:endParaRPr lang="fr-FR" sz="1800" kern="1200" dirty="0"/>
-        </a:p>
-      </dsp:txBody>
-      <dsp:txXfrm>
-        <a:off x="2407755" y="0"/>
-        <a:ext cx="2460464" cy="336884"/>
-      </dsp:txXfrm>
-    </dsp:sp>
-    <dsp:sp modelId="{10103450-6A68-475F-A740-88D1385D49F4}">
-      <dsp:nvSpPr>
-        <dsp:cNvPr id="0" name=""/>
-        <dsp:cNvSpPr/>
-      </dsp:nvSpPr>
-      <dsp:spPr>
-        <a:xfrm>
-          <a:off x="4477192" y="0"/>
-          <a:ext cx="2797348" cy="336884"/>
-        </a:xfrm>
-        <a:prstGeom prst="chevron">
-          <a:avLst/>
-        </a:prstGeom>
-        <a:solidFill>
-          <a:schemeClr val="accent4">
-            <a:hueOff val="0"/>
-            <a:satOff val="0"/>
-            <a:lumOff val="0"/>
-            <a:alphaOff val="0"/>
-          </a:schemeClr>
-        </a:solidFill>
-        <a:ln w="19050" cap="flat" cmpd="sng" algn="ctr">
-          <a:solidFill>
-            <a:schemeClr val="lt1">
-              <a:hueOff val="0"/>
-              <a:satOff val="0"/>
-              <a:lumOff val="0"/>
-              <a:alphaOff val="0"/>
-            </a:schemeClr>
-          </a:solidFill>
-          <a:prstDash val="solid"/>
-        </a:ln>
-        <a:effectLst/>
-      </dsp:spPr>
-      <dsp:style>
-        <a:lnRef idx="3">
-          <a:scrgbClr r="0" g="0" b="0"/>
-        </a:lnRef>
-        <a:fillRef idx="1">
-          <a:scrgbClr r="0" g="0" b="0"/>
-        </a:fillRef>
-        <a:effectRef idx="1">
-          <a:scrgbClr r="0" g="0" b="0"/>
-        </a:effectRef>
-        <a:fontRef idx="minor">
-          <a:schemeClr val="lt1"/>
-        </a:fontRef>
-      </dsp:style>
-      <dsp:txBody>
-        <a:bodyPr spcFirstLastPara="0" vert="horz" wrap="square" lIns="72009" tIns="48006" rIns="24003" bIns="48006" numCol="1" spcCol="1270" anchor="ctr" anchorCtr="0">
-          <a:noAutofit/>
-        </a:bodyPr>
-        <a:lstStyle/>
-        <a:p>
-          <a:pPr lvl="0" algn="ctr" defTabSz="800100">
-            <a:lnSpc>
-              <a:spcPct val="90000"/>
-            </a:lnSpc>
-            <a:spcBef>
-              <a:spcPct val="0"/>
-            </a:spcBef>
-            <a:spcAft>
-              <a:spcPct val="35000"/>
-            </a:spcAft>
-          </a:pPr>
-          <a:r>
-            <a:rPr lang="fr-FR" sz="1800" kern="1200" dirty="0" smtClean="0"/>
-            <a:t>Conception</a:t>
-          </a:r>
-          <a:endParaRPr lang="fr-FR" sz="1800" kern="1200" dirty="0"/>
-        </a:p>
-      </dsp:txBody>
-      <dsp:txXfrm>
-        <a:off x="4645634" y="0"/>
-        <a:ext cx="2460464" cy="336884"/>
-      </dsp:txXfrm>
-    </dsp:sp>
-    <dsp:sp modelId="{8550E3DC-F81D-4ADB-96EF-9C933F38F645}">
-      <dsp:nvSpPr>
-        <dsp:cNvPr id="0" name=""/>
-        <dsp:cNvSpPr/>
-      </dsp:nvSpPr>
-      <dsp:spPr>
-        <a:xfrm>
-          <a:off x="6715071" y="0"/>
-          <a:ext cx="2797348" cy="336884"/>
-        </a:xfrm>
-        <a:prstGeom prst="chevron">
-          <a:avLst/>
-        </a:prstGeom>
-        <a:solidFill>
-          <a:schemeClr val="accent5">
-            <a:hueOff val="0"/>
-            <a:satOff val="0"/>
-            <a:lumOff val="0"/>
-            <a:alphaOff val="0"/>
-          </a:schemeClr>
-        </a:solidFill>
-        <a:ln w="19050" cap="flat" cmpd="sng" algn="ctr">
-          <a:solidFill>
-            <a:schemeClr val="lt1">
-              <a:hueOff val="0"/>
-              <a:satOff val="0"/>
-              <a:lumOff val="0"/>
-              <a:alphaOff val="0"/>
-            </a:schemeClr>
-          </a:solidFill>
-          <a:prstDash val="solid"/>
-        </a:ln>
-        <a:effectLst/>
-      </dsp:spPr>
-      <dsp:style>
-        <a:lnRef idx="3">
-          <a:scrgbClr r="0" g="0" b="0"/>
-        </a:lnRef>
-        <a:fillRef idx="1">
-          <a:scrgbClr r="0" g="0" b="0"/>
-        </a:fillRef>
-        <a:effectRef idx="1">
-          <a:scrgbClr r="0" g="0" b="0"/>
-        </a:effectRef>
-        <a:fontRef idx="minor">
-          <a:schemeClr val="lt1"/>
-        </a:fontRef>
-      </dsp:style>
-      <dsp:txBody>
-        <a:bodyPr spcFirstLastPara="0" vert="horz" wrap="square" lIns="96012" tIns="64008" rIns="32004" bIns="64008" numCol="1" spcCol="1270" anchor="ctr" anchorCtr="0">
-          <a:noAutofit/>
-        </a:bodyPr>
-        <a:lstStyle/>
-        <a:p>
-          <a:pPr lvl="0" algn="ctr" defTabSz="1066800">
-            <a:lnSpc>
-              <a:spcPct val="90000"/>
-            </a:lnSpc>
-            <a:spcBef>
-              <a:spcPct val="0"/>
-            </a:spcBef>
-            <a:spcAft>
-              <a:spcPct val="35000"/>
-            </a:spcAft>
-          </a:pPr>
-          <a:r>
-            <a:rPr lang="fr-FR" sz="2400" b="0" i="1" kern="1200" dirty="0" smtClean="0"/>
-            <a:t>Bilan</a:t>
-          </a:r>
-          <a:endParaRPr lang="fr-FR" sz="1800" b="0" i="1" kern="1200" dirty="0"/>
-        </a:p>
-      </dsp:txBody>
-      <dsp:txXfrm>
-        <a:off x="6883513" y="0"/>
-        <a:ext cx="2460464" cy="336884"/>
-      </dsp:txXfrm>
-    </dsp:sp>
-    <dsp:sp modelId="{0CC8E1C3-4157-4992-BCEB-C1333A5D98B4}">
-      <dsp:nvSpPr>
-        <dsp:cNvPr id="0" name=""/>
-        <dsp:cNvSpPr/>
-      </dsp:nvSpPr>
-      <dsp:spPr>
-        <a:xfrm>
-          <a:off x="8952950" y="0"/>
-          <a:ext cx="2797348" cy="336884"/>
-        </a:xfrm>
-        <a:prstGeom prst="chevron">
-          <a:avLst/>
-        </a:prstGeom>
-        <a:solidFill>
-          <a:schemeClr val="accent6">
-            <a:hueOff val="0"/>
-            <a:satOff val="0"/>
-            <a:lumOff val="0"/>
-            <a:alphaOff val="0"/>
-          </a:schemeClr>
-        </a:solidFill>
-        <a:ln w="19050" cap="flat" cmpd="sng" algn="ctr">
-          <a:solidFill>
-            <a:schemeClr val="lt1">
-              <a:hueOff val="0"/>
-              <a:satOff val="0"/>
-              <a:lumOff val="0"/>
-              <a:alphaOff val="0"/>
-            </a:schemeClr>
-          </a:solidFill>
-          <a:prstDash val="solid"/>
-        </a:ln>
-        <a:effectLst/>
-      </dsp:spPr>
-      <dsp:style>
-        <a:lnRef idx="3">
-          <a:scrgbClr r="0" g="0" b="0"/>
-        </a:lnRef>
-        <a:fillRef idx="1">
-          <a:scrgbClr r="0" g="0" b="0"/>
-        </a:fillRef>
-        <a:effectRef idx="1">
-          <a:scrgbClr r="0" g="0" b="0"/>
-        </a:effectRef>
-        <a:fontRef idx="minor">
-          <a:schemeClr val="lt1"/>
-        </a:fontRef>
-      </dsp:style>
-      <dsp:txBody>
-        <a:bodyPr spcFirstLastPara="0" vert="horz" wrap="square" lIns="72009" tIns="48006" rIns="24003" bIns="48006" numCol="1" spcCol="1270" anchor="ctr" anchorCtr="0">
-          <a:noAutofit/>
-        </a:bodyPr>
-        <a:lstStyle/>
-        <a:p>
-          <a:pPr lvl="0" algn="ctr" defTabSz="800100">
-            <a:lnSpc>
-              <a:spcPct val="90000"/>
-            </a:lnSpc>
-            <a:spcBef>
-              <a:spcPct val="0"/>
-            </a:spcBef>
-            <a:spcAft>
-              <a:spcPct val="35000"/>
-            </a:spcAft>
-          </a:pPr>
-          <a:r>
-            <a:rPr lang="fr-FR" sz="1800" b="0" i="0" kern="1200" dirty="0" smtClean="0"/>
-            <a:t>Démonstration</a:t>
-          </a:r>
-          <a:endParaRPr lang="fr-FR" sz="2400" b="0" i="0" kern="1200" dirty="0"/>
-        </a:p>
-      </dsp:txBody>
-      <dsp:txXfrm>
-        <a:off x="9121392" y="0"/>
-        <a:ext cx="2460464" cy="336884"/>
-      </dsp:txXfrm>
-    </dsp:sp>
   </dsp:spTree>
 </dsp:drawing>
 </file>
@@ -16937,391 +16235,6 @@
       <dsp:cNvGrpSpPr/>
     </dsp:nvGrpSpPr>
     <dsp:grpSpPr/>
-    <dsp:sp modelId="{432CD230-FEE0-4209-A1E2-E14178F8D4D8}">
-      <dsp:nvSpPr>
-        <dsp:cNvPr id="0" name=""/>
-        <dsp:cNvSpPr/>
-      </dsp:nvSpPr>
-      <dsp:spPr>
-        <a:xfrm>
-          <a:off x="1434" y="0"/>
-          <a:ext cx="2797348" cy="336884"/>
-        </a:xfrm>
-        <a:prstGeom prst="homePlate">
-          <a:avLst/>
-        </a:prstGeom>
-        <a:solidFill>
-          <a:schemeClr val="accent2">
-            <a:hueOff val="0"/>
-            <a:satOff val="0"/>
-            <a:lumOff val="0"/>
-            <a:alphaOff val="0"/>
-          </a:schemeClr>
-        </a:solidFill>
-        <a:ln w="19050" cap="flat" cmpd="sng" algn="ctr">
-          <a:solidFill>
-            <a:schemeClr val="lt1">
-              <a:hueOff val="0"/>
-              <a:satOff val="0"/>
-              <a:lumOff val="0"/>
-              <a:alphaOff val="0"/>
-            </a:schemeClr>
-          </a:solidFill>
-          <a:prstDash val="solid"/>
-        </a:ln>
-        <a:effectLst/>
-      </dsp:spPr>
-      <dsp:style>
-        <a:lnRef idx="3">
-          <a:scrgbClr r="0" g="0" b="0"/>
-        </a:lnRef>
-        <a:fillRef idx="1">
-          <a:scrgbClr r="0" g="0" b="0"/>
-        </a:fillRef>
-        <a:effectRef idx="1">
-          <a:scrgbClr r="0" g="0" b="0"/>
-        </a:effectRef>
-        <a:fontRef idx="minor">
-          <a:schemeClr val="lt1"/>
-        </a:fontRef>
-      </dsp:style>
-      <dsp:txBody>
-        <a:bodyPr spcFirstLastPara="0" vert="horz" wrap="square" lIns="96012" tIns="48006" rIns="24003" bIns="48006" numCol="1" spcCol="1270" anchor="ctr" anchorCtr="0">
-          <a:noAutofit/>
-        </a:bodyPr>
-        <a:lstStyle/>
-        <a:p>
-          <a:pPr lvl="0" algn="ctr" defTabSz="800100">
-            <a:lnSpc>
-              <a:spcPct val="90000"/>
-            </a:lnSpc>
-            <a:spcBef>
-              <a:spcPct val="0"/>
-            </a:spcBef>
-            <a:spcAft>
-              <a:spcPct val="35000"/>
-            </a:spcAft>
-          </a:pPr>
-          <a:r>
-            <a:rPr lang="fr-FR" sz="1800" kern="1200" dirty="0" smtClean="0"/>
-            <a:t>Sujet</a:t>
-          </a:r>
-          <a:endParaRPr lang="fr-FR" sz="1800" kern="1200" dirty="0"/>
-        </a:p>
-      </dsp:txBody>
-      <dsp:txXfrm>
-        <a:off x="1434" y="0"/>
-        <a:ext cx="2713127" cy="336884"/>
-      </dsp:txXfrm>
-    </dsp:sp>
-    <dsp:sp modelId="{BF36116C-7362-4FBA-B493-4C2CC2BF6976}">
-      <dsp:nvSpPr>
-        <dsp:cNvPr id="0" name=""/>
-        <dsp:cNvSpPr/>
-      </dsp:nvSpPr>
-      <dsp:spPr>
-        <a:xfrm>
-          <a:off x="2239313" y="0"/>
-          <a:ext cx="2797348" cy="336884"/>
-        </a:xfrm>
-        <a:prstGeom prst="chevron">
-          <a:avLst/>
-        </a:prstGeom>
-        <a:solidFill>
-          <a:schemeClr val="accent3">
-            <a:hueOff val="0"/>
-            <a:satOff val="0"/>
-            <a:lumOff val="0"/>
-            <a:alphaOff val="0"/>
-          </a:schemeClr>
-        </a:solidFill>
-        <a:ln w="19050" cap="flat" cmpd="sng" algn="ctr">
-          <a:solidFill>
-            <a:schemeClr val="lt1">
-              <a:hueOff val="0"/>
-              <a:satOff val="0"/>
-              <a:lumOff val="0"/>
-              <a:alphaOff val="0"/>
-            </a:schemeClr>
-          </a:solidFill>
-          <a:prstDash val="solid"/>
-        </a:ln>
-        <a:effectLst/>
-      </dsp:spPr>
-      <dsp:style>
-        <a:lnRef idx="3">
-          <a:scrgbClr r="0" g="0" b="0"/>
-        </a:lnRef>
-        <a:fillRef idx="1">
-          <a:scrgbClr r="0" g="0" b="0"/>
-        </a:fillRef>
-        <a:effectRef idx="1">
-          <a:scrgbClr r="0" g="0" b="0"/>
-        </a:effectRef>
-        <a:fontRef idx="minor">
-          <a:schemeClr val="lt1"/>
-        </a:fontRef>
-      </dsp:style>
-      <dsp:txBody>
-        <a:bodyPr spcFirstLastPara="0" vert="horz" wrap="square" lIns="72009" tIns="48006" rIns="24003" bIns="48006" numCol="1" spcCol="1270" anchor="ctr" anchorCtr="0">
-          <a:noAutofit/>
-        </a:bodyPr>
-        <a:lstStyle/>
-        <a:p>
-          <a:pPr lvl="0" algn="ctr" defTabSz="800100">
-            <a:lnSpc>
-              <a:spcPct val="90000"/>
-            </a:lnSpc>
-            <a:spcBef>
-              <a:spcPct val="0"/>
-            </a:spcBef>
-            <a:spcAft>
-              <a:spcPct val="35000"/>
-            </a:spcAft>
-          </a:pPr>
-          <a:r>
-            <a:rPr lang="fr-FR" sz="1800" kern="1200" dirty="0" smtClean="0"/>
-            <a:t>Méthodologie</a:t>
-          </a:r>
-          <a:endParaRPr lang="fr-FR" sz="1800" kern="1200" dirty="0"/>
-        </a:p>
-      </dsp:txBody>
-      <dsp:txXfrm>
-        <a:off x="2407755" y="0"/>
-        <a:ext cx="2460464" cy="336884"/>
-      </dsp:txXfrm>
-    </dsp:sp>
-    <dsp:sp modelId="{10103450-6A68-475F-A740-88D1385D49F4}">
-      <dsp:nvSpPr>
-        <dsp:cNvPr id="0" name=""/>
-        <dsp:cNvSpPr/>
-      </dsp:nvSpPr>
-      <dsp:spPr>
-        <a:xfrm>
-          <a:off x="4477192" y="0"/>
-          <a:ext cx="2797348" cy="336884"/>
-        </a:xfrm>
-        <a:prstGeom prst="chevron">
-          <a:avLst/>
-        </a:prstGeom>
-        <a:solidFill>
-          <a:schemeClr val="accent4">
-            <a:hueOff val="0"/>
-            <a:satOff val="0"/>
-            <a:lumOff val="0"/>
-            <a:alphaOff val="0"/>
-          </a:schemeClr>
-        </a:solidFill>
-        <a:ln w="19050" cap="flat" cmpd="sng" algn="ctr">
-          <a:solidFill>
-            <a:schemeClr val="lt1">
-              <a:hueOff val="0"/>
-              <a:satOff val="0"/>
-              <a:lumOff val="0"/>
-              <a:alphaOff val="0"/>
-            </a:schemeClr>
-          </a:solidFill>
-          <a:prstDash val="solid"/>
-        </a:ln>
-        <a:effectLst/>
-      </dsp:spPr>
-      <dsp:style>
-        <a:lnRef idx="3">
-          <a:scrgbClr r="0" g="0" b="0"/>
-        </a:lnRef>
-        <a:fillRef idx="1">
-          <a:scrgbClr r="0" g="0" b="0"/>
-        </a:fillRef>
-        <a:effectRef idx="1">
-          <a:scrgbClr r="0" g="0" b="0"/>
-        </a:effectRef>
-        <a:fontRef idx="minor">
-          <a:schemeClr val="lt1"/>
-        </a:fontRef>
-      </dsp:style>
-      <dsp:txBody>
-        <a:bodyPr spcFirstLastPara="0" vert="horz" wrap="square" lIns="72009" tIns="48006" rIns="24003" bIns="48006" numCol="1" spcCol="1270" anchor="ctr" anchorCtr="0">
-          <a:noAutofit/>
-        </a:bodyPr>
-        <a:lstStyle/>
-        <a:p>
-          <a:pPr lvl="0" algn="ctr" defTabSz="800100">
-            <a:lnSpc>
-              <a:spcPct val="90000"/>
-            </a:lnSpc>
-            <a:spcBef>
-              <a:spcPct val="0"/>
-            </a:spcBef>
-            <a:spcAft>
-              <a:spcPct val="35000"/>
-            </a:spcAft>
-          </a:pPr>
-          <a:r>
-            <a:rPr lang="fr-FR" sz="1800" kern="1200" dirty="0" smtClean="0"/>
-            <a:t>Conception</a:t>
-          </a:r>
-          <a:endParaRPr lang="fr-FR" sz="1800" kern="1200" dirty="0"/>
-        </a:p>
-      </dsp:txBody>
-      <dsp:txXfrm>
-        <a:off x="4645634" y="0"/>
-        <a:ext cx="2460464" cy="336884"/>
-      </dsp:txXfrm>
-    </dsp:sp>
-    <dsp:sp modelId="{8550E3DC-F81D-4ADB-96EF-9C933F38F645}">
-      <dsp:nvSpPr>
-        <dsp:cNvPr id="0" name=""/>
-        <dsp:cNvSpPr/>
-      </dsp:nvSpPr>
-      <dsp:spPr>
-        <a:xfrm>
-          <a:off x="6715071" y="0"/>
-          <a:ext cx="2797348" cy="336884"/>
-        </a:xfrm>
-        <a:prstGeom prst="chevron">
-          <a:avLst/>
-        </a:prstGeom>
-        <a:solidFill>
-          <a:schemeClr val="accent5">
-            <a:hueOff val="0"/>
-            <a:satOff val="0"/>
-            <a:lumOff val="0"/>
-            <a:alphaOff val="0"/>
-          </a:schemeClr>
-        </a:solidFill>
-        <a:ln w="19050" cap="flat" cmpd="sng" algn="ctr">
-          <a:solidFill>
-            <a:schemeClr val="lt1">
-              <a:hueOff val="0"/>
-              <a:satOff val="0"/>
-              <a:lumOff val="0"/>
-              <a:alphaOff val="0"/>
-            </a:schemeClr>
-          </a:solidFill>
-          <a:prstDash val="solid"/>
-        </a:ln>
-        <a:effectLst/>
-      </dsp:spPr>
-      <dsp:style>
-        <a:lnRef idx="3">
-          <a:scrgbClr r="0" g="0" b="0"/>
-        </a:lnRef>
-        <a:fillRef idx="1">
-          <a:scrgbClr r="0" g="0" b="0"/>
-        </a:fillRef>
-        <a:effectRef idx="1">
-          <a:scrgbClr r="0" g="0" b="0"/>
-        </a:effectRef>
-        <a:fontRef idx="minor">
-          <a:schemeClr val="lt1"/>
-        </a:fontRef>
-      </dsp:style>
-      <dsp:txBody>
-        <a:bodyPr spcFirstLastPara="0" vert="horz" wrap="square" lIns="96012" tIns="64008" rIns="32004" bIns="64008" numCol="1" spcCol="1270" anchor="ctr" anchorCtr="0">
-          <a:noAutofit/>
-        </a:bodyPr>
-        <a:lstStyle/>
-        <a:p>
-          <a:pPr lvl="0" algn="ctr" defTabSz="1066800">
-            <a:lnSpc>
-              <a:spcPct val="90000"/>
-            </a:lnSpc>
-            <a:spcBef>
-              <a:spcPct val="0"/>
-            </a:spcBef>
-            <a:spcAft>
-              <a:spcPct val="35000"/>
-            </a:spcAft>
-          </a:pPr>
-          <a:r>
-            <a:rPr lang="fr-FR" sz="2400" i="1" kern="1200" dirty="0" smtClean="0"/>
-            <a:t>Bilan</a:t>
-          </a:r>
-          <a:endParaRPr lang="fr-FR" sz="1800" i="1" kern="1200" dirty="0"/>
-        </a:p>
-      </dsp:txBody>
-      <dsp:txXfrm>
-        <a:off x="6883513" y="0"/>
-        <a:ext cx="2460464" cy="336884"/>
-      </dsp:txXfrm>
-    </dsp:sp>
-    <dsp:sp modelId="{0CC8E1C3-4157-4992-BCEB-C1333A5D98B4}">
-      <dsp:nvSpPr>
-        <dsp:cNvPr id="0" name=""/>
-        <dsp:cNvSpPr/>
-      </dsp:nvSpPr>
-      <dsp:spPr>
-        <a:xfrm>
-          <a:off x="8952950" y="0"/>
-          <a:ext cx="2797348" cy="336884"/>
-        </a:xfrm>
-        <a:prstGeom prst="chevron">
-          <a:avLst/>
-        </a:prstGeom>
-        <a:solidFill>
-          <a:schemeClr val="accent6">
-            <a:hueOff val="0"/>
-            <a:satOff val="0"/>
-            <a:lumOff val="0"/>
-            <a:alphaOff val="0"/>
-          </a:schemeClr>
-        </a:solidFill>
-        <a:ln w="19050" cap="flat" cmpd="sng" algn="ctr">
-          <a:solidFill>
-            <a:schemeClr val="lt1">
-              <a:hueOff val="0"/>
-              <a:satOff val="0"/>
-              <a:lumOff val="0"/>
-              <a:alphaOff val="0"/>
-            </a:schemeClr>
-          </a:solidFill>
-          <a:prstDash val="solid"/>
-        </a:ln>
-        <a:effectLst/>
-      </dsp:spPr>
-      <dsp:style>
-        <a:lnRef idx="3">
-          <a:scrgbClr r="0" g="0" b="0"/>
-        </a:lnRef>
-        <a:fillRef idx="1">
-          <a:scrgbClr r="0" g="0" b="0"/>
-        </a:fillRef>
-        <a:effectRef idx="1">
-          <a:scrgbClr r="0" g="0" b="0"/>
-        </a:effectRef>
-        <a:fontRef idx="minor">
-          <a:schemeClr val="lt1"/>
-        </a:fontRef>
-      </dsp:style>
-      <dsp:txBody>
-        <a:bodyPr spcFirstLastPara="0" vert="horz" wrap="square" lIns="72009" tIns="48006" rIns="24003" bIns="48006" numCol="1" spcCol="1270" anchor="ctr" anchorCtr="0">
-          <a:noAutofit/>
-        </a:bodyPr>
-        <a:lstStyle/>
-        <a:p>
-          <a:pPr lvl="0" algn="ctr" defTabSz="800100">
-            <a:lnSpc>
-              <a:spcPct val="90000"/>
-            </a:lnSpc>
-            <a:spcBef>
-              <a:spcPct val="0"/>
-            </a:spcBef>
-            <a:spcAft>
-              <a:spcPct val="35000"/>
-            </a:spcAft>
-          </a:pPr>
-          <a:r>
-            <a:rPr lang="fr-FR" sz="1800" b="0" i="0" kern="1200" dirty="0" smtClean="0"/>
-            <a:t>Démonstration</a:t>
-          </a:r>
-          <a:endParaRPr lang="fr-FR" sz="1800" b="0" i="0" kern="1200" dirty="0"/>
-        </a:p>
-      </dsp:txBody>
-      <dsp:txXfrm>
-        <a:off x="9121392" y="0"/>
-        <a:ext cx="2460464" cy="336884"/>
-      </dsp:txXfrm>
-    </dsp:sp>
   </dsp:spTree>
 </dsp:drawing>
 </file>
@@ -18172,8 +17085,9 @@
           </a:pPr>
           <a:r>
             <a:rPr lang="fr-FR" sz="1800" kern="1200" dirty="0" smtClean="0"/>
-            <a:t>Plus de 50 heures /</a:t>
+            <a:t>40 h/</a:t>
           </a:r>
+          <a:endParaRPr lang="fr-FR" sz="1800" kern="1200" dirty="0" smtClean="0"/>
         </a:p>
         <a:p>
           <a:pPr lvl="0" algn="ctr" defTabSz="800100">
@@ -18319,391 +17233,6 @@
       <dsp:cNvGrpSpPr/>
     </dsp:nvGrpSpPr>
     <dsp:grpSpPr/>
-    <dsp:sp modelId="{432CD230-FEE0-4209-A1E2-E14178F8D4D8}">
-      <dsp:nvSpPr>
-        <dsp:cNvPr id="0" name=""/>
-        <dsp:cNvSpPr/>
-      </dsp:nvSpPr>
-      <dsp:spPr>
-        <a:xfrm>
-          <a:off x="1434" y="0"/>
-          <a:ext cx="2797348" cy="336884"/>
-        </a:xfrm>
-        <a:prstGeom prst="homePlate">
-          <a:avLst/>
-        </a:prstGeom>
-        <a:solidFill>
-          <a:schemeClr val="accent2">
-            <a:hueOff val="0"/>
-            <a:satOff val="0"/>
-            <a:lumOff val="0"/>
-            <a:alphaOff val="0"/>
-          </a:schemeClr>
-        </a:solidFill>
-        <a:ln w="19050" cap="flat" cmpd="sng" algn="ctr">
-          <a:solidFill>
-            <a:schemeClr val="lt1">
-              <a:hueOff val="0"/>
-              <a:satOff val="0"/>
-              <a:lumOff val="0"/>
-              <a:alphaOff val="0"/>
-            </a:schemeClr>
-          </a:solidFill>
-          <a:prstDash val="solid"/>
-        </a:ln>
-        <a:effectLst/>
-      </dsp:spPr>
-      <dsp:style>
-        <a:lnRef idx="3">
-          <a:scrgbClr r="0" g="0" b="0"/>
-        </a:lnRef>
-        <a:fillRef idx="1">
-          <a:scrgbClr r="0" g="0" b="0"/>
-        </a:fillRef>
-        <a:effectRef idx="1">
-          <a:scrgbClr r="0" g="0" b="0"/>
-        </a:effectRef>
-        <a:fontRef idx="minor">
-          <a:schemeClr val="lt1"/>
-        </a:fontRef>
-      </dsp:style>
-      <dsp:txBody>
-        <a:bodyPr spcFirstLastPara="0" vert="horz" wrap="square" lIns="128016" tIns="64008" rIns="32004" bIns="64008" numCol="1" spcCol="1270" anchor="ctr" anchorCtr="0">
-          <a:noAutofit/>
-        </a:bodyPr>
-        <a:lstStyle/>
-        <a:p>
-          <a:pPr lvl="0" algn="ctr" defTabSz="1066800">
-            <a:lnSpc>
-              <a:spcPct val="90000"/>
-            </a:lnSpc>
-            <a:spcBef>
-              <a:spcPct val="0"/>
-            </a:spcBef>
-            <a:spcAft>
-              <a:spcPct val="35000"/>
-            </a:spcAft>
-          </a:pPr>
-          <a:r>
-            <a:rPr lang="fr-FR" sz="2400" i="1" kern="1200" dirty="0" smtClean="0"/>
-            <a:t>Sujet</a:t>
-          </a:r>
-          <a:endParaRPr lang="fr-FR" sz="2400" i="1" kern="1200" dirty="0"/>
-        </a:p>
-      </dsp:txBody>
-      <dsp:txXfrm>
-        <a:off x="1434" y="0"/>
-        <a:ext cx="2713127" cy="336884"/>
-      </dsp:txXfrm>
-    </dsp:sp>
-    <dsp:sp modelId="{BF36116C-7362-4FBA-B493-4C2CC2BF6976}">
-      <dsp:nvSpPr>
-        <dsp:cNvPr id="0" name=""/>
-        <dsp:cNvSpPr/>
-      </dsp:nvSpPr>
-      <dsp:spPr>
-        <a:xfrm>
-          <a:off x="2239313" y="0"/>
-          <a:ext cx="2797348" cy="336884"/>
-        </a:xfrm>
-        <a:prstGeom prst="chevron">
-          <a:avLst/>
-        </a:prstGeom>
-        <a:solidFill>
-          <a:schemeClr val="accent3">
-            <a:hueOff val="0"/>
-            <a:satOff val="0"/>
-            <a:lumOff val="0"/>
-            <a:alphaOff val="0"/>
-          </a:schemeClr>
-        </a:solidFill>
-        <a:ln w="19050" cap="flat" cmpd="sng" algn="ctr">
-          <a:solidFill>
-            <a:schemeClr val="lt1">
-              <a:hueOff val="0"/>
-              <a:satOff val="0"/>
-              <a:lumOff val="0"/>
-              <a:alphaOff val="0"/>
-            </a:schemeClr>
-          </a:solidFill>
-          <a:prstDash val="solid"/>
-        </a:ln>
-        <a:effectLst/>
-      </dsp:spPr>
-      <dsp:style>
-        <a:lnRef idx="3">
-          <a:scrgbClr r="0" g="0" b="0"/>
-        </a:lnRef>
-        <a:fillRef idx="1">
-          <a:scrgbClr r="0" g="0" b="0"/>
-        </a:fillRef>
-        <a:effectRef idx="1">
-          <a:scrgbClr r="0" g="0" b="0"/>
-        </a:effectRef>
-        <a:fontRef idx="minor">
-          <a:schemeClr val="lt1"/>
-        </a:fontRef>
-      </dsp:style>
-      <dsp:txBody>
-        <a:bodyPr spcFirstLastPara="0" vert="horz" wrap="square" lIns="72009" tIns="48006" rIns="24003" bIns="48006" numCol="1" spcCol="1270" anchor="ctr" anchorCtr="0">
-          <a:noAutofit/>
-        </a:bodyPr>
-        <a:lstStyle/>
-        <a:p>
-          <a:pPr lvl="0" algn="ctr" defTabSz="800100">
-            <a:lnSpc>
-              <a:spcPct val="90000"/>
-            </a:lnSpc>
-            <a:spcBef>
-              <a:spcPct val="0"/>
-            </a:spcBef>
-            <a:spcAft>
-              <a:spcPct val="35000"/>
-            </a:spcAft>
-          </a:pPr>
-          <a:r>
-            <a:rPr lang="fr-FR" sz="1800" kern="1200" dirty="0" smtClean="0"/>
-            <a:t>Méthodologie</a:t>
-          </a:r>
-          <a:endParaRPr lang="fr-FR" sz="1800" kern="1200" dirty="0"/>
-        </a:p>
-      </dsp:txBody>
-      <dsp:txXfrm>
-        <a:off x="2407755" y="0"/>
-        <a:ext cx="2460464" cy="336884"/>
-      </dsp:txXfrm>
-    </dsp:sp>
-    <dsp:sp modelId="{10103450-6A68-475F-A740-88D1385D49F4}">
-      <dsp:nvSpPr>
-        <dsp:cNvPr id="0" name=""/>
-        <dsp:cNvSpPr/>
-      </dsp:nvSpPr>
-      <dsp:spPr>
-        <a:xfrm>
-          <a:off x="4477192" y="0"/>
-          <a:ext cx="2797348" cy="336884"/>
-        </a:xfrm>
-        <a:prstGeom prst="chevron">
-          <a:avLst/>
-        </a:prstGeom>
-        <a:solidFill>
-          <a:schemeClr val="accent4">
-            <a:hueOff val="0"/>
-            <a:satOff val="0"/>
-            <a:lumOff val="0"/>
-            <a:alphaOff val="0"/>
-          </a:schemeClr>
-        </a:solidFill>
-        <a:ln w="19050" cap="flat" cmpd="sng" algn="ctr">
-          <a:solidFill>
-            <a:schemeClr val="lt1">
-              <a:hueOff val="0"/>
-              <a:satOff val="0"/>
-              <a:lumOff val="0"/>
-              <a:alphaOff val="0"/>
-            </a:schemeClr>
-          </a:solidFill>
-          <a:prstDash val="solid"/>
-        </a:ln>
-        <a:effectLst/>
-      </dsp:spPr>
-      <dsp:style>
-        <a:lnRef idx="3">
-          <a:scrgbClr r="0" g="0" b="0"/>
-        </a:lnRef>
-        <a:fillRef idx="1">
-          <a:scrgbClr r="0" g="0" b="0"/>
-        </a:fillRef>
-        <a:effectRef idx="1">
-          <a:scrgbClr r="0" g="0" b="0"/>
-        </a:effectRef>
-        <a:fontRef idx="minor">
-          <a:schemeClr val="lt1"/>
-        </a:fontRef>
-      </dsp:style>
-      <dsp:txBody>
-        <a:bodyPr spcFirstLastPara="0" vert="horz" wrap="square" lIns="72009" tIns="48006" rIns="24003" bIns="48006" numCol="1" spcCol="1270" anchor="ctr" anchorCtr="0">
-          <a:noAutofit/>
-        </a:bodyPr>
-        <a:lstStyle/>
-        <a:p>
-          <a:pPr lvl="0" algn="ctr" defTabSz="800100">
-            <a:lnSpc>
-              <a:spcPct val="90000"/>
-            </a:lnSpc>
-            <a:spcBef>
-              <a:spcPct val="0"/>
-            </a:spcBef>
-            <a:spcAft>
-              <a:spcPct val="35000"/>
-            </a:spcAft>
-          </a:pPr>
-          <a:r>
-            <a:rPr lang="fr-FR" sz="1800" kern="1200" dirty="0" smtClean="0"/>
-            <a:t>Conception</a:t>
-          </a:r>
-          <a:endParaRPr lang="fr-FR" sz="1800" kern="1200" dirty="0"/>
-        </a:p>
-      </dsp:txBody>
-      <dsp:txXfrm>
-        <a:off x="4645634" y="0"/>
-        <a:ext cx="2460464" cy="336884"/>
-      </dsp:txXfrm>
-    </dsp:sp>
-    <dsp:sp modelId="{8550E3DC-F81D-4ADB-96EF-9C933F38F645}">
-      <dsp:nvSpPr>
-        <dsp:cNvPr id="0" name=""/>
-        <dsp:cNvSpPr/>
-      </dsp:nvSpPr>
-      <dsp:spPr>
-        <a:xfrm>
-          <a:off x="6715071" y="0"/>
-          <a:ext cx="2797348" cy="336884"/>
-        </a:xfrm>
-        <a:prstGeom prst="chevron">
-          <a:avLst/>
-        </a:prstGeom>
-        <a:solidFill>
-          <a:schemeClr val="accent5">
-            <a:hueOff val="0"/>
-            <a:satOff val="0"/>
-            <a:lumOff val="0"/>
-            <a:alphaOff val="0"/>
-          </a:schemeClr>
-        </a:solidFill>
-        <a:ln w="19050" cap="flat" cmpd="sng" algn="ctr">
-          <a:solidFill>
-            <a:schemeClr val="lt1">
-              <a:hueOff val="0"/>
-              <a:satOff val="0"/>
-              <a:lumOff val="0"/>
-              <a:alphaOff val="0"/>
-            </a:schemeClr>
-          </a:solidFill>
-          <a:prstDash val="solid"/>
-        </a:ln>
-        <a:effectLst/>
-      </dsp:spPr>
-      <dsp:style>
-        <a:lnRef idx="3">
-          <a:scrgbClr r="0" g="0" b="0"/>
-        </a:lnRef>
-        <a:fillRef idx="1">
-          <a:scrgbClr r="0" g="0" b="0"/>
-        </a:fillRef>
-        <a:effectRef idx="1">
-          <a:scrgbClr r="0" g="0" b="0"/>
-        </a:effectRef>
-        <a:fontRef idx="minor">
-          <a:schemeClr val="lt1"/>
-        </a:fontRef>
-      </dsp:style>
-      <dsp:txBody>
-        <a:bodyPr spcFirstLastPara="0" vert="horz" wrap="square" lIns="72009" tIns="48006" rIns="24003" bIns="48006" numCol="1" spcCol="1270" anchor="ctr" anchorCtr="0">
-          <a:noAutofit/>
-        </a:bodyPr>
-        <a:lstStyle/>
-        <a:p>
-          <a:pPr lvl="0" algn="ctr" defTabSz="800100">
-            <a:lnSpc>
-              <a:spcPct val="90000"/>
-            </a:lnSpc>
-            <a:spcBef>
-              <a:spcPct val="0"/>
-            </a:spcBef>
-            <a:spcAft>
-              <a:spcPct val="35000"/>
-            </a:spcAft>
-          </a:pPr>
-          <a:r>
-            <a:rPr lang="fr-FR" sz="1800" kern="1200" dirty="0" smtClean="0"/>
-            <a:t>Bilan</a:t>
-          </a:r>
-          <a:endParaRPr lang="fr-FR" sz="1800" kern="1200" dirty="0"/>
-        </a:p>
-      </dsp:txBody>
-      <dsp:txXfrm>
-        <a:off x="6883513" y="0"/>
-        <a:ext cx="2460464" cy="336884"/>
-      </dsp:txXfrm>
-    </dsp:sp>
-    <dsp:sp modelId="{0CC8E1C3-4157-4992-BCEB-C1333A5D98B4}">
-      <dsp:nvSpPr>
-        <dsp:cNvPr id="0" name=""/>
-        <dsp:cNvSpPr/>
-      </dsp:nvSpPr>
-      <dsp:spPr>
-        <a:xfrm>
-          <a:off x="8952950" y="0"/>
-          <a:ext cx="2797348" cy="336884"/>
-        </a:xfrm>
-        <a:prstGeom prst="chevron">
-          <a:avLst/>
-        </a:prstGeom>
-        <a:solidFill>
-          <a:schemeClr val="accent6">
-            <a:hueOff val="0"/>
-            <a:satOff val="0"/>
-            <a:lumOff val="0"/>
-            <a:alphaOff val="0"/>
-          </a:schemeClr>
-        </a:solidFill>
-        <a:ln w="19050" cap="flat" cmpd="sng" algn="ctr">
-          <a:solidFill>
-            <a:schemeClr val="lt1">
-              <a:hueOff val="0"/>
-              <a:satOff val="0"/>
-              <a:lumOff val="0"/>
-              <a:alphaOff val="0"/>
-            </a:schemeClr>
-          </a:solidFill>
-          <a:prstDash val="solid"/>
-        </a:ln>
-        <a:effectLst/>
-      </dsp:spPr>
-      <dsp:style>
-        <a:lnRef idx="3">
-          <a:scrgbClr r="0" g="0" b="0"/>
-        </a:lnRef>
-        <a:fillRef idx="1">
-          <a:scrgbClr r="0" g="0" b="0"/>
-        </a:fillRef>
-        <a:effectRef idx="1">
-          <a:scrgbClr r="0" g="0" b="0"/>
-        </a:effectRef>
-        <a:fontRef idx="minor">
-          <a:schemeClr val="lt1"/>
-        </a:fontRef>
-      </dsp:style>
-      <dsp:txBody>
-        <a:bodyPr spcFirstLastPara="0" vert="horz" wrap="square" lIns="72009" tIns="48006" rIns="24003" bIns="48006" numCol="1" spcCol="1270" anchor="ctr" anchorCtr="0">
-          <a:noAutofit/>
-        </a:bodyPr>
-        <a:lstStyle/>
-        <a:p>
-          <a:pPr lvl="0" algn="ctr" defTabSz="800100">
-            <a:lnSpc>
-              <a:spcPct val="90000"/>
-            </a:lnSpc>
-            <a:spcBef>
-              <a:spcPct val="0"/>
-            </a:spcBef>
-            <a:spcAft>
-              <a:spcPct val="35000"/>
-            </a:spcAft>
-          </a:pPr>
-          <a:r>
-            <a:rPr lang="fr-FR" sz="1800" kern="1200" dirty="0" smtClean="0"/>
-            <a:t>Démonstration</a:t>
-          </a:r>
-          <a:endParaRPr lang="fr-FR" sz="1800" kern="1200" dirty="0"/>
-        </a:p>
-      </dsp:txBody>
-      <dsp:txXfrm>
-        <a:off x="9121392" y="0"/>
-        <a:ext cx="2460464" cy="336884"/>
-      </dsp:txXfrm>
-    </dsp:sp>
   </dsp:spTree>
 </dsp:drawing>
 </file>
@@ -18716,391 +17245,6 @@
       <dsp:cNvGrpSpPr/>
     </dsp:nvGrpSpPr>
     <dsp:grpSpPr/>
-    <dsp:sp modelId="{432CD230-FEE0-4209-A1E2-E14178F8D4D8}">
-      <dsp:nvSpPr>
-        <dsp:cNvPr id="0" name=""/>
-        <dsp:cNvSpPr/>
-      </dsp:nvSpPr>
-      <dsp:spPr>
-        <a:xfrm>
-          <a:off x="1434" y="0"/>
-          <a:ext cx="2797348" cy="336884"/>
-        </a:xfrm>
-        <a:prstGeom prst="homePlate">
-          <a:avLst/>
-        </a:prstGeom>
-        <a:solidFill>
-          <a:schemeClr val="accent2">
-            <a:hueOff val="0"/>
-            <a:satOff val="0"/>
-            <a:lumOff val="0"/>
-            <a:alphaOff val="0"/>
-          </a:schemeClr>
-        </a:solidFill>
-        <a:ln w="19050" cap="flat" cmpd="sng" algn="ctr">
-          <a:solidFill>
-            <a:schemeClr val="lt1">
-              <a:hueOff val="0"/>
-              <a:satOff val="0"/>
-              <a:lumOff val="0"/>
-              <a:alphaOff val="0"/>
-            </a:schemeClr>
-          </a:solidFill>
-          <a:prstDash val="solid"/>
-        </a:ln>
-        <a:effectLst/>
-      </dsp:spPr>
-      <dsp:style>
-        <a:lnRef idx="3">
-          <a:scrgbClr r="0" g="0" b="0"/>
-        </a:lnRef>
-        <a:fillRef idx="1">
-          <a:scrgbClr r="0" g="0" b="0"/>
-        </a:fillRef>
-        <a:effectRef idx="1">
-          <a:scrgbClr r="0" g="0" b="0"/>
-        </a:effectRef>
-        <a:fontRef idx="minor">
-          <a:schemeClr val="lt1"/>
-        </a:fontRef>
-      </dsp:style>
-      <dsp:txBody>
-        <a:bodyPr spcFirstLastPara="0" vert="horz" wrap="square" lIns="128016" tIns="64008" rIns="32004" bIns="64008" numCol="1" spcCol="1270" anchor="ctr" anchorCtr="0">
-          <a:noAutofit/>
-        </a:bodyPr>
-        <a:lstStyle/>
-        <a:p>
-          <a:pPr lvl="0" algn="ctr" defTabSz="1066800">
-            <a:lnSpc>
-              <a:spcPct val="90000"/>
-            </a:lnSpc>
-            <a:spcBef>
-              <a:spcPct val="0"/>
-            </a:spcBef>
-            <a:spcAft>
-              <a:spcPct val="35000"/>
-            </a:spcAft>
-          </a:pPr>
-          <a:r>
-            <a:rPr lang="fr-FR" sz="2400" i="1" kern="1200" dirty="0" smtClean="0"/>
-            <a:t>Sujet</a:t>
-          </a:r>
-          <a:endParaRPr lang="fr-FR" sz="2400" i="1" kern="1200" dirty="0"/>
-        </a:p>
-      </dsp:txBody>
-      <dsp:txXfrm>
-        <a:off x="1434" y="0"/>
-        <a:ext cx="2713127" cy="336884"/>
-      </dsp:txXfrm>
-    </dsp:sp>
-    <dsp:sp modelId="{BF36116C-7362-4FBA-B493-4C2CC2BF6976}">
-      <dsp:nvSpPr>
-        <dsp:cNvPr id="0" name=""/>
-        <dsp:cNvSpPr/>
-      </dsp:nvSpPr>
-      <dsp:spPr>
-        <a:xfrm>
-          <a:off x="2239313" y="0"/>
-          <a:ext cx="2797348" cy="336884"/>
-        </a:xfrm>
-        <a:prstGeom prst="chevron">
-          <a:avLst/>
-        </a:prstGeom>
-        <a:solidFill>
-          <a:schemeClr val="accent3">
-            <a:hueOff val="0"/>
-            <a:satOff val="0"/>
-            <a:lumOff val="0"/>
-            <a:alphaOff val="0"/>
-          </a:schemeClr>
-        </a:solidFill>
-        <a:ln w="19050" cap="flat" cmpd="sng" algn="ctr">
-          <a:solidFill>
-            <a:schemeClr val="lt1">
-              <a:hueOff val="0"/>
-              <a:satOff val="0"/>
-              <a:lumOff val="0"/>
-              <a:alphaOff val="0"/>
-            </a:schemeClr>
-          </a:solidFill>
-          <a:prstDash val="solid"/>
-        </a:ln>
-        <a:effectLst/>
-      </dsp:spPr>
-      <dsp:style>
-        <a:lnRef idx="3">
-          <a:scrgbClr r="0" g="0" b="0"/>
-        </a:lnRef>
-        <a:fillRef idx="1">
-          <a:scrgbClr r="0" g="0" b="0"/>
-        </a:fillRef>
-        <a:effectRef idx="1">
-          <a:scrgbClr r="0" g="0" b="0"/>
-        </a:effectRef>
-        <a:fontRef idx="minor">
-          <a:schemeClr val="lt1"/>
-        </a:fontRef>
-      </dsp:style>
-      <dsp:txBody>
-        <a:bodyPr spcFirstLastPara="0" vert="horz" wrap="square" lIns="72009" tIns="48006" rIns="24003" bIns="48006" numCol="1" spcCol="1270" anchor="ctr" anchorCtr="0">
-          <a:noAutofit/>
-        </a:bodyPr>
-        <a:lstStyle/>
-        <a:p>
-          <a:pPr lvl="0" algn="ctr" defTabSz="800100">
-            <a:lnSpc>
-              <a:spcPct val="90000"/>
-            </a:lnSpc>
-            <a:spcBef>
-              <a:spcPct val="0"/>
-            </a:spcBef>
-            <a:spcAft>
-              <a:spcPct val="35000"/>
-            </a:spcAft>
-          </a:pPr>
-          <a:r>
-            <a:rPr lang="fr-FR" sz="1800" kern="1200" dirty="0" smtClean="0"/>
-            <a:t>Méthodologie</a:t>
-          </a:r>
-          <a:endParaRPr lang="fr-FR" sz="1800" kern="1200" dirty="0"/>
-        </a:p>
-      </dsp:txBody>
-      <dsp:txXfrm>
-        <a:off x="2407755" y="0"/>
-        <a:ext cx="2460464" cy="336884"/>
-      </dsp:txXfrm>
-    </dsp:sp>
-    <dsp:sp modelId="{10103450-6A68-475F-A740-88D1385D49F4}">
-      <dsp:nvSpPr>
-        <dsp:cNvPr id="0" name=""/>
-        <dsp:cNvSpPr/>
-      </dsp:nvSpPr>
-      <dsp:spPr>
-        <a:xfrm>
-          <a:off x="4477192" y="0"/>
-          <a:ext cx="2797348" cy="336884"/>
-        </a:xfrm>
-        <a:prstGeom prst="chevron">
-          <a:avLst/>
-        </a:prstGeom>
-        <a:solidFill>
-          <a:schemeClr val="accent4">
-            <a:hueOff val="0"/>
-            <a:satOff val="0"/>
-            <a:lumOff val="0"/>
-            <a:alphaOff val="0"/>
-          </a:schemeClr>
-        </a:solidFill>
-        <a:ln w="19050" cap="flat" cmpd="sng" algn="ctr">
-          <a:solidFill>
-            <a:schemeClr val="lt1">
-              <a:hueOff val="0"/>
-              <a:satOff val="0"/>
-              <a:lumOff val="0"/>
-              <a:alphaOff val="0"/>
-            </a:schemeClr>
-          </a:solidFill>
-          <a:prstDash val="solid"/>
-        </a:ln>
-        <a:effectLst/>
-      </dsp:spPr>
-      <dsp:style>
-        <a:lnRef idx="3">
-          <a:scrgbClr r="0" g="0" b="0"/>
-        </a:lnRef>
-        <a:fillRef idx="1">
-          <a:scrgbClr r="0" g="0" b="0"/>
-        </a:fillRef>
-        <a:effectRef idx="1">
-          <a:scrgbClr r="0" g="0" b="0"/>
-        </a:effectRef>
-        <a:fontRef idx="minor">
-          <a:schemeClr val="lt1"/>
-        </a:fontRef>
-      </dsp:style>
-      <dsp:txBody>
-        <a:bodyPr spcFirstLastPara="0" vert="horz" wrap="square" lIns="72009" tIns="48006" rIns="24003" bIns="48006" numCol="1" spcCol="1270" anchor="ctr" anchorCtr="0">
-          <a:noAutofit/>
-        </a:bodyPr>
-        <a:lstStyle/>
-        <a:p>
-          <a:pPr lvl="0" algn="ctr" defTabSz="800100">
-            <a:lnSpc>
-              <a:spcPct val="90000"/>
-            </a:lnSpc>
-            <a:spcBef>
-              <a:spcPct val="0"/>
-            </a:spcBef>
-            <a:spcAft>
-              <a:spcPct val="35000"/>
-            </a:spcAft>
-          </a:pPr>
-          <a:r>
-            <a:rPr lang="fr-FR" sz="1800" kern="1200" dirty="0" smtClean="0"/>
-            <a:t>Conception</a:t>
-          </a:r>
-          <a:endParaRPr lang="fr-FR" sz="1800" kern="1200" dirty="0"/>
-        </a:p>
-      </dsp:txBody>
-      <dsp:txXfrm>
-        <a:off x="4645634" y="0"/>
-        <a:ext cx="2460464" cy="336884"/>
-      </dsp:txXfrm>
-    </dsp:sp>
-    <dsp:sp modelId="{8550E3DC-F81D-4ADB-96EF-9C933F38F645}">
-      <dsp:nvSpPr>
-        <dsp:cNvPr id="0" name=""/>
-        <dsp:cNvSpPr/>
-      </dsp:nvSpPr>
-      <dsp:spPr>
-        <a:xfrm>
-          <a:off x="6715071" y="0"/>
-          <a:ext cx="2797348" cy="336884"/>
-        </a:xfrm>
-        <a:prstGeom prst="chevron">
-          <a:avLst/>
-        </a:prstGeom>
-        <a:solidFill>
-          <a:schemeClr val="accent5">
-            <a:hueOff val="0"/>
-            <a:satOff val="0"/>
-            <a:lumOff val="0"/>
-            <a:alphaOff val="0"/>
-          </a:schemeClr>
-        </a:solidFill>
-        <a:ln w="19050" cap="flat" cmpd="sng" algn="ctr">
-          <a:solidFill>
-            <a:schemeClr val="lt1">
-              <a:hueOff val="0"/>
-              <a:satOff val="0"/>
-              <a:lumOff val="0"/>
-              <a:alphaOff val="0"/>
-            </a:schemeClr>
-          </a:solidFill>
-          <a:prstDash val="solid"/>
-        </a:ln>
-        <a:effectLst/>
-      </dsp:spPr>
-      <dsp:style>
-        <a:lnRef idx="3">
-          <a:scrgbClr r="0" g="0" b="0"/>
-        </a:lnRef>
-        <a:fillRef idx="1">
-          <a:scrgbClr r="0" g="0" b="0"/>
-        </a:fillRef>
-        <a:effectRef idx="1">
-          <a:scrgbClr r="0" g="0" b="0"/>
-        </a:effectRef>
-        <a:fontRef idx="minor">
-          <a:schemeClr val="lt1"/>
-        </a:fontRef>
-      </dsp:style>
-      <dsp:txBody>
-        <a:bodyPr spcFirstLastPara="0" vert="horz" wrap="square" lIns="72009" tIns="48006" rIns="24003" bIns="48006" numCol="1" spcCol="1270" anchor="ctr" anchorCtr="0">
-          <a:noAutofit/>
-        </a:bodyPr>
-        <a:lstStyle/>
-        <a:p>
-          <a:pPr lvl="0" algn="ctr" defTabSz="800100">
-            <a:lnSpc>
-              <a:spcPct val="90000"/>
-            </a:lnSpc>
-            <a:spcBef>
-              <a:spcPct val="0"/>
-            </a:spcBef>
-            <a:spcAft>
-              <a:spcPct val="35000"/>
-            </a:spcAft>
-          </a:pPr>
-          <a:r>
-            <a:rPr lang="fr-FR" sz="1800" kern="1200" dirty="0" smtClean="0"/>
-            <a:t>Bilan</a:t>
-          </a:r>
-          <a:endParaRPr lang="fr-FR" sz="1800" kern="1200" dirty="0"/>
-        </a:p>
-      </dsp:txBody>
-      <dsp:txXfrm>
-        <a:off x="6883513" y="0"/>
-        <a:ext cx="2460464" cy="336884"/>
-      </dsp:txXfrm>
-    </dsp:sp>
-    <dsp:sp modelId="{0CC8E1C3-4157-4992-BCEB-C1333A5D98B4}">
-      <dsp:nvSpPr>
-        <dsp:cNvPr id="0" name=""/>
-        <dsp:cNvSpPr/>
-      </dsp:nvSpPr>
-      <dsp:spPr>
-        <a:xfrm>
-          <a:off x="8954385" y="0"/>
-          <a:ext cx="2797348" cy="336884"/>
-        </a:xfrm>
-        <a:prstGeom prst="chevron">
-          <a:avLst/>
-        </a:prstGeom>
-        <a:solidFill>
-          <a:schemeClr val="accent6">
-            <a:hueOff val="0"/>
-            <a:satOff val="0"/>
-            <a:lumOff val="0"/>
-            <a:alphaOff val="0"/>
-          </a:schemeClr>
-        </a:solidFill>
-        <a:ln w="19050" cap="flat" cmpd="sng" algn="ctr">
-          <a:solidFill>
-            <a:schemeClr val="lt1">
-              <a:hueOff val="0"/>
-              <a:satOff val="0"/>
-              <a:lumOff val="0"/>
-              <a:alphaOff val="0"/>
-            </a:schemeClr>
-          </a:solidFill>
-          <a:prstDash val="solid"/>
-        </a:ln>
-        <a:effectLst/>
-      </dsp:spPr>
-      <dsp:style>
-        <a:lnRef idx="3">
-          <a:scrgbClr r="0" g="0" b="0"/>
-        </a:lnRef>
-        <a:fillRef idx="1">
-          <a:scrgbClr r="0" g="0" b="0"/>
-        </a:fillRef>
-        <a:effectRef idx="1">
-          <a:scrgbClr r="0" g="0" b="0"/>
-        </a:effectRef>
-        <a:fontRef idx="minor">
-          <a:schemeClr val="lt1"/>
-        </a:fontRef>
-      </dsp:style>
-      <dsp:txBody>
-        <a:bodyPr spcFirstLastPara="0" vert="horz" wrap="square" lIns="72009" tIns="48006" rIns="24003" bIns="48006" numCol="1" spcCol="1270" anchor="ctr" anchorCtr="0">
-          <a:noAutofit/>
-        </a:bodyPr>
-        <a:lstStyle/>
-        <a:p>
-          <a:pPr lvl="0" algn="ctr" defTabSz="800100">
-            <a:lnSpc>
-              <a:spcPct val="90000"/>
-            </a:lnSpc>
-            <a:spcBef>
-              <a:spcPct val="0"/>
-            </a:spcBef>
-            <a:spcAft>
-              <a:spcPct val="35000"/>
-            </a:spcAft>
-          </a:pPr>
-          <a:r>
-            <a:rPr lang="fr-FR" sz="1800" kern="1200" dirty="0" smtClean="0"/>
-            <a:t>Démonstration</a:t>
-          </a:r>
-          <a:endParaRPr lang="fr-FR" sz="1800" kern="1200" dirty="0"/>
-        </a:p>
-      </dsp:txBody>
-      <dsp:txXfrm>
-        <a:off x="9122827" y="0"/>
-        <a:ext cx="2460464" cy="336884"/>
-      </dsp:txXfrm>
-    </dsp:sp>
   </dsp:spTree>
 </dsp:drawing>
 </file>
@@ -19113,391 +17257,6 @@
       <dsp:cNvGrpSpPr/>
     </dsp:nvGrpSpPr>
     <dsp:grpSpPr/>
-    <dsp:sp modelId="{432CD230-FEE0-4209-A1E2-E14178F8D4D8}">
-      <dsp:nvSpPr>
-        <dsp:cNvPr id="0" name=""/>
-        <dsp:cNvSpPr/>
-      </dsp:nvSpPr>
-      <dsp:spPr>
-        <a:xfrm>
-          <a:off x="1434" y="0"/>
-          <a:ext cx="2797348" cy="336884"/>
-        </a:xfrm>
-        <a:prstGeom prst="homePlate">
-          <a:avLst/>
-        </a:prstGeom>
-        <a:solidFill>
-          <a:schemeClr val="accent2">
-            <a:hueOff val="0"/>
-            <a:satOff val="0"/>
-            <a:lumOff val="0"/>
-            <a:alphaOff val="0"/>
-          </a:schemeClr>
-        </a:solidFill>
-        <a:ln w="19050" cap="flat" cmpd="sng" algn="ctr">
-          <a:solidFill>
-            <a:schemeClr val="lt1">
-              <a:hueOff val="0"/>
-              <a:satOff val="0"/>
-              <a:lumOff val="0"/>
-              <a:alphaOff val="0"/>
-            </a:schemeClr>
-          </a:solidFill>
-          <a:prstDash val="solid"/>
-        </a:ln>
-        <a:effectLst/>
-      </dsp:spPr>
-      <dsp:style>
-        <a:lnRef idx="3">
-          <a:scrgbClr r="0" g="0" b="0"/>
-        </a:lnRef>
-        <a:fillRef idx="1">
-          <a:scrgbClr r="0" g="0" b="0"/>
-        </a:fillRef>
-        <a:effectRef idx="1">
-          <a:scrgbClr r="0" g="0" b="0"/>
-        </a:effectRef>
-        <a:fontRef idx="minor">
-          <a:schemeClr val="lt1"/>
-        </a:fontRef>
-      </dsp:style>
-      <dsp:txBody>
-        <a:bodyPr spcFirstLastPara="0" vert="horz" wrap="square" lIns="96012" tIns="48006" rIns="24003" bIns="48006" numCol="1" spcCol="1270" anchor="ctr" anchorCtr="0">
-          <a:noAutofit/>
-        </a:bodyPr>
-        <a:lstStyle/>
-        <a:p>
-          <a:pPr lvl="0" algn="ctr" defTabSz="800100">
-            <a:lnSpc>
-              <a:spcPct val="90000"/>
-            </a:lnSpc>
-            <a:spcBef>
-              <a:spcPct val="0"/>
-            </a:spcBef>
-            <a:spcAft>
-              <a:spcPct val="35000"/>
-            </a:spcAft>
-          </a:pPr>
-          <a:r>
-            <a:rPr lang="fr-FR" sz="1800" kern="1200" dirty="0" smtClean="0"/>
-            <a:t>Sujet</a:t>
-          </a:r>
-          <a:endParaRPr lang="fr-FR" sz="1800" kern="1200" dirty="0"/>
-        </a:p>
-      </dsp:txBody>
-      <dsp:txXfrm>
-        <a:off x="1434" y="0"/>
-        <a:ext cx="2713127" cy="336884"/>
-      </dsp:txXfrm>
-    </dsp:sp>
-    <dsp:sp modelId="{BF36116C-7362-4FBA-B493-4C2CC2BF6976}">
-      <dsp:nvSpPr>
-        <dsp:cNvPr id="0" name=""/>
-        <dsp:cNvSpPr/>
-      </dsp:nvSpPr>
-      <dsp:spPr>
-        <a:xfrm>
-          <a:off x="2239313" y="0"/>
-          <a:ext cx="2797348" cy="336884"/>
-        </a:xfrm>
-        <a:prstGeom prst="chevron">
-          <a:avLst/>
-        </a:prstGeom>
-        <a:solidFill>
-          <a:schemeClr val="accent3">
-            <a:hueOff val="0"/>
-            <a:satOff val="0"/>
-            <a:lumOff val="0"/>
-            <a:alphaOff val="0"/>
-          </a:schemeClr>
-        </a:solidFill>
-        <a:ln w="19050" cap="flat" cmpd="sng" algn="ctr">
-          <a:solidFill>
-            <a:schemeClr val="lt1">
-              <a:hueOff val="0"/>
-              <a:satOff val="0"/>
-              <a:lumOff val="0"/>
-              <a:alphaOff val="0"/>
-            </a:schemeClr>
-          </a:solidFill>
-          <a:prstDash val="solid"/>
-        </a:ln>
-        <a:effectLst/>
-      </dsp:spPr>
-      <dsp:style>
-        <a:lnRef idx="3">
-          <a:scrgbClr r="0" g="0" b="0"/>
-        </a:lnRef>
-        <a:fillRef idx="1">
-          <a:scrgbClr r="0" g="0" b="0"/>
-        </a:fillRef>
-        <a:effectRef idx="1">
-          <a:scrgbClr r="0" g="0" b="0"/>
-        </a:effectRef>
-        <a:fontRef idx="minor">
-          <a:schemeClr val="lt1"/>
-        </a:fontRef>
-      </dsp:style>
-      <dsp:txBody>
-        <a:bodyPr spcFirstLastPara="0" vert="horz" wrap="square" lIns="96012" tIns="64008" rIns="32004" bIns="64008" numCol="1" spcCol="1270" anchor="ctr" anchorCtr="0">
-          <a:noAutofit/>
-        </a:bodyPr>
-        <a:lstStyle/>
-        <a:p>
-          <a:pPr lvl="0" algn="ctr" defTabSz="1066800">
-            <a:lnSpc>
-              <a:spcPct val="90000"/>
-            </a:lnSpc>
-            <a:spcBef>
-              <a:spcPct val="0"/>
-            </a:spcBef>
-            <a:spcAft>
-              <a:spcPct val="35000"/>
-            </a:spcAft>
-          </a:pPr>
-          <a:r>
-            <a:rPr lang="fr-FR" sz="2400" i="1" kern="1200" dirty="0" smtClean="0"/>
-            <a:t>Méthodologie</a:t>
-          </a:r>
-          <a:endParaRPr lang="fr-FR" sz="2400" i="1" kern="1200" dirty="0"/>
-        </a:p>
-      </dsp:txBody>
-      <dsp:txXfrm>
-        <a:off x="2407755" y="0"/>
-        <a:ext cx="2460464" cy="336884"/>
-      </dsp:txXfrm>
-    </dsp:sp>
-    <dsp:sp modelId="{10103450-6A68-475F-A740-88D1385D49F4}">
-      <dsp:nvSpPr>
-        <dsp:cNvPr id="0" name=""/>
-        <dsp:cNvSpPr/>
-      </dsp:nvSpPr>
-      <dsp:spPr>
-        <a:xfrm>
-          <a:off x="4477192" y="0"/>
-          <a:ext cx="2797348" cy="336884"/>
-        </a:xfrm>
-        <a:prstGeom prst="chevron">
-          <a:avLst/>
-        </a:prstGeom>
-        <a:solidFill>
-          <a:schemeClr val="accent4">
-            <a:hueOff val="0"/>
-            <a:satOff val="0"/>
-            <a:lumOff val="0"/>
-            <a:alphaOff val="0"/>
-          </a:schemeClr>
-        </a:solidFill>
-        <a:ln w="19050" cap="flat" cmpd="sng" algn="ctr">
-          <a:solidFill>
-            <a:schemeClr val="lt1">
-              <a:hueOff val="0"/>
-              <a:satOff val="0"/>
-              <a:lumOff val="0"/>
-              <a:alphaOff val="0"/>
-            </a:schemeClr>
-          </a:solidFill>
-          <a:prstDash val="solid"/>
-        </a:ln>
-        <a:effectLst/>
-      </dsp:spPr>
-      <dsp:style>
-        <a:lnRef idx="3">
-          <a:scrgbClr r="0" g="0" b="0"/>
-        </a:lnRef>
-        <a:fillRef idx="1">
-          <a:scrgbClr r="0" g="0" b="0"/>
-        </a:fillRef>
-        <a:effectRef idx="1">
-          <a:scrgbClr r="0" g="0" b="0"/>
-        </a:effectRef>
-        <a:fontRef idx="minor">
-          <a:schemeClr val="lt1"/>
-        </a:fontRef>
-      </dsp:style>
-      <dsp:txBody>
-        <a:bodyPr spcFirstLastPara="0" vert="horz" wrap="square" lIns="72009" tIns="48006" rIns="24003" bIns="48006" numCol="1" spcCol="1270" anchor="ctr" anchorCtr="0">
-          <a:noAutofit/>
-        </a:bodyPr>
-        <a:lstStyle/>
-        <a:p>
-          <a:pPr lvl="0" algn="ctr" defTabSz="800100">
-            <a:lnSpc>
-              <a:spcPct val="90000"/>
-            </a:lnSpc>
-            <a:spcBef>
-              <a:spcPct val="0"/>
-            </a:spcBef>
-            <a:spcAft>
-              <a:spcPct val="35000"/>
-            </a:spcAft>
-          </a:pPr>
-          <a:r>
-            <a:rPr lang="fr-FR" sz="1800" kern="1200" dirty="0" smtClean="0"/>
-            <a:t>Conception</a:t>
-          </a:r>
-          <a:endParaRPr lang="fr-FR" sz="1800" kern="1200" dirty="0"/>
-        </a:p>
-      </dsp:txBody>
-      <dsp:txXfrm>
-        <a:off x="4645634" y="0"/>
-        <a:ext cx="2460464" cy="336884"/>
-      </dsp:txXfrm>
-    </dsp:sp>
-    <dsp:sp modelId="{8550E3DC-F81D-4ADB-96EF-9C933F38F645}">
-      <dsp:nvSpPr>
-        <dsp:cNvPr id="0" name=""/>
-        <dsp:cNvSpPr/>
-      </dsp:nvSpPr>
-      <dsp:spPr>
-        <a:xfrm>
-          <a:off x="6715071" y="0"/>
-          <a:ext cx="2797348" cy="336884"/>
-        </a:xfrm>
-        <a:prstGeom prst="chevron">
-          <a:avLst/>
-        </a:prstGeom>
-        <a:solidFill>
-          <a:schemeClr val="accent5">
-            <a:hueOff val="0"/>
-            <a:satOff val="0"/>
-            <a:lumOff val="0"/>
-            <a:alphaOff val="0"/>
-          </a:schemeClr>
-        </a:solidFill>
-        <a:ln w="19050" cap="flat" cmpd="sng" algn="ctr">
-          <a:solidFill>
-            <a:schemeClr val="lt1">
-              <a:hueOff val="0"/>
-              <a:satOff val="0"/>
-              <a:lumOff val="0"/>
-              <a:alphaOff val="0"/>
-            </a:schemeClr>
-          </a:solidFill>
-          <a:prstDash val="solid"/>
-        </a:ln>
-        <a:effectLst/>
-      </dsp:spPr>
-      <dsp:style>
-        <a:lnRef idx="3">
-          <a:scrgbClr r="0" g="0" b="0"/>
-        </a:lnRef>
-        <a:fillRef idx="1">
-          <a:scrgbClr r="0" g="0" b="0"/>
-        </a:fillRef>
-        <a:effectRef idx="1">
-          <a:scrgbClr r="0" g="0" b="0"/>
-        </a:effectRef>
-        <a:fontRef idx="minor">
-          <a:schemeClr val="lt1"/>
-        </a:fontRef>
-      </dsp:style>
-      <dsp:txBody>
-        <a:bodyPr spcFirstLastPara="0" vert="horz" wrap="square" lIns="72009" tIns="48006" rIns="24003" bIns="48006" numCol="1" spcCol="1270" anchor="ctr" anchorCtr="0">
-          <a:noAutofit/>
-        </a:bodyPr>
-        <a:lstStyle/>
-        <a:p>
-          <a:pPr lvl="0" algn="ctr" defTabSz="800100">
-            <a:lnSpc>
-              <a:spcPct val="90000"/>
-            </a:lnSpc>
-            <a:spcBef>
-              <a:spcPct val="0"/>
-            </a:spcBef>
-            <a:spcAft>
-              <a:spcPct val="35000"/>
-            </a:spcAft>
-          </a:pPr>
-          <a:r>
-            <a:rPr lang="fr-FR" sz="1800" kern="1200" dirty="0" smtClean="0"/>
-            <a:t>Bilan</a:t>
-          </a:r>
-          <a:endParaRPr lang="fr-FR" sz="1800" kern="1200" dirty="0"/>
-        </a:p>
-      </dsp:txBody>
-      <dsp:txXfrm>
-        <a:off x="6883513" y="0"/>
-        <a:ext cx="2460464" cy="336884"/>
-      </dsp:txXfrm>
-    </dsp:sp>
-    <dsp:sp modelId="{0CC8E1C3-4157-4992-BCEB-C1333A5D98B4}">
-      <dsp:nvSpPr>
-        <dsp:cNvPr id="0" name=""/>
-        <dsp:cNvSpPr/>
-      </dsp:nvSpPr>
-      <dsp:spPr>
-        <a:xfrm>
-          <a:off x="8952950" y="0"/>
-          <a:ext cx="2797348" cy="336884"/>
-        </a:xfrm>
-        <a:prstGeom prst="chevron">
-          <a:avLst/>
-        </a:prstGeom>
-        <a:solidFill>
-          <a:schemeClr val="accent6">
-            <a:hueOff val="0"/>
-            <a:satOff val="0"/>
-            <a:lumOff val="0"/>
-            <a:alphaOff val="0"/>
-          </a:schemeClr>
-        </a:solidFill>
-        <a:ln w="19050" cap="flat" cmpd="sng" algn="ctr">
-          <a:solidFill>
-            <a:schemeClr val="lt1">
-              <a:hueOff val="0"/>
-              <a:satOff val="0"/>
-              <a:lumOff val="0"/>
-              <a:alphaOff val="0"/>
-            </a:schemeClr>
-          </a:solidFill>
-          <a:prstDash val="solid"/>
-        </a:ln>
-        <a:effectLst/>
-      </dsp:spPr>
-      <dsp:style>
-        <a:lnRef idx="3">
-          <a:scrgbClr r="0" g="0" b="0"/>
-        </a:lnRef>
-        <a:fillRef idx="1">
-          <a:scrgbClr r="0" g="0" b="0"/>
-        </a:fillRef>
-        <a:effectRef idx="1">
-          <a:scrgbClr r="0" g="0" b="0"/>
-        </a:effectRef>
-        <a:fontRef idx="minor">
-          <a:schemeClr val="lt1"/>
-        </a:fontRef>
-      </dsp:style>
-      <dsp:txBody>
-        <a:bodyPr spcFirstLastPara="0" vert="horz" wrap="square" lIns="72009" tIns="48006" rIns="24003" bIns="48006" numCol="1" spcCol="1270" anchor="ctr" anchorCtr="0">
-          <a:noAutofit/>
-        </a:bodyPr>
-        <a:lstStyle/>
-        <a:p>
-          <a:pPr lvl="0" algn="ctr" defTabSz="800100">
-            <a:lnSpc>
-              <a:spcPct val="90000"/>
-            </a:lnSpc>
-            <a:spcBef>
-              <a:spcPct val="0"/>
-            </a:spcBef>
-            <a:spcAft>
-              <a:spcPct val="35000"/>
-            </a:spcAft>
-          </a:pPr>
-          <a:r>
-            <a:rPr lang="fr-FR" sz="1800" kern="1200" dirty="0" smtClean="0"/>
-            <a:t>Démonstration</a:t>
-          </a:r>
-          <a:endParaRPr lang="fr-FR" sz="1800" kern="1200" dirty="0"/>
-        </a:p>
-      </dsp:txBody>
-      <dsp:txXfrm>
-        <a:off x="9121392" y="0"/>
-        <a:ext cx="2460464" cy="336884"/>
-      </dsp:txXfrm>
-    </dsp:sp>
   </dsp:spTree>
 </dsp:drawing>
 </file>
@@ -19510,391 +17269,6 @@
       <dsp:cNvGrpSpPr/>
     </dsp:nvGrpSpPr>
     <dsp:grpSpPr/>
-    <dsp:sp modelId="{432CD230-FEE0-4209-A1E2-E14178F8D4D8}">
-      <dsp:nvSpPr>
-        <dsp:cNvPr id="0" name=""/>
-        <dsp:cNvSpPr/>
-      </dsp:nvSpPr>
-      <dsp:spPr>
-        <a:xfrm>
-          <a:off x="1434" y="0"/>
-          <a:ext cx="2797348" cy="336884"/>
-        </a:xfrm>
-        <a:prstGeom prst="homePlate">
-          <a:avLst/>
-        </a:prstGeom>
-        <a:solidFill>
-          <a:schemeClr val="accent2">
-            <a:hueOff val="0"/>
-            <a:satOff val="0"/>
-            <a:lumOff val="0"/>
-            <a:alphaOff val="0"/>
-          </a:schemeClr>
-        </a:solidFill>
-        <a:ln w="19050" cap="flat" cmpd="sng" algn="ctr">
-          <a:solidFill>
-            <a:schemeClr val="lt1">
-              <a:hueOff val="0"/>
-              <a:satOff val="0"/>
-              <a:lumOff val="0"/>
-              <a:alphaOff val="0"/>
-            </a:schemeClr>
-          </a:solidFill>
-          <a:prstDash val="solid"/>
-        </a:ln>
-        <a:effectLst/>
-      </dsp:spPr>
-      <dsp:style>
-        <a:lnRef idx="3">
-          <a:scrgbClr r="0" g="0" b="0"/>
-        </a:lnRef>
-        <a:fillRef idx="1">
-          <a:scrgbClr r="0" g="0" b="0"/>
-        </a:fillRef>
-        <a:effectRef idx="1">
-          <a:scrgbClr r="0" g="0" b="0"/>
-        </a:effectRef>
-        <a:fontRef idx="minor">
-          <a:schemeClr val="lt1"/>
-        </a:fontRef>
-      </dsp:style>
-      <dsp:txBody>
-        <a:bodyPr spcFirstLastPara="0" vert="horz" wrap="square" lIns="96012" tIns="48006" rIns="24003" bIns="48006" numCol="1" spcCol="1270" anchor="ctr" anchorCtr="0">
-          <a:noAutofit/>
-        </a:bodyPr>
-        <a:lstStyle/>
-        <a:p>
-          <a:pPr lvl="0" algn="ctr" defTabSz="800100">
-            <a:lnSpc>
-              <a:spcPct val="90000"/>
-            </a:lnSpc>
-            <a:spcBef>
-              <a:spcPct val="0"/>
-            </a:spcBef>
-            <a:spcAft>
-              <a:spcPct val="35000"/>
-            </a:spcAft>
-          </a:pPr>
-          <a:r>
-            <a:rPr lang="fr-FR" sz="1800" kern="1200" dirty="0" smtClean="0"/>
-            <a:t>Sujet</a:t>
-          </a:r>
-          <a:endParaRPr lang="fr-FR" sz="1800" kern="1200" dirty="0"/>
-        </a:p>
-      </dsp:txBody>
-      <dsp:txXfrm>
-        <a:off x="1434" y="0"/>
-        <a:ext cx="2713127" cy="336884"/>
-      </dsp:txXfrm>
-    </dsp:sp>
-    <dsp:sp modelId="{BF36116C-7362-4FBA-B493-4C2CC2BF6976}">
-      <dsp:nvSpPr>
-        <dsp:cNvPr id="0" name=""/>
-        <dsp:cNvSpPr/>
-      </dsp:nvSpPr>
-      <dsp:spPr>
-        <a:xfrm>
-          <a:off x="2239313" y="0"/>
-          <a:ext cx="2797348" cy="336884"/>
-        </a:xfrm>
-        <a:prstGeom prst="chevron">
-          <a:avLst/>
-        </a:prstGeom>
-        <a:solidFill>
-          <a:schemeClr val="accent3">
-            <a:hueOff val="0"/>
-            <a:satOff val="0"/>
-            <a:lumOff val="0"/>
-            <a:alphaOff val="0"/>
-          </a:schemeClr>
-        </a:solidFill>
-        <a:ln w="19050" cap="flat" cmpd="sng" algn="ctr">
-          <a:solidFill>
-            <a:schemeClr val="lt1">
-              <a:hueOff val="0"/>
-              <a:satOff val="0"/>
-              <a:lumOff val="0"/>
-              <a:alphaOff val="0"/>
-            </a:schemeClr>
-          </a:solidFill>
-          <a:prstDash val="solid"/>
-        </a:ln>
-        <a:effectLst/>
-      </dsp:spPr>
-      <dsp:style>
-        <a:lnRef idx="3">
-          <a:scrgbClr r="0" g="0" b="0"/>
-        </a:lnRef>
-        <a:fillRef idx="1">
-          <a:scrgbClr r="0" g="0" b="0"/>
-        </a:fillRef>
-        <a:effectRef idx="1">
-          <a:scrgbClr r="0" g="0" b="0"/>
-        </a:effectRef>
-        <a:fontRef idx="minor">
-          <a:schemeClr val="lt1"/>
-        </a:fontRef>
-      </dsp:style>
-      <dsp:txBody>
-        <a:bodyPr spcFirstLastPara="0" vert="horz" wrap="square" lIns="96012" tIns="64008" rIns="32004" bIns="64008" numCol="1" spcCol="1270" anchor="ctr" anchorCtr="0">
-          <a:noAutofit/>
-        </a:bodyPr>
-        <a:lstStyle/>
-        <a:p>
-          <a:pPr lvl="0" algn="ctr" defTabSz="1066800">
-            <a:lnSpc>
-              <a:spcPct val="90000"/>
-            </a:lnSpc>
-            <a:spcBef>
-              <a:spcPct val="0"/>
-            </a:spcBef>
-            <a:spcAft>
-              <a:spcPct val="35000"/>
-            </a:spcAft>
-          </a:pPr>
-          <a:r>
-            <a:rPr lang="fr-FR" sz="2400" i="1" kern="1200" dirty="0" smtClean="0"/>
-            <a:t>Méthodologie</a:t>
-          </a:r>
-          <a:endParaRPr lang="fr-FR" sz="2400" i="1" kern="1200" dirty="0"/>
-        </a:p>
-      </dsp:txBody>
-      <dsp:txXfrm>
-        <a:off x="2407755" y="0"/>
-        <a:ext cx="2460464" cy="336884"/>
-      </dsp:txXfrm>
-    </dsp:sp>
-    <dsp:sp modelId="{10103450-6A68-475F-A740-88D1385D49F4}">
-      <dsp:nvSpPr>
-        <dsp:cNvPr id="0" name=""/>
-        <dsp:cNvSpPr/>
-      </dsp:nvSpPr>
-      <dsp:spPr>
-        <a:xfrm>
-          <a:off x="4477192" y="0"/>
-          <a:ext cx="2797348" cy="336884"/>
-        </a:xfrm>
-        <a:prstGeom prst="chevron">
-          <a:avLst/>
-        </a:prstGeom>
-        <a:solidFill>
-          <a:schemeClr val="accent4">
-            <a:hueOff val="0"/>
-            <a:satOff val="0"/>
-            <a:lumOff val="0"/>
-            <a:alphaOff val="0"/>
-          </a:schemeClr>
-        </a:solidFill>
-        <a:ln w="19050" cap="flat" cmpd="sng" algn="ctr">
-          <a:solidFill>
-            <a:schemeClr val="lt1">
-              <a:hueOff val="0"/>
-              <a:satOff val="0"/>
-              <a:lumOff val="0"/>
-              <a:alphaOff val="0"/>
-            </a:schemeClr>
-          </a:solidFill>
-          <a:prstDash val="solid"/>
-        </a:ln>
-        <a:effectLst/>
-      </dsp:spPr>
-      <dsp:style>
-        <a:lnRef idx="3">
-          <a:scrgbClr r="0" g="0" b="0"/>
-        </a:lnRef>
-        <a:fillRef idx="1">
-          <a:scrgbClr r="0" g="0" b="0"/>
-        </a:fillRef>
-        <a:effectRef idx="1">
-          <a:scrgbClr r="0" g="0" b="0"/>
-        </a:effectRef>
-        <a:fontRef idx="minor">
-          <a:schemeClr val="lt1"/>
-        </a:fontRef>
-      </dsp:style>
-      <dsp:txBody>
-        <a:bodyPr spcFirstLastPara="0" vert="horz" wrap="square" lIns="72009" tIns="48006" rIns="24003" bIns="48006" numCol="1" spcCol="1270" anchor="ctr" anchorCtr="0">
-          <a:noAutofit/>
-        </a:bodyPr>
-        <a:lstStyle/>
-        <a:p>
-          <a:pPr lvl="0" algn="ctr" defTabSz="800100">
-            <a:lnSpc>
-              <a:spcPct val="90000"/>
-            </a:lnSpc>
-            <a:spcBef>
-              <a:spcPct val="0"/>
-            </a:spcBef>
-            <a:spcAft>
-              <a:spcPct val="35000"/>
-            </a:spcAft>
-          </a:pPr>
-          <a:r>
-            <a:rPr lang="fr-FR" sz="1800" kern="1200" dirty="0" smtClean="0"/>
-            <a:t>Conception</a:t>
-          </a:r>
-          <a:endParaRPr lang="fr-FR" sz="1800" kern="1200" dirty="0"/>
-        </a:p>
-      </dsp:txBody>
-      <dsp:txXfrm>
-        <a:off x="4645634" y="0"/>
-        <a:ext cx="2460464" cy="336884"/>
-      </dsp:txXfrm>
-    </dsp:sp>
-    <dsp:sp modelId="{8550E3DC-F81D-4ADB-96EF-9C933F38F645}">
-      <dsp:nvSpPr>
-        <dsp:cNvPr id="0" name=""/>
-        <dsp:cNvSpPr/>
-      </dsp:nvSpPr>
-      <dsp:spPr>
-        <a:xfrm>
-          <a:off x="6715071" y="0"/>
-          <a:ext cx="2797348" cy="336884"/>
-        </a:xfrm>
-        <a:prstGeom prst="chevron">
-          <a:avLst/>
-        </a:prstGeom>
-        <a:solidFill>
-          <a:schemeClr val="accent5">
-            <a:hueOff val="0"/>
-            <a:satOff val="0"/>
-            <a:lumOff val="0"/>
-            <a:alphaOff val="0"/>
-          </a:schemeClr>
-        </a:solidFill>
-        <a:ln w="19050" cap="flat" cmpd="sng" algn="ctr">
-          <a:solidFill>
-            <a:schemeClr val="lt1">
-              <a:hueOff val="0"/>
-              <a:satOff val="0"/>
-              <a:lumOff val="0"/>
-              <a:alphaOff val="0"/>
-            </a:schemeClr>
-          </a:solidFill>
-          <a:prstDash val="solid"/>
-        </a:ln>
-        <a:effectLst/>
-      </dsp:spPr>
-      <dsp:style>
-        <a:lnRef idx="3">
-          <a:scrgbClr r="0" g="0" b="0"/>
-        </a:lnRef>
-        <a:fillRef idx="1">
-          <a:scrgbClr r="0" g="0" b="0"/>
-        </a:fillRef>
-        <a:effectRef idx="1">
-          <a:scrgbClr r="0" g="0" b="0"/>
-        </a:effectRef>
-        <a:fontRef idx="minor">
-          <a:schemeClr val="lt1"/>
-        </a:fontRef>
-      </dsp:style>
-      <dsp:txBody>
-        <a:bodyPr spcFirstLastPara="0" vert="horz" wrap="square" lIns="72009" tIns="48006" rIns="24003" bIns="48006" numCol="1" spcCol="1270" anchor="ctr" anchorCtr="0">
-          <a:noAutofit/>
-        </a:bodyPr>
-        <a:lstStyle/>
-        <a:p>
-          <a:pPr lvl="0" algn="ctr" defTabSz="800100">
-            <a:lnSpc>
-              <a:spcPct val="90000"/>
-            </a:lnSpc>
-            <a:spcBef>
-              <a:spcPct val="0"/>
-            </a:spcBef>
-            <a:spcAft>
-              <a:spcPct val="35000"/>
-            </a:spcAft>
-          </a:pPr>
-          <a:r>
-            <a:rPr lang="fr-FR" sz="1800" kern="1200" dirty="0" smtClean="0"/>
-            <a:t>Bilan</a:t>
-          </a:r>
-          <a:endParaRPr lang="fr-FR" sz="1800" kern="1200" dirty="0"/>
-        </a:p>
-      </dsp:txBody>
-      <dsp:txXfrm>
-        <a:off x="6883513" y="0"/>
-        <a:ext cx="2460464" cy="336884"/>
-      </dsp:txXfrm>
-    </dsp:sp>
-    <dsp:sp modelId="{0CC8E1C3-4157-4992-BCEB-C1333A5D98B4}">
-      <dsp:nvSpPr>
-        <dsp:cNvPr id="0" name=""/>
-        <dsp:cNvSpPr/>
-      </dsp:nvSpPr>
-      <dsp:spPr>
-        <a:xfrm>
-          <a:off x="8952950" y="0"/>
-          <a:ext cx="2797348" cy="336884"/>
-        </a:xfrm>
-        <a:prstGeom prst="chevron">
-          <a:avLst/>
-        </a:prstGeom>
-        <a:solidFill>
-          <a:schemeClr val="accent6">
-            <a:hueOff val="0"/>
-            <a:satOff val="0"/>
-            <a:lumOff val="0"/>
-            <a:alphaOff val="0"/>
-          </a:schemeClr>
-        </a:solidFill>
-        <a:ln w="19050" cap="flat" cmpd="sng" algn="ctr">
-          <a:solidFill>
-            <a:schemeClr val="lt1">
-              <a:hueOff val="0"/>
-              <a:satOff val="0"/>
-              <a:lumOff val="0"/>
-              <a:alphaOff val="0"/>
-            </a:schemeClr>
-          </a:solidFill>
-          <a:prstDash val="solid"/>
-        </a:ln>
-        <a:effectLst/>
-      </dsp:spPr>
-      <dsp:style>
-        <a:lnRef idx="3">
-          <a:scrgbClr r="0" g="0" b="0"/>
-        </a:lnRef>
-        <a:fillRef idx="1">
-          <a:scrgbClr r="0" g="0" b="0"/>
-        </a:fillRef>
-        <a:effectRef idx="1">
-          <a:scrgbClr r="0" g="0" b="0"/>
-        </a:effectRef>
-        <a:fontRef idx="minor">
-          <a:schemeClr val="lt1"/>
-        </a:fontRef>
-      </dsp:style>
-      <dsp:txBody>
-        <a:bodyPr spcFirstLastPara="0" vert="horz" wrap="square" lIns="72009" tIns="48006" rIns="24003" bIns="48006" numCol="1" spcCol="1270" anchor="ctr" anchorCtr="0">
-          <a:noAutofit/>
-        </a:bodyPr>
-        <a:lstStyle/>
-        <a:p>
-          <a:pPr lvl="0" algn="ctr" defTabSz="800100">
-            <a:lnSpc>
-              <a:spcPct val="90000"/>
-            </a:lnSpc>
-            <a:spcBef>
-              <a:spcPct val="0"/>
-            </a:spcBef>
-            <a:spcAft>
-              <a:spcPct val="35000"/>
-            </a:spcAft>
-          </a:pPr>
-          <a:r>
-            <a:rPr lang="fr-FR" sz="1800" kern="1200" dirty="0" smtClean="0"/>
-            <a:t>Démonstration</a:t>
-          </a:r>
-          <a:endParaRPr lang="fr-FR" sz="1800" kern="1200" dirty="0"/>
-        </a:p>
-      </dsp:txBody>
-      <dsp:txXfrm>
-        <a:off x="9121392" y="0"/>
-        <a:ext cx="2460464" cy="336884"/>
-      </dsp:txXfrm>
-    </dsp:sp>
   </dsp:spTree>
 </dsp:drawing>
 </file>
@@ -19907,391 +17281,6 @@
       <dsp:cNvGrpSpPr/>
     </dsp:nvGrpSpPr>
     <dsp:grpSpPr/>
-    <dsp:sp modelId="{432CD230-FEE0-4209-A1E2-E14178F8D4D8}">
-      <dsp:nvSpPr>
-        <dsp:cNvPr id="0" name=""/>
-        <dsp:cNvSpPr/>
-      </dsp:nvSpPr>
-      <dsp:spPr>
-        <a:xfrm>
-          <a:off x="1434" y="0"/>
-          <a:ext cx="2797348" cy="336884"/>
-        </a:xfrm>
-        <a:prstGeom prst="homePlate">
-          <a:avLst/>
-        </a:prstGeom>
-        <a:solidFill>
-          <a:schemeClr val="accent2">
-            <a:hueOff val="0"/>
-            <a:satOff val="0"/>
-            <a:lumOff val="0"/>
-            <a:alphaOff val="0"/>
-          </a:schemeClr>
-        </a:solidFill>
-        <a:ln w="19050" cap="flat" cmpd="sng" algn="ctr">
-          <a:solidFill>
-            <a:schemeClr val="lt1">
-              <a:hueOff val="0"/>
-              <a:satOff val="0"/>
-              <a:lumOff val="0"/>
-              <a:alphaOff val="0"/>
-            </a:schemeClr>
-          </a:solidFill>
-          <a:prstDash val="solid"/>
-        </a:ln>
-        <a:effectLst/>
-      </dsp:spPr>
-      <dsp:style>
-        <a:lnRef idx="3">
-          <a:scrgbClr r="0" g="0" b="0"/>
-        </a:lnRef>
-        <a:fillRef idx="1">
-          <a:scrgbClr r="0" g="0" b="0"/>
-        </a:fillRef>
-        <a:effectRef idx="1">
-          <a:scrgbClr r="0" g="0" b="0"/>
-        </a:effectRef>
-        <a:fontRef idx="minor">
-          <a:schemeClr val="lt1"/>
-        </a:fontRef>
-      </dsp:style>
-      <dsp:txBody>
-        <a:bodyPr spcFirstLastPara="0" vert="horz" wrap="square" lIns="96012" tIns="48006" rIns="24003" bIns="48006" numCol="1" spcCol="1270" anchor="ctr" anchorCtr="0">
-          <a:noAutofit/>
-        </a:bodyPr>
-        <a:lstStyle/>
-        <a:p>
-          <a:pPr lvl="0" algn="ctr" defTabSz="800100">
-            <a:lnSpc>
-              <a:spcPct val="90000"/>
-            </a:lnSpc>
-            <a:spcBef>
-              <a:spcPct val="0"/>
-            </a:spcBef>
-            <a:spcAft>
-              <a:spcPct val="35000"/>
-            </a:spcAft>
-          </a:pPr>
-          <a:r>
-            <a:rPr lang="fr-FR" sz="1800" kern="1200" dirty="0" smtClean="0"/>
-            <a:t>Sujet</a:t>
-          </a:r>
-          <a:endParaRPr lang="fr-FR" sz="1800" kern="1200" dirty="0"/>
-        </a:p>
-      </dsp:txBody>
-      <dsp:txXfrm>
-        <a:off x="1434" y="0"/>
-        <a:ext cx="2713127" cy="336884"/>
-      </dsp:txXfrm>
-    </dsp:sp>
-    <dsp:sp modelId="{BF36116C-7362-4FBA-B493-4C2CC2BF6976}">
-      <dsp:nvSpPr>
-        <dsp:cNvPr id="0" name=""/>
-        <dsp:cNvSpPr/>
-      </dsp:nvSpPr>
-      <dsp:spPr>
-        <a:xfrm>
-          <a:off x="2239313" y="0"/>
-          <a:ext cx="2797348" cy="336884"/>
-        </a:xfrm>
-        <a:prstGeom prst="chevron">
-          <a:avLst/>
-        </a:prstGeom>
-        <a:solidFill>
-          <a:schemeClr val="accent3">
-            <a:hueOff val="0"/>
-            <a:satOff val="0"/>
-            <a:lumOff val="0"/>
-            <a:alphaOff val="0"/>
-          </a:schemeClr>
-        </a:solidFill>
-        <a:ln w="19050" cap="flat" cmpd="sng" algn="ctr">
-          <a:solidFill>
-            <a:schemeClr val="lt1">
-              <a:hueOff val="0"/>
-              <a:satOff val="0"/>
-              <a:lumOff val="0"/>
-              <a:alphaOff val="0"/>
-            </a:schemeClr>
-          </a:solidFill>
-          <a:prstDash val="solid"/>
-        </a:ln>
-        <a:effectLst/>
-      </dsp:spPr>
-      <dsp:style>
-        <a:lnRef idx="3">
-          <a:scrgbClr r="0" g="0" b="0"/>
-        </a:lnRef>
-        <a:fillRef idx="1">
-          <a:scrgbClr r="0" g="0" b="0"/>
-        </a:fillRef>
-        <a:effectRef idx="1">
-          <a:scrgbClr r="0" g="0" b="0"/>
-        </a:effectRef>
-        <a:fontRef idx="minor">
-          <a:schemeClr val="lt1"/>
-        </a:fontRef>
-      </dsp:style>
-      <dsp:txBody>
-        <a:bodyPr spcFirstLastPara="0" vert="horz" wrap="square" lIns="72009" tIns="48006" rIns="24003" bIns="48006" numCol="1" spcCol="1270" anchor="ctr" anchorCtr="0">
-          <a:noAutofit/>
-        </a:bodyPr>
-        <a:lstStyle/>
-        <a:p>
-          <a:pPr lvl="0" algn="ctr" defTabSz="800100">
-            <a:lnSpc>
-              <a:spcPct val="90000"/>
-            </a:lnSpc>
-            <a:spcBef>
-              <a:spcPct val="0"/>
-            </a:spcBef>
-            <a:spcAft>
-              <a:spcPct val="35000"/>
-            </a:spcAft>
-          </a:pPr>
-          <a:r>
-            <a:rPr lang="fr-FR" sz="1800" kern="1200" dirty="0" smtClean="0"/>
-            <a:t>Méthodologie</a:t>
-          </a:r>
-          <a:endParaRPr lang="fr-FR" sz="1800" kern="1200" dirty="0"/>
-        </a:p>
-      </dsp:txBody>
-      <dsp:txXfrm>
-        <a:off x="2407755" y="0"/>
-        <a:ext cx="2460464" cy="336884"/>
-      </dsp:txXfrm>
-    </dsp:sp>
-    <dsp:sp modelId="{10103450-6A68-475F-A740-88D1385D49F4}">
-      <dsp:nvSpPr>
-        <dsp:cNvPr id="0" name=""/>
-        <dsp:cNvSpPr/>
-      </dsp:nvSpPr>
-      <dsp:spPr>
-        <a:xfrm>
-          <a:off x="4477192" y="0"/>
-          <a:ext cx="2797348" cy="336884"/>
-        </a:xfrm>
-        <a:prstGeom prst="chevron">
-          <a:avLst/>
-        </a:prstGeom>
-        <a:solidFill>
-          <a:schemeClr val="accent4">
-            <a:hueOff val="0"/>
-            <a:satOff val="0"/>
-            <a:lumOff val="0"/>
-            <a:alphaOff val="0"/>
-          </a:schemeClr>
-        </a:solidFill>
-        <a:ln w="19050" cap="flat" cmpd="sng" algn="ctr">
-          <a:solidFill>
-            <a:schemeClr val="lt1">
-              <a:hueOff val="0"/>
-              <a:satOff val="0"/>
-              <a:lumOff val="0"/>
-              <a:alphaOff val="0"/>
-            </a:schemeClr>
-          </a:solidFill>
-          <a:prstDash val="solid"/>
-        </a:ln>
-        <a:effectLst/>
-      </dsp:spPr>
-      <dsp:style>
-        <a:lnRef idx="3">
-          <a:scrgbClr r="0" g="0" b="0"/>
-        </a:lnRef>
-        <a:fillRef idx="1">
-          <a:scrgbClr r="0" g="0" b="0"/>
-        </a:fillRef>
-        <a:effectRef idx="1">
-          <a:scrgbClr r="0" g="0" b="0"/>
-        </a:effectRef>
-        <a:fontRef idx="minor">
-          <a:schemeClr val="lt1"/>
-        </a:fontRef>
-      </dsp:style>
-      <dsp:txBody>
-        <a:bodyPr spcFirstLastPara="0" vert="horz" wrap="square" lIns="96012" tIns="64008" rIns="32004" bIns="64008" numCol="1" spcCol="1270" anchor="ctr" anchorCtr="0">
-          <a:noAutofit/>
-        </a:bodyPr>
-        <a:lstStyle/>
-        <a:p>
-          <a:pPr lvl="0" algn="ctr" defTabSz="1066800">
-            <a:lnSpc>
-              <a:spcPct val="90000"/>
-            </a:lnSpc>
-            <a:spcBef>
-              <a:spcPct val="0"/>
-            </a:spcBef>
-            <a:spcAft>
-              <a:spcPct val="35000"/>
-            </a:spcAft>
-          </a:pPr>
-          <a:r>
-            <a:rPr lang="fr-FR" sz="2400" i="1" kern="1200" dirty="0" smtClean="0"/>
-            <a:t>Conception</a:t>
-          </a:r>
-          <a:endParaRPr lang="fr-FR" sz="2400" i="1" kern="1200" dirty="0"/>
-        </a:p>
-      </dsp:txBody>
-      <dsp:txXfrm>
-        <a:off x="4645634" y="0"/>
-        <a:ext cx="2460464" cy="336884"/>
-      </dsp:txXfrm>
-    </dsp:sp>
-    <dsp:sp modelId="{8550E3DC-F81D-4ADB-96EF-9C933F38F645}">
-      <dsp:nvSpPr>
-        <dsp:cNvPr id="0" name=""/>
-        <dsp:cNvSpPr/>
-      </dsp:nvSpPr>
-      <dsp:spPr>
-        <a:xfrm>
-          <a:off x="6715071" y="0"/>
-          <a:ext cx="2797348" cy="336884"/>
-        </a:xfrm>
-        <a:prstGeom prst="chevron">
-          <a:avLst/>
-        </a:prstGeom>
-        <a:solidFill>
-          <a:schemeClr val="accent5">
-            <a:hueOff val="0"/>
-            <a:satOff val="0"/>
-            <a:lumOff val="0"/>
-            <a:alphaOff val="0"/>
-          </a:schemeClr>
-        </a:solidFill>
-        <a:ln w="19050" cap="flat" cmpd="sng" algn="ctr">
-          <a:solidFill>
-            <a:schemeClr val="lt1">
-              <a:hueOff val="0"/>
-              <a:satOff val="0"/>
-              <a:lumOff val="0"/>
-              <a:alphaOff val="0"/>
-            </a:schemeClr>
-          </a:solidFill>
-          <a:prstDash val="solid"/>
-        </a:ln>
-        <a:effectLst/>
-      </dsp:spPr>
-      <dsp:style>
-        <a:lnRef idx="3">
-          <a:scrgbClr r="0" g="0" b="0"/>
-        </a:lnRef>
-        <a:fillRef idx="1">
-          <a:scrgbClr r="0" g="0" b="0"/>
-        </a:fillRef>
-        <a:effectRef idx="1">
-          <a:scrgbClr r="0" g="0" b="0"/>
-        </a:effectRef>
-        <a:fontRef idx="minor">
-          <a:schemeClr val="lt1"/>
-        </a:fontRef>
-      </dsp:style>
-      <dsp:txBody>
-        <a:bodyPr spcFirstLastPara="0" vert="horz" wrap="square" lIns="72009" tIns="48006" rIns="24003" bIns="48006" numCol="1" spcCol="1270" anchor="ctr" anchorCtr="0">
-          <a:noAutofit/>
-        </a:bodyPr>
-        <a:lstStyle/>
-        <a:p>
-          <a:pPr lvl="0" algn="ctr" defTabSz="800100">
-            <a:lnSpc>
-              <a:spcPct val="90000"/>
-            </a:lnSpc>
-            <a:spcBef>
-              <a:spcPct val="0"/>
-            </a:spcBef>
-            <a:spcAft>
-              <a:spcPct val="35000"/>
-            </a:spcAft>
-          </a:pPr>
-          <a:r>
-            <a:rPr lang="fr-FR" sz="1800" kern="1200" dirty="0" smtClean="0"/>
-            <a:t>Bilan</a:t>
-          </a:r>
-          <a:endParaRPr lang="fr-FR" sz="1800" kern="1200" dirty="0"/>
-        </a:p>
-      </dsp:txBody>
-      <dsp:txXfrm>
-        <a:off x="6883513" y="0"/>
-        <a:ext cx="2460464" cy="336884"/>
-      </dsp:txXfrm>
-    </dsp:sp>
-    <dsp:sp modelId="{0CC8E1C3-4157-4992-BCEB-C1333A5D98B4}">
-      <dsp:nvSpPr>
-        <dsp:cNvPr id="0" name=""/>
-        <dsp:cNvSpPr/>
-      </dsp:nvSpPr>
-      <dsp:spPr>
-        <a:xfrm>
-          <a:off x="8952950" y="0"/>
-          <a:ext cx="2797348" cy="336884"/>
-        </a:xfrm>
-        <a:prstGeom prst="chevron">
-          <a:avLst/>
-        </a:prstGeom>
-        <a:solidFill>
-          <a:schemeClr val="accent6">
-            <a:hueOff val="0"/>
-            <a:satOff val="0"/>
-            <a:lumOff val="0"/>
-            <a:alphaOff val="0"/>
-          </a:schemeClr>
-        </a:solidFill>
-        <a:ln w="19050" cap="flat" cmpd="sng" algn="ctr">
-          <a:solidFill>
-            <a:schemeClr val="lt1">
-              <a:hueOff val="0"/>
-              <a:satOff val="0"/>
-              <a:lumOff val="0"/>
-              <a:alphaOff val="0"/>
-            </a:schemeClr>
-          </a:solidFill>
-          <a:prstDash val="solid"/>
-        </a:ln>
-        <a:effectLst/>
-      </dsp:spPr>
-      <dsp:style>
-        <a:lnRef idx="3">
-          <a:scrgbClr r="0" g="0" b="0"/>
-        </a:lnRef>
-        <a:fillRef idx="1">
-          <a:scrgbClr r="0" g="0" b="0"/>
-        </a:fillRef>
-        <a:effectRef idx="1">
-          <a:scrgbClr r="0" g="0" b="0"/>
-        </a:effectRef>
-        <a:fontRef idx="minor">
-          <a:schemeClr val="lt1"/>
-        </a:fontRef>
-      </dsp:style>
-      <dsp:txBody>
-        <a:bodyPr spcFirstLastPara="0" vert="horz" wrap="square" lIns="72009" tIns="48006" rIns="24003" bIns="48006" numCol="1" spcCol="1270" anchor="ctr" anchorCtr="0">
-          <a:noAutofit/>
-        </a:bodyPr>
-        <a:lstStyle/>
-        <a:p>
-          <a:pPr lvl="0" algn="ctr" defTabSz="800100">
-            <a:lnSpc>
-              <a:spcPct val="90000"/>
-            </a:lnSpc>
-            <a:spcBef>
-              <a:spcPct val="0"/>
-            </a:spcBef>
-            <a:spcAft>
-              <a:spcPct val="35000"/>
-            </a:spcAft>
-          </a:pPr>
-          <a:r>
-            <a:rPr lang="fr-FR" sz="1800" kern="1200" dirty="0" smtClean="0"/>
-            <a:t>Démonstration</a:t>
-          </a:r>
-          <a:endParaRPr lang="fr-FR" sz="1800" kern="1200" dirty="0"/>
-        </a:p>
-      </dsp:txBody>
-      <dsp:txXfrm>
-        <a:off x="9121392" y="0"/>
-        <a:ext cx="2460464" cy="336884"/>
-      </dsp:txXfrm>
-    </dsp:sp>
   </dsp:spTree>
 </dsp:drawing>
 </file>
@@ -20304,391 +17293,6 @@
       <dsp:cNvGrpSpPr/>
     </dsp:nvGrpSpPr>
     <dsp:grpSpPr/>
-    <dsp:sp modelId="{432CD230-FEE0-4209-A1E2-E14178F8D4D8}">
-      <dsp:nvSpPr>
-        <dsp:cNvPr id="0" name=""/>
-        <dsp:cNvSpPr/>
-      </dsp:nvSpPr>
-      <dsp:spPr>
-        <a:xfrm>
-          <a:off x="1434" y="0"/>
-          <a:ext cx="2797348" cy="336884"/>
-        </a:xfrm>
-        <a:prstGeom prst="homePlate">
-          <a:avLst/>
-        </a:prstGeom>
-        <a:solidFill>
-          <a:schemeClr val="accent2">
-            <a:hueOff val="0"/>
-            <a:satOff val="0"/>
-            <a:lumOff val="0"/>
-            <a:alphaOff val="0"/>
-          </a:schemeClr>
-        </a:solidFill>
-        <a:ln w="19050" cap="flat" cmpd="sng" algn="ctr">
-          <a:solidFill>
-            <a:schemeClr val="lt1">
-              <a:hueOff val="0"/>
-              <a:satOff val="0"/>
-              <a:lumOff val="0"/>
-              <a:alphaOff val="0"/>
-            </a:schemeClr>
-          </a:solidFill>
-          <a:prstDash val="solid"/>
-        </a:ln>
-        <a:effectLst/>
-      </dsp:spPr>
-      <dsp:style>
-        <a:lnRef idx="3">
-          <a:scrgbClr r="0" g="0" b="0"/>
-        </a:lnRef>
-        <a:fillRef idx="1">
-          <a:scrgbClr r="0" g="0" b="0"/>
-        </a:fillRef>
-        <a:effectRef idx="1">
-          <a:scrgbClr r="0" g="0" b="0"/>
-        </a:effectRef>
-        <a:fontRef idx="minor">
-          <a:schemeClr val="lt1"/>
-        </a:fontRef>
-      </dsp:style>
-      <dsp:txBody>
-        <a:bodyPr spcFirstLastPara="0" vert="horz" wrap="square" lIns="96012" tIns="48006" rIns="24003" bIns="48006" numCol="1" spcCol="1270" anchor="ctr" anchorCtr="0">
-          <a:noAutofit/>
-        </a:bodyPr>
-        <a:lstStyle/>
-        <a:p>
-          <a:pPr lvl="0" algn="ctr" defTabSz="800100">
-            <a:lnSpc>
-              <a:spcPct val="90000"/>
-            </a:lnSpc>
-            <a:spcBef>
-              <a:spcPct val="0"/>
-            </a:spcBef>
-            <a:spcAft>
-              <a:spcPct val="35000"/>
-            </a:spcAft>
-          </a:pPr>
-          <a:r>
-            <a:rPr lang="fr-FR" sz="1800" kern="1200" dirty="0" smtClean="0"/>
-            <a:t>Sujet</a:t>
-          </a:r>
-          <a:endParaRPr lang="fr-FR" sz="1800" kern="1200" dirty="0"/>
-        </a:p>
-      </dsp:txBody>
-      <dsp:txXfrm>
-        <a:off x="1434" y="0"/>
-        <a:ext cx="2713127" cy="336884"/>
-      </dsp:txXfrm>
-    </dsp:sp>
-    <dsp:sp modelId="{BF36116C-7362-4FBA-B493-4C2CC2BF6976}">
-      <dsp:nvSpPr>
-        <dsp:cNvPr id="0" name=""/>
-        <dsp:cNvSpPr/>
-      </dsp:nvSpPr>
-      <dsp:spPr>
-        <a:xfrm>
-          <a:off x="2239313" y="0"/>
-          <a:ext cx="2797348" cy="336884"/>
-        </a:xfrm>
-        <a:prstGeom prst="chevron">
-          <a:avLst/>
-        </a:prstGeom>
-        <a:solidFill>
-          <a:schemeClr val="accent3">
-            <a:hueOff val="0"/>
-            <a:satOff val="0"/>
-            <a:lumOff val="0"/>
-            <a:alphaOff val="0"/>
-          </a:schemeClr>
-        </a:solidFill>
-        <a:ln w="19050" cap="flat" cmpd="sng" algn="ctr">
-          <a:solidFill>
-            <a:schemeClr val="lt1">
-              <a:hueOff val="0"/>
-              <a:satOff val="0"/>
-              <a:lumOff val="0"/>
-              <a:alphaOff val="0"/>
-            </a:schemeClr>
-          </a:solidFill>
-          <a:prstDash val="solid"/>
-        </a:ln>
-        <a:effectLst/>
-      </dsp:spPr>
-      <dsp:style>
-        <a:lnRef idx="3">
-          <a:scrgbClr r="0" g="0" b="0"/>
-        </a:lnRef>
-        <a:fillRef idx="1">
-          <a:scrgbClr r="0" g="0" b="0"/>
-        </a:fillRef>
-        <a:effectRef idx="1">
-          <a:scrgbClr r="0" g="0" b="0"/>
-        </a:effectRef>
-        <a:fontRef idx="minor">
-          <a:schemeClr val="lt1"/>
-        </a:fontRef>
-      </dsp:style>
-      <dsp:txBody>
-        <a:bodyPr spcFirstLastPara="0" vert="horz" wrap="square" lIns="72009" tIns="48006" rIns="24003" bIns="48006" numCol="1" spcCol="1270" anchor="ctr" anchorCtr="0">
-          <a:noAutofit/>
-        </a:bodyPr>
-        <a:lstStyle/>
-        <a:p>
-          <a:pPr lvl="0" algn="ctr" defTabSz="800100">
-            <a:lnSpc>
-              <a:spcPct val="90000"/>
-            </a:lnSpc>
-            <a:spcBef>
-              <a:spcPct val="0"/>
-            </a:spcBef>
-            <a:spcAft>
-              <a:spcPct val="35000"/>
-            </a:spcAft>
-          </a:pPr>
-          <a:r>
-            <a:rPr lang="fr-FR" sz="1800" kern="1200" dirty="0" smtClean="0"/>
-            <a:t>Méthodologie</a:t>
-          </a:r>
-          <a:endParaRPr lang="fr-FR" sz="1800" kern="1200" dirty="0"/>
-        </a:p>
-      </dsp:txBody>
-      <dsp:txXfrm>
-        <a:off x="2407755" y="0"/>
-        <a:ext cx="2460464" cy="336884"/>
-      </dsp:txXfrm>
-    </dsp:sp>
-    <dsp:sp modelId="{10103450-6A68-475F-A740-88D1385D49F4}">
-      <dsp:nvSpPr>
-        <dsp:cNvPr id="0" name=""/>
-        <dsp:cNvSpPr/>
-      </dsp:nvSpPr>
-      <dsp:spPr>
-        <a:xfrm>
-          <a:off x="4477192" y="0"/>
-          <a:ext cx="2797348" cy="336884"/>
-        </a:xfrm>
-        <a:prstGeom prst="chevron">
-          <a:avLst/>
-        </a:prstGeom>
-        <a:solidFill>
-          <a:schemeClr val="accent4">
-            <a:hueOff val="0"/>
-            <a:satOff val="0"/>
-            <a:lumOff val="0"/>
-            <a:alphaOff val="0"/>
-          </a:schemeClr>
-        </a:solidFill>
-        <a:ln w="19050" cap="flat" cmpd="sng" algn="ctr">
-          <a:solidFill>
-            <a:schemeClr val="lt1">
-              <a:hueOff val="0"/>
-              <a:satOff val="0"/>
-              <a:lumOff val="0"/>
-              <a:alphaOff val="0"/>
-            </a:schemeClr>
-          </a:solidFill>
-          <a:prstDash val="solid"/>
-        </a:ln>
-        <a:effectLst/>
-      </dsp:spPr>
-      <dsp:style>
-        <a:lnRef idx="3">
-          <a:scrgbClr r="0" g="0" b="0"/>
-        </a:lnRef>
-        <a:fillRef idx="1">
-          <a:scrgbClr r="0" g="0" b="0"/>
-        </a:fillRef>
-        <a:effectRef idx="1">
-          <a:scrgbClr r="0" g="0" b="0"/>
-        </a:effectRef>
-        <a:fontRef idx="minor">
-          <a:schemeClr val="lt1"/>
-        </a:fontRef>
-      </dsp:style>
-      <dsp:txBody>
-        <a:bodyPr spcFirstLastPara="0" vert="horz" wrap="square" lIns="96012" tIns="64008" rIns="32004" bIns="64008" numCol="1" spcCol="1270" anchor="ctr" anchorCtr="0">
-          <a:noAutofit/>
-        </a:bodyPr>
-        <a:lstStyle/>
-        <a:p>
-          <a:pPr lvl="0" algn="ctr" defTabSz="1066800">
-            <a:lnSpc>
-              <a:spcPct val="90000"/>
-            </a:lnSpc>
-            <a:spcBef>
-              <a:spcPct val="0"/>
-            </a:spcBef>
-            <a:spcAft>
-              <a:spcPct val="35000"/>
-            </a:spcAft>
-          </a:pPr>
-          <a:r>
-            <a:rPr lang="fr-FR" sz="2400" i="1" kern="1200" dirty="0" smtClean="0"/>
-            <a:t>Conception</a:t>
-          </a:r>
-          <a:endParaRPr lang="fr-FR" sz="1800" i="1" kern="1200" dirty="0"/>
-        </a:p>
-      </dsp:txBody>
-      <dsp:txXfrm>
-        <a:off x="4645634" y="0"/>
-        <a:ext cx="2460464" cy="336884"/>
-      </dsp:txXfrm>
-    </dsp:sp>
-    <dsp:sp modelId="{8550E3DC-F81D-4ADB-96EF-9C933F38F645}">
-      <dsp:nvSpPr>
-        <dsp:cNvPr id="0" name=""/>
-        <dsp:cNvSpPr/>
-      </dsp:nvSpPr>
-      <dsp:spPr>
-        <a:xfrm>
-          <a:off x="6715071" y="0"/>
-          <a:ext cx="2797348" cy="336884"/>
-        </a:xfrm>
-        <a:prstGeom prst="chevron">
-          <a:avLst/>
-        </a:prstGeom>
-        <a:solidFill>
-          <a:schemeClr val="accent5">
-            <a:hueOff val="0"/>
-            <a:satOff val="0"/>
-            <a:lumOff val="0"/>
-            <a:alphaOff val="0"/>
-          </a:schemeClr>
-        </a:solidFill>
-        <a:ln w="19050" cap="flat" cmpd="sng" algn="ctr">
-          <a:solidFill>
-            <a:schemeClr val="lt1">
-              <a:hueOff val="0"/>
-              <a:satOff val="0"/>
-              <a:lumOff val="0"/>
-              <a:alphaOff val="0"/>
-            </a:schemeClr>
-          </a:solidFill>
-          <a:prstDash val="solid"/>
-        </a:ln>
-        <a:effectLst/>
-      </dsp:spPr>
-      <dsp:style>
-        <a:lnRef idx="3">
-          <a:scrgbClr r="0" g="0" b="0"/>
-        </a:lnRef>
-        <a:fillRef idx="1">
-          <a:scrgbClr r="0" g="0" b="0"/>
-        </a:fillRef>
-        <a:effectRef idx="1">
-          <a:scrgbClr r="0" g="0" b="0"/>
-        </a:effectRef>
-        <a:fontRef idx="minor">
-          <a:schemeClr val="lt1"/>
-        </a:fontRef>
-      </dsp:style>
-      <dsp:txBody>
-        <a:bodyPr spcFirstLastPara="0" vert="horz" wrap="square" lIns="72009" tIns="48006" rIns="24003" bIns="48006" numCol="1" spcCol="1270" anchor="ctr" anchorCtr="0">
-          <a:noAutofit/>
-        </a:bodyPr>
-        <a:lstStyle/>
-        <a:p>
-          <a:pPr lvl="0" algn="ctr" defTabSz="800100">
-            <a:lnSpc>
-              <a:spcPct val="90000"/>
-            </a:lnSpc>
-            <a:spcBef>
-              <a:spcPct val="0"/>
-            </a:spcBef>
-            <a:spcAft>
-              <a:spcPct val="35000"/>
-            </a:spcAft>
-          </a:pPr>
-          <a:r>
-            <a:rPr lang="fr-FR" sz="1800" kern="1200" dirty="0" smtClean="0"/>
-            <a:t>Bilan</a:t>
-          </a:r>
-          <a:endParaRPr lang="fr-FR" sz="1800" kern="1200" dirty="0"/>
-        </a:p>
-      </dsp:txBody>
-      <dsp:txXfrm>
-        <a:off x="6883513" y="0"/>
-        <a:ext cx="2460464" cy="336884"/>
-      </dsp:txXfrm>
-    </dsp:sp>
-    <dsp:sp modelId="{0CC8E1C3-4157-4992-BCEB-C1333A5D98B4}">
-      <dsp:nvSpPr>
-        <dsp:cNvPr id="0" name=""/>
-        <dsp:cNvSpPr/>
-      </dsp:nvSpPr>
-      <dsp:spPr>
-        <a:xfrm>
-          <a:off x="8952950" y="0"/>
-          <a:ext cx="2797348" cy="336884"/>
-        </a:xfrm>
-        <a:prstGeom prst="chevron">
-          <a:avLst/>
-        </a:prstGeom>
-        <a:solidFill>
-          <a:schemeClr val="accent6">
-            <a:hueOff val="0"/>
-            <a:satOff val="0"/>
-            <a:lumOff val="0"/>
-            <a:alphaOff val="0"/>
-          </a:schemeClr>
-        </a:solidFill>
-        <a:ln w="19050" cap="flat" cmpd="sng" algn="ctr">
-          <a:solidFill>
-            <a:schemeClr val="lt1">
-              <a:hueOff val="0"/>
-              <a:satOff val="0"/>
-              <a:lumOff val="0"/>
-              <a:alphaOff val="0"/>
-            </a:schemeClr>
-          </a:solidFill>
-          <a:prstDash val="solid"/>
-        </a:ln>
-        <a:effectLst/>
-      </dsp:spPr>
-      <dsp:style>
-        <a:lnRef idx="3">
-          <a:scrgbClr r="0" g="0" b="0"/>
-        </a:lnRef>
-        <a:fillRef idx="1">
-          <a:scrgbClr r="0" g="0" b="0"/>
-        </a:fillRef>
-        <a:effectRef idx="1">
-          <a:scrgbClr r="0" g="0" b="0"/>
-        </a:effectRef>
-        <a:fontRef idx="minor">
-          <a:schemeClr val="lt1"/>
-        </a:fontRef>
-      </dsp:style>
-      <dsp:txBody>
-        <a:bodyPr spcFirstLastPara="0" vert="horz" wrap="square" lIns="72009" tIns="48006" rIns="24003" bIns="48006" numCol="1" spcCol="1270" anchor="ctr" anchorCtr="0">
-          <a:noAutofit/>
-        </a:bodyPr>
-        <a:lstStyle/>
-        <a:p>
-          <a:pPr lvl="0" algn="ctr" defTabSz="800100">
-            <a:lnSpc>
-              <a:spcPct val="90000"/>
-            </a:lnSpc>
-            <a:spcBef>
-              <a:spcPct val="0"/>
-            </a:spcBef>
-            <a:spcAft>
-              <a:spcPct val="35000"/>
-            </a:spcAft>
-          </a:pPr>
-          <a:r>
-            <a:rPr lang="fr-FR" sz="1800" kern="1200" dirty="0" smtClean="0"/>
-            <a:t>Démonstration</a:t>
-          </a:r>
-          <a:endParaRPr lang="fr-FR" sz="1800" kern="1200" dirty="0"/>
-        </a:p>
-      </dsp:txBody>
-      <dsp:txXfrm>
-        <a:off x="9121392" y="0"/>
-        <a:ext cx="2460464" cy="336884"/>
-      </dsp:txXfrm>
-    </dsp:sp>
   </dsp:spTree>
 </dsp:drawing>
 </file>
@@ -20701,441 +17305,6 @@
       <dsp:cNvGrpSpPr/>
     </dsp:nvGrpSpPr>
     <dsp:grpSpPr/>
-    <dsp:sp modelId="{46D52CB1-90CD-4843-962A-327EBB494F61}">
-      <dsp:nvSpPr>
-        <dsp:cNvPr id="0" name=""/>
-        <dsp:cNvSpPr/>
-      </dsp:nvSpPr>
-      <dsp:spPr>
-        <a:xfrm>
-          <a:off x="1954762" y="555"/>
-          <a:ext cx="1354581" cy="1354581"/>
-        </a:xfrm>
-        <a:prstGeom prst="ellipse">
-          <a:avLst/>
-        </a:prstGeom>
-        <a:solidFill>
-          <a:schemeClr val="accent4">
-            <a:hueOff val="0"/>
-            <a:satOff val="0"/>
-            <a:lumOff val="0"/>
-            <a:alphaOff val="0"/>
-          </a:schemeClr>
-        </a:solidFill>
-        <a:ln w="15875" cap="flat" cmpd="sng" algn="ctr">
-          <a:solidFill>
-            <a:schemeClr val="lt1">
-              <a:hueOff val="0"/>
-              <a:satOff val="0"/>
-              <a:lumOff val="0"/>
-              <a:alphaOff val="0"/>
-            </a:schemeClr>
-          </a:solidFill>
-          <a:prstDash val="solid"/>
-        </a:ln>
-        <a:effectLst/>
-      </dsp:spPr>
-      <dsp:style>
-        <a:lnRef idx="2">
-          <a:scrgbClr r="0" g="0" b="0"/>
-        </a:lnRef>
-        <a:fillRef idx="1">
-          <a:scrgbClr r="0" g="0" b="0"/>
-        </a:fillRef>
-        <a:effectRef idx="0">
-          <a:scrgbClr r="0" g="0" b="0"/>
-        </a:effectRef>
-        <a:fontRef idx="minor">
-          <a:schemeClr val="lt1"/>
-        </a:fontRef>
-      </dsp:style>
-      <dsp:txBody>
-        <a:bodyPr spcFirstLastPara="0" vert="horz" wrap="square" lIns="21590" tIns="21590" rIns="21590" bIns="21590" numCol="1" spcCol="1270" anchor="ctr" anchorCtr="0">
-          <a:noAutofit/>
-        </a:bodyPr>
-        <a:lstStyle/>
-        <a:p>
-          <a:pPr lvl="0" algn="ctr" defTabSz="755650">
-            <a:lnSpc>
-              <a:spcPct val="90000"/>
-            </a:lnSpc>
-            <a:spcBef>
-              <a:spcPct val="0"/>
-            </a:spcBef>
-            <a:spcAft>
-              <a:spcPct val="35000"/>
-            </a:spcAft>
-          </a:pPr>
-          <a:r>
-            <a:rPr lang="fr-FR" sz="1700" kern="1200" dirty="0" err="1" smtClean="0"/>
-            <a:t>Modele</a:t>
-          </a:r>
-          <a:endParaRPr lang="fr-FR" sz="1700" kern="1200" dirty="0"/>
-        </a:p>
-      </dsp:txBody>
-      <dsp:txXfrm>
-        <a:off x="2153136" y="198929"/>
-        <a:ext cx="957833" cy="957833"/>
-      </dsp:txXfrm>
-    </dsp:sp>
-    <dsp:sp modelId="{9496A391-C714-4626-AF79-25E9488D0CF7}">
-      <dsp:nvSpPr>
-        <dsp:cNvPr id="0" name=""/>
-        <dsp:cNvSpPr/>
-      </dsp:nvSpPr>
-      <dsp:spPr>
-        <a:xfrm rot="3600000">
-          <a:off x="2955459" y="1320292"/>
-          <a:ext cx="358968" cy="457171"/>
-        </a:xfrm>
-        <a:prstGeom prst="rightArrow">
-          <a:avLst>
-            <a:gd name="adj1" fmla="val 60000"/>
-            <a:gd name="adj2" fmla="val 50000"/>
-          </a:avLst>
-        </a:prstGeom>
-        <a:solidFill>
-          <a:schemeClr val="accent4">
-            <a:hueOff val="0"/>
-            <a:satOff val="0"/>
-            <a:lumOff val="0"/>
-            <a:alphaOff val="0"/>
-          </a:schemeClr>
-        </a:solidFill>
-        <a:ln>
-          <a:noFill/>
-        </a:ln>
-        <a:effectLst/>
-      </dsp:spPr>
-      <dsp:style>
-        <a:lnRef idx="0">
-          <a:scrgbClr r="0" g="0" b="0"/>
-        </a:lnRef>
-        <a:fillRef idx="1">
-          <a:scrgbClr r="0" g="0" b="0"/>
-        </a:fillRef>
-        <a:effectRef idx="0">
-          <a:scrgbClr r="0" g="0" b="0"/>
-        </a:effectRef>
-        <a:fontRef idx="minor">
-          <a:schemeClr val="lt1"/>
-        </a:fontRef>
-      </dsp:style>
-      <dsp:txBody>
-        <a:bodyPr spcFirstLastPara="0" vert="horz" wrap="square" lIns="0" tIns="0" rIns="0" bIns="0" numCol="1" spcCol="1270" anchor="ctr" anchorCtr="0">
-          <a:noAutofit/>
-        </a:bodyPr>
-        <a:lstStyle/>
-        <a:p>
-          <a:pPr lvl="0" algn="ctr" defTabSz="622300">
-            <a:lnSpc>
-              <a:spcPct val="90000"/>
-            </a:lnSpc>
-            <a:spcBef>
-              <a:spcPct val="0"/>
-            </a:spcBef>
-            <a:spcAft>
-              <a:spcPct val="35000"/>
-            </a:spcAft>
-          </a:pPr>
-          <a:endParaRPr lang="fr-FR" sz="1400" kern="1200"/>
-        </a:p>
-      </dsp:txBody>
-      <dsp:txXfrm>
-        <a:off x="2982382" y="1365095"/>
-        <a:ext cx="251278" cy="274303"/>
-      </dsp:txXfrm>
-    </dsp:sp>
-    <dsp:sp modelId="{EEA101B2-B466-41E8-905E-173094F354F0}">
-      <dsp:nvSpPr>
-        <dsp:cNvPr id="0" name=""/>
-        <dsp:cNvSpPr/>
-      </dsp:nvSpPr>
-      <dsp:spPr>
-        <a:xfrm>
-          <a:off x="2970702" y="1760216"/>
-          <a:ext cx="1354581" cy="1354581"/>
-        </a:xfrm>
-        <a:prstGeom prst="ellipse">
-          <a:avLst/>
-        </a:prstGeom>
-        <a:solidFill>
-          <a:schemeClr val="accent4">
-            <a:hueOff val="4458342"/>
-            <a:satOff val="-21334"/>
-            <a:lumOff val="7942"/>
-            <a:alphaOff val="0"/>
-          </a:schemeClr>
-        </a:solidFill>
-        <a:ln w="15875" cap="flat" cmpd="sng" algn="ctr">
-          <a:solidFill>
-            <a:schemeClr val="lt1">
-              <a:hueOff val="0"/>
-              <a:satOff val="0"/>
-              <a:lumOff val="0"/>
-              <a:alphaOff val="0"/>
-            </a:schemeClr>
-          </a:solidFill>
-          <a:prstDash val="solid"/>
-        </a:ln>
-        <a:effectLst/>
-      </dsp:spPr>
-      <dsp:style>
-        <a:lnRef idx="2">
-          <a:scrgbClr r="0" g="0" b="0"/>
-        </a:lnRef>
-        <a:fillRef idx="1">
-          <a:scrgbClr r="0" g="0" b="0"/>
-        </a:fillRef>
-        <a:effectRef idx="0">
-          <a:scrgbClr r="0" g="0" b="0"/>
-        </a:effectRef>
-        <a:fontRef idx="minor">
-          <a:schemeClr val="lt1"/>
-        </a:fontRef>
-      </dsp:style>
-      <dsp:txBody>
-        <a:bodyPr spcFirstLastPara="0" vert="horz" wrap="square" lIns="21590" tIns="21590" rIns="21590" bIns="21590" numCol="1" spcCol="1270" anchor="ctr" anchorCtr="0">
-          <a:noAutofit/>
-        </a:bodyPr>
-        <a:lstStyle/>
-        <a:p>
-          <a:pPr lvl="0" algn="ctr" defTabSz="755650">
-            <a:lnSpc>
-              <a:spcPct val="90000"/>
-            </a:lnSpc>
-            <a:spcBef>
-              <a:spcPct val="0"/>
-            </a:spcBef>
-            <a:spcAft>
-              <a:spcPct val="35000"/>
-            </a:spcAft>
-          </a:pPr>
-          <a:r>
-            <a:rPr lang="fr-FR" sz="1700" kern="1200" dirty="0" smtClean="0"/>
-            <a:t>Vue</a:t>
-          </a:r>
-          <a:endParaRPr lang="fr-FR" sz="1700" kern="1200" dirty="0"/>
-        </a:p>
-      </dsp:txBody>
-      <dsp:txXfrm>
-        <a:off x="3169076" y="1958590"/>
-        <a:ext cx="957833" cy="957833"/>
-      </dsp:txXfrm>
-    </dsp:sp>
-    <dsp:sp modelId="{70981418-9F6D-4063-BD77-201527E865C4}">
-      <dsp:nvSpPr>
-        <dsp:cNvPr id="0" name=""/>
-        <dsp:cNvSpPr/>
-      </dsp:nvSpPr>
-      <dsp:spPr>
-        <a:xfrm rot="10800000">
-          <a:off x="2462728" y="2208921"/>
-          <a:ext cx="358968" cy="457171"/>
-        </a:xfrm>
-        <a:prstGeom prst="rightArrow">
-          <a:avLst>
-            <a:gd name="adj1" fmla="val 60000"/>
-            <a:gd name="adj2" fmla="val 50000"/>
-          </a:avLst>
-        </a:prstGeom>
-        <a:solidFill>
-          <a:schemeClr val="accent4">
-            <a:hueOff val="4458342"/>
-            <a:satOff val="-21334"/>
-            <a:lumOff val="7942"/>
-            <a:alphaOff val="0"/>
-          </a:schemeClr>
-        </a:solidFill>
-        <a:ln>
-          <a:noFill/>
-        </a:ln>
-        <a:effectLst/>
-      </dsp:spPr>
-      <dsp:style>
-        <a:lnRef idx="0">
-          <a:scrgbClr r="0" g="0" b="0"/>
-        </a:lnRef>
-        <a:fillRef idx="1">
-          <a:scrgbClr r="0" g="0" b="0"/>
-        </a:fillRef>
-        <a:effectRef idx="0">
-          <a:scrgbClr r="0" g="0" b="0"/>
-        </a:effectRef>
-        <a:fontRef idx="minor">
-          <a:schemeClr val="lt1"/>
-        </a:fontRef>
-      </dsp:style>
-      <dsp:txBody>
-        <a:bodyPr spcFirstLastPara="0" vert="horz" wrap="square" lIns="0" tIns="0" rIns="0" bIns="0" numCol="1" spcCol="1270" anchor="ctr" anchorCtr="0">
-          <a:noAutofit/>
-        </a:bodyPr>
-        <a:lstStyle/>
-        <a:p>
-          <a:pPr lvl="0" algn="ctr" defTabSz="622300">
-            <a:lnSpc>
-              <a:spcPct val="90000"/>
-            </a:lnSpc>
-            <a:spcBef>
-              <a:spcPct val="0"/>
-            </a:spcBef>
-            <a:spcAft>
-              <a:spcPct val="35000"/>
-            </a:spcAft>
-          </a:pPr>
-          <a:endParaRPr lang="fr-FR" sz="1400" kern="1200"/>
-        </a:p>
-      </dsp:txBody>
-      <dsp:txXfrm rot="10800000">
-        <a:off x="2570418" y="2300355"/>
-        <a:ext cx="251278" cy="274303"/>
-      </dsp:txXfrm>
-    </dsp:sp>
-    <dsp:sp modelId="{B6FA0B5D-B83D-433C-AB1B-717C2EFA7054}">
-      <dsp:nvSpPr>
-        <dsp:cNvPr id="0" name=""/>
-        <dsp:cNvSpPr/>
-      </dsp:nvSpPr>
-      <dsp:spPr>
-        <a:xfrm>
-          <a:off x="938821" y="1760216"/>
-          <a:ext cx="1354581" cy="1354581"/>
-        </a:xfrm>
-        <a:prstGeom prst="ellipse">
-          <a:avLst/>
-        </a:prstGeom>
-        <a:solidFill>
-          <a:schemeClr val="accent4">
-            <a:hueOff val="8916683"/>
-            <a:satOff val="-42667"/>
-            <a:lumOff val="15883"/>
-            <a:alphaOff val="0"/>
-          </a:schemeClr>
-        </a:solidFill>
-        <a:ln w="15875" cap="flat" cmpd="sng" algn="ctr">
-          <a:solidFill>
-            <a:schemeClr val="lt1">
-              <a:hueOff val="0"/>
-              <a:satOff val="0"/>
-              <a:lumOff val="0"/>
-              <a:alphaOff val="0"/>
-            </a:schemeClr>
-          </a:solidFill>
-          <a:prstDash val="solid"/>
-        </a:ln>
-        <a:effectLst/>
-      </dsp:spPr>
-      <dsp:style>
-        <a:lnRef idx="2">
-          <a:scrgbClr r="0" g="0" b="0"/>
-        </a:lnRef>
-        <a:fillRef idx="1">
-          <a:scrgbClr r="0" g="0" b="0"/>
-        </a:fillRef>
-        <a:effectRef idx="0">
-          <a:scrgbClr r="0" g="0" b="0"/>
-        </a:effectRef>
-        <a:fontRef idx="minor">
-          <a:schemeClr val="lt1"/>
-        </a:fontRef>
-      </dsp:style>
-      <dsp:txBody>
-        <a:bodyPr spcFirstLastPara="0" vert="horz" wrap="square" lIns="21590" tIns="21590" rIns="21590" bIns="21590" numCol="1" spcCol="1270" anchor="ctr" anchorCtr="0">
-          <a:noAutofit/>
-        </a:bodyPr>
-        <a:lstStyle/>
-        <a:p>
-          <a:pPr lvl="0" algn="ctr" defTabSz="755650">
-            <a:lnSpc>
-              <a:spcPct val="90000"/>
-            </a:lnSpc>
-            <a:spcBef>
-              <a:spcPct val="0"/>
-            </a:spcBef>
-            <a:spcAft>
-              <a:spcPct val="35000"/>
-            </a:spcAft>
-          </a:pPr>
-          <a:r>
-            <a:rPr lang="fr-FR" sz="1700" kern="1200" dirty="0" err="1" smtClean="0"/>
-            <a:t>Controleur</a:t>
-          </a:r>
-          <a:endParaRPr lang="fr-FR" sz="1700" kern="1200" dirty="0"/>
-        </a:p>
-      </dsp:txBody>
-      <dsp:txXfrm>
-        <a:off x="1137195" y="1958590"/>
-        <a:ext cx="957833" cy="957833"/>
-      </dsp:txXfrm>
-    </dsp:sp>
-    <dsp:sp modelId="{80761FF3-B1D2-466F-B8A2-C75EE4F098FA}">
-      <dsp:nvSpPr>
-        <dsp:cNvPr id="0" name=""/>
-        <dsp:cNvSpPr/>
-      </dsp:nvSpPr>
-      <dsp:spPr>
-        <a:xfrm rot="18000000">
-          <a:off x="1939518" y="1337889"/>
-          <a:ext cx="358968" cy="457171"/>
-        </a:xfrm>
-        <a:prstGeom prst="rightArrow">
-          <a:avLst>
-            <a:gd name="adj1" fmla="val 60000"/>
-            <a:gd name="adj2" fmla="val 50000"/>
-          </a:avLst>
-        </a:prstGeom>
-        <a:solidFill>
-          <a:schemeClr val="accent4">
-            <a:hueOff val="8916683"/>
-            <a:satOff val="-42667"/>
-            <a:lumOff val="15883"/>
-            <a:alphaOff val="0"/>
-          </a:schemeClr>
-        </a:solidFill>
-        <a:ln>
-          <a:noFill/>
-        </a:ln>
-        <a:effectLst/>
-      </dsp:spPr>
-      <dsp:style>
-        <a:lnRef idx="0">
-          <a:scrgbClr r="0" g="0" b="0"/>
-        </a:lnRef>
-        <a:fillRef idx="1">
-          <a:scrgbClr r="0" g="0" b="0"/>
-        </a:fillRef>
-        <a:effectRef idx="0">
-          <a:scrgbClr r="0" g="0" b="0"/>
-        </a:effectRef>
-        <a:fontRef idx="minor">
-          <a:schemeClr val="lt1"/>
-        </a:fontRef>
-      </dsp:style>
-      <dsp:txBody>
-        <a:bodyPr spcFirstLastPara="0" vert="horz" wrap="square" lIns="0" tIns="0" rIns="0" bIns="0" numCol="1" spcCol="1270" anchor="ctr" anchorCtr="0">
-          <a:noAutofit/>
-        </a:bodyPr>
-        <a:lstStyle/>
-        <a:p>
-          <a:pPr lvl="0" algn="ctr" defTabSz="622300">
-            <a:lnSpc>
-              <a:spcPct val="90000"/>
-            </a:lnSpc>
-            <a:spcBef>
-              <a:spcPct val="0"/>
-            </a:spcBef>
-            <a:spcAft>
-              <a:spcPct val="35000"/>
-            </a:spcAft>
-          </a:pPr>
-          <a:endParaRPr lang="fr-FR" sz="1400" kern="1200"/>
-        </a:p>
-      </dsp:txBody>
-      <dsp:txXfrm>
-        <a:off x="1966441" y="1475954"/>
-        <a:ext cx="251278" cy="274303"/>
-      </dsp:txXfrm>
-    </dsp:sp>
   </dsp:spTree>
 </dsp:drawing>
 </file>
@@ -21148,391 +17317,6 @@
       <dsp:cNvGrpSpPr/>
     </dsp:nvGrpSpPr>
     <dsp:grpSpPr/>
-    <dsp:sp modelId="{432CD230-FEE0-4209-A1E2-E14178F8D4D8}">
-      <dsp:nvSpPr>
-        <dsp:cNvPr id="0" name=""/>
-        <dsp:cNvSpPr/>
-      </dsp:nvSpPr>
-      <dsp:spPr>
-        <a:xfrm>
-          <a:off x="1434" y="0"/>
-          <a:ext cx="2797348" cy="336884"/>
-        </a:xfrm>
-        <a:prstGeom prst="homePlate">
-          <a:avLst/>
-        </a:prstGeom>
-        <a:solidFill>
-          <a:schemeClr val="accent2">
-            <a:hueOff val="0"/>
-            <a:satOff val="0"/>
-            <a:lumOff val="0"/>
-            <a:alphaOff val="0"/>
-          </a:schemeClr>
-        </a:solidFill>
-        <a:ln w="19050" cap="flat" cmpd="sng" algn="ctr">
-          <a:solidFill>
-            <a:schemeClr val="lt1">
-              <a:hueOff val="0"/>
-              <a:satOff val="0"/>
-              <a:lumOff val="0"/>
-              <a:alphaOff val="0"/>
-            </a:schemeClr>
-          </a:solidFill>
-          <a:prstDash val="solid"/>
-        </a:ln>
-        <a:effectLst/>
-      </dsp:spPr>
-      <dsp:style>
-        <a:lnRef idx="3">
-          <a:scrgbClr r="0" g="0" b="0"/>
-        </a:lnRef>
-        <a:fillRef idx="1">
-          <a:scrgbClr r="0" g="0" b="0"/>
-        </a:fillRef>
-        <a:effectRef idx="1">
-          <a:scrgbClr r="0" g="0" b="0"/>
-        </a:effectRef>
-        <a:fontRef idx="minor">
-          <a:schemeClr val="lt1"/>
-        </a:fontRef>
-      </dsp:style>
-      <dsp:txBody>
-        <a:bodyPr spcFirstLastPara="0" vert="horz" wrap="square" lIns="96012" tIns="48006" rIns="24003" bIns="48006" numCol="1" spcCol="1270" anchor="ctr" anchorCtr="0">
-          <a:noAutofit/>
-        </a:bodyPr>
-        <a:lstStyle/>
-        <a:p>
-          <a:pPr lvl="0" algn="ctr" defTabSz="800100">
-            <a:lnSpc>
-              <a:spcPct val="90000"/>
-            </a:lnSpc>
-            <a:spcBef>
-              <a:spcPct val="0"/>
-            </a:spcBef>
-            <a:spcAft>
-              <a:spcPct val="35000"/>
-            </a:spcAft>
-          </a:pPr>
-          <a:r>
-            <a:rPr lang="fr-FR" sz="1800" kern="1200" dirty="0" smtClean="0"/>
-            <a:t>Sujet</a:t>
-          </a:r>
-          <a:endParaRPr lang="fr-FR" sz="1800" kern="1200" dirty="0"/>
-        </a:p>
-      </dsp:txBody>
-      <dsp:txXfrm>
-        <a:off x="1434" y="0"/>
-        <a:ext cx="2713127" cy="336884"/>
-      </dsp:txXfrm>
-    </dsp:sp>
-    <dsp:sp modelId="{BF36116C-7362-4FBA-B493-4C2CC2BF6976}">
-      <dsp:nvSpPr>
-        <dsp:cNvPr id="0" name=""/>
-        <dsp:cNvSpPr/>
-      </dsp:nvSpPr>
-      <dsp:spPr>
-        <a:xfrm>
-          <a:off x="2239313" y="0"/>
-          <a:ext cx="2797348" cy="336884"/>
-        </a:xfrm>
-        <a:prstGeom prst="chevron">
-          <a:avLst/>
-        </a:prstGeom>
-        <a:solidFill>
-          <a:schemeClr val="accent3">
-            <a:hueOff val="0"/>
-            <a:satOff val="0"/>
-            <a:lumOff val="0"/>
-            <a:alphaOff val="0"/>
-          </a:schemeClr>
-        </a:solidFill>
-        <a:ln w="19050" cap="flat" cmpd="sng" algn="ctr">
-          <a:solidFill>
-            <a:schemeClr val="lt1">
-              <a:hueOff val="0"/>
-              <a:satOff val="0"/>
-              <a:lumOff val="0"/>
-              <a:alphaOff val="0"/>
-            </a:schemeClr>
-          </a:solidFill>
-          <a:prstDash val="solid"/>
-        </a:ln>
-        <a:effectLst/>
-      </dsp:spPr>
-      <dsp:style>
-        <a:lnRef idx="3">
-          <a:scrgbClr r="0" g="0" b="0"/>
-        </a:lnRef>
-        <a:fillRef idx="1">
-          <a:scrgbClr r="0" g="0" b="0"/>
-        </a:fillRef>
-        <a:effectRef idx="1">
-          <a:scrgbClr r="0" g="0" b="0"/>
-        </a:effectRef>
-        <a:fontRef idx="minor">
-          <a:schemeClr val="lt1"/>
-        </a:fontRef>
-      </dsp:style>
-      <dsp:txBody>
-        <a:bodyPr spcFirstLastPara="0" vert="horz" wrap="square" lIns="72009" tIns="48006" rIns="24003" bIns="48006" numCol="1" spcCol="1270" anchor="ctr" anchorCtr="0">
-          <a:noAutofit/>
-        </a:bodyPr>
-        <a:lstStyle/>
-        <a:p>
-          <a:pPr lvl="0" algn="ctr" defTabSz="800100">
-            <a:lnSpc>
-              <a:spcPct val="90000"/>
-            </a:lnSpc>
-            <a:spcBef>
-              <a:spcPct val="0"/>
-            </a:spcBef>
-            <a:spcAft>
-              <a:spcPct val="35000"/>
-            </a:spcAft>
-          </a:pPr>
-          <a:r>
-            <a:rPr lang="fr-FR" sz="1800" kern="1200" dirty="0" smtClean="0"/>
-            <a:t>Méthodologie</a:t>
-          </a:r>
-          <a:endParaRPr lang="fr-FR" sz="1800" kern="1200" dirty="0"/>
-        </a:p>
-      </dsp:txBody>
-      <dsp:txXfrm>
-        <a:off x="2407755" y="0"/>
-        <a:ext cx="2460464" cy="336884"/>
-      </dsp:txXfrm>
-    </dsp:sp>
-    <dsp:sp modelId="{10103450-6A68-475F-A740-88D1385D49F4}">
-      <dsp:nvSpPr>
-        <dsp:cNvPr id="0" name=""/>
-        <dsp:cNvSpPr/>
-      </dsp:nvSpPr>
-      <dsp:spPr>
-        <a:xfrm>
-          <a:off x="4477192" y="0"/>
-          <a:ext cx="2797348" cy="336884"/>
-        </a:xfrm>
-        <a:prstGeom prst="chevron">
-          <a:avLst/>
-        </a:prstGeom>
-        <a:solidFill>
-          <a:schemeClr val="accent4">
-            <a:hueOff val="0"/>
-            <a:satOff val="0"/>
-            <a:lumOff val="0"/>
-            <a:alphaOff val="0"/>
-          </a:schemeClr>
-        </a:solidFill>
-        <a:ln w="19050" cap="flat" cmpd="sng" algn="ctr">
-          <a:solidFill>
-            <a:schemeClr val="lt1">
-              <a:hueOff val="0"/>
-              <a:satOff val="0"/>
-              <a:lumOff val="0"/>
-              <a:alphaOff val="0"/>
-            </a:schemeClr>
-          </a:solidFill>
-          <a:prstDash val="solid"/>
-        </a:ln>
-        <a:effectLst/>
-      </dsp:spPr>
-      <dsp:style>
-        <a:lnRef idx="3">
-          <a:scrgbClr r="0" g="0" b="0"/>
-        </a:lnRef>
-        <a:fillRef idx="1">
-          <a:scrgbClr r="0" g="0" b="0"/>
-        </a:fillRef>
-        <a:effectRef idx="1">
-          <a:scrgbClr r="0" g="0" b="0"/>
-        </a:effectRef>
-        <a:fontRef idx="minor">
-          <a:schemeClr val="lt1"/>
-        </a:fontRef>
-      </dsp:style>
-      <dsp:txBody>
-        <a:bodyPr spcFirstLastPara="0" vert="horz" wrap="square" lIns="96012" tIns="64008" rIns="32004" bIns="64008" numCol="1" spcCol="1270" anchor="ctr" anchorCtr="0">
-          <a:noAutofit/>
-        </a:bodyPr>
-        <a:lstStyle/>
-        <a:p>
-          <a:pPr lvl="0" algn="ctr" defTabSz="1066800">
-            <a:lnSpc>
-              <a:spcPct val="90000"/>
-            </a:lnSpc>
-            <a:spcBef>
-              <a:spcPct val="0"/>
-            </a:spcBef>
-            <a:spcAft>
-              <a:spcPct val="35000"/>
-            </a:spcAft>
-          </a:pPr>
-          <a:r>
-            <a:rPr lang="fr-FR" sz="2400" i="1" u="none" kern="1200" dirty="0" smtClean="0"/>
-            <a:t>Conception</a:t>
-          </a:r>
-          <a:endParaRPr lang="fr-FR" sz="2400" i="1" u="none" kern="1200" dirty="0"/>
-        </a:p>
-      </dsp:txBody>
-      <dsp:txXfrm>
-        <a:off x="4645634" y="0"/>
-        <a:ext cx="2460464" cy="336884"/>
-      </dsp:txXfrm>
-    </dsp:sp>
-    <dsp:sp modelId="{8550E3DC-F81D-4ADB-96EF-9C933F38F645}">
-      <dsp:nvSpPr>
-        <dsp:cNvPr id="0" name=""/>
-        <dsp:cNvSpPr/>
-      </dsp:nvSpPr>
-      <dsp:spPr>
-        <a:xfrm>
-          <a:off x="6715071" y="0"/>
-          <a:ext cx="2797348" cy="336884"/>
-        </a:xfrm>
-        <a:prstGeom prst="chevron">
-          <a:avLst/>
-        </a:prstGeom>
-        <a:solidFill>
-          <a:schemeClr val="accent5">
-            <a:hueOff val="0"/>
-            <a:satOff val="0"/>
-            <a:lumOff val="0"/>
-            <a:alphaOff val="0"/>
-          </a:schemeClr>
-        </a:solidFill>
-        <a:ln w="19050" cap="flat" cmpd="sng" algn="ctr">
-          <a:solidFill>
-            <a:schemeClr val="lt1">
-              <a:hueOff val="0"/>
-              <a:satOff val="0"/>
-              <a:lumOff val="0"/>
-              <a:alphaOff val="0"/>
-            </a:schemeClr>
-          </a:solidFill>
-          <a:prstDash val="solid"/>
-        </a:ln>
-        <a:effectLst/>
-      </dsp:spPr>
-      <dsp:style>
-        <a:lnRef idx="3">
-          <a:scrgbClr r="0" g="0" b="0"/>
-        </a:lnRef>
-        <a:fillRef idx="1">
-          <a:scrgbClr r="0" g="0" b="0"/>
-        </a:fillRef>
-        <a:effectRef idx="1">
-          <a:scrgbClr r="0" g="0" b="0"/>
-        </a:effectRef>
-        <a:fontRef idx="minor">
-          <a:schemeClr val="lt1"/>
-        </a:fontRef>
-      </dsp:style>
-      <dsp:txBody>
-        <a:bodyPr spcFirstLastPara="0" vert="horz" wrap="square" lIns="72009" tIns="48006" rIns="24003" bIns="48006" numCol="1" spcCol="1270" anchor="ctr" anchorCtr="0">
-          <a:noAutofit/>
-        </a:bodyPr>
-        <a:lstStyle/>
-        <a:p>
-          <a:pPr lvl="0" algn="ctr" defTabSz="800100">
-            <a:lnSpc>
-              <a:spcPct val="90000"/>
-            </a:lnSpc>
-            <a:spcBef>
-              <a:spcPct val="0"/>
-            </a:spcBef>
-            <a:spcAft>
-              <a:spcPct val="35000"/>
-            </a:spcAft>
-          </a:pPr>
-          <a:r>
-            <a:rPr lang="fr-FR" sz="1800" kern="1200" dirty="0" smtClean="0"/>
-            <a:t>Bilan</a:t>
-          </a:r>
-          <a:endParaRPr lang="fr-FR" sz="1800" kern="1200" dirty="0"/>
-        </a:p>
-      </dsp:txBody>
-      <dsp:txXfrm>
-        <a:off x="6883513" y="0"/>
-        <a:ext cx="2460464" cy="336884"/>
-      </dsp:txXfrm>
-    </dsp:sp>
-    <dsp:sp modelId="{0CC8E1C3-4157-4992-BCEB-C1333A5D98B4}">
-      <dsp:nvSpPr>
-        <dsp:cNvPr id="0" name=""/>
-        <dsp:cNvSpPr/>
-      </dsp:nvSpPr>
-      <dsp:spPr>
-        <a:xfrm>
-          <a:off x="8952950" y="0"/>
-          <a:ext cx="2797348" cy="336884"/>
-        </a:xfrm>
-        <a:prstGeom prst="chevron">
-          <a:avLst/>
-        </a:prstGeom>
-        <a:solidFill>
-          <a:schemeClr val="accent6">
-            <a:hueOff val="0"/>
-            <a:satOff val="0"/>
-            <a:lumOff val="0"/>
-            <a:alphaOff val="0"/>
-          </a:schemeClr>
-        </a:solidFill>
-        <a:ln w="19050" cap="flat" cmpd="sng" algn="ctr">
-          <a:solidFill>
-            <a:schemeClr val="lt1">
-              <a:hueOff val="0"/>
-              <a:satOff val="0"/>
-              <a:lumOff val="0"/>
-              <a:alphaOff val="0"/>
-            </a:schemeClr>
-          </a:solidFill>
-          <a:prstDash val="solid"/>
-        </a:ln>
-        <a:effectLst/>
-      </dsp:spPr>
-      <dsp:style>
-        <a:lnRef idx="3">
-          <a:scrgbClr r="0" g="0" b="0"/>
-        </a:lnRef>
-        <a:fillRef idx="1">
-          <a:scrgbClr r="0" g="0" b="0"/>
-        </a:fillRef>
-        <a:effectRef idx="1">
-          <a:scrgbClr r="0" g="0" b="0"/>
-        </a:effectRef>
-        <a:fontRef idx="minor">
-          <a:schemeClr val="lt1"/>
-        </a:fontRef>
-      </dsp:style>
-      <dsp:txBody>
-        <a:bodyPr spcFirstLastPara="0" vert="horz" wrap="square" lIns="72009" tIns="48006" rIns="24003" bIns="48006" numCol="1" spcCol="1270" anchor="ctr" anchorCtr="0">
-          <a:noAutofit/>
-        </a:bodyPr>
-        <a:lstStyle/>
-        <a:p>
-          <a:pPr lvl="0" algn="ctr" defTabSz="800100">
-            <a:lnSpc>
-              <a:spcPct val="90000"/>
-            </a:lnSpc>
-            <a:spcBef>
-              <a:spcPct val="0"/>
-            </a:spcBef>
-            <a:spcAft>
-              <a:spcPct val="35000"/>
-            </a:spcAft>
-          </a:pPr>
-          <a:r>
-            <a:rPr lang="fr-FR" sz="1800" kern="1200" dirty="0" smtClean="0"/>
-            <a:t>Démonstration</a:t>
-          </a:r>
-          <a:endParaRPr lang="fr-FR" sz="1800" kern="1200" dirty="0"/>
-        </a:p>
-      </dsp:txBody>
-      <dsp:txXfrm>
-        <a:off x="9121392" y="0"/>
-        <a:ext cx="2460464" cy="336884"/>
-      </dsp:txXfrm>
-    </dsp:sp>
   </dsp:spTree>
 </dsp:drawing>
 </file>
@@ -44001,15 +39785,7 @@
                   <a:schemeClr val="bg1"/>
                 </a:solidFill>
               </a:rPr>
-              <a:t>E.S Productions </a:t>
-            </a:r>
-            <a:r>
-              <a:rPr lang="fr-FR" sz="3600" dirty="0" smtClean="0">
-                <a:solidFill>
-                  <a:schemeClr val="bg1"/>
-                </a:solidFill>
-              </a:rPr>
-              <a:t>– Les explorateurs des S.E.S.</a:t>
+              <a:t>E.S Productions – Les explorateurs des S.E.S.</a:t>
             </a:r>
             <a:endParaRPr lang="fr-FR" sz="3600" dirty="0">
               <a:solidFill>
@@ -44113,15 +39889,7 @@
                   <a:schemeClr val="bg1"/>
                 </a:solidFill>
               </a:rPr>
-              <a:t>| </a:t>
-            </a:r>
-            <a:r>
-              <a:rPr lang="fr-FR" dirty="0" smtClean="0">
-                <a:solidFill>
-                  <a:schemeClr val="bg1"/>
-                </a:solidFill>
-              </a:rPr>
-              <a:t>Bilan : Ce qu’on a fait</a:t>
+              <a:t>| Bilan : Ce qu’on a fait</a:t>
             </a:r>
             <a:endParaRPr lang="fr-FR" dirty="0">
               <a:solidFill>
@@ -44580,23 +40348,7 @@
                   <a:schemeClr val="bg1"/>
                 </a:solidFill>
               </a:rPr>
-              <a:t>| </a:t>
-            </a:r>
-            <a:r>
-              <a:rPr lang="fr-FR" dirty="0" smtClean="0">
-                <a:solidFill>
-                  <a:schemeClr val="bg1"/>
-                </a:solidFill>
-              </a:rPr>
-              <a:t>BILAN : Ce </a:t>
-            </a:r>
-            <a:r>
-              <a:rPr lang="fr-FR" dirty="0" smtClean="0">
-                <a:solidFill>
-                  <a:schemeClr val="bg1"/>
-                </a:solidFill>
-              </a:rPr>
-              <a:t>qu’il nous reste à faire </a:t>
+              <a:t>| BILAN : Ce qu’il nous reste à faire </a:t>
             </a:r>
             <a:endParaRPr lang="fr-FR" dirty="0">
               <a:solidFill>
@@ -45349,31 +41101,7 @@
                   <a:schemeClr val="bg1"/>
                 </a:solidFill>
               </a:rPr>
-              <a:t>| </a:t>
-            </a:r>
-            <a:r>
-              <a:rPr lang="fr-FR" sz="2000" dirty="0" smtClean="0">
-                <a:solidFill>
-                  <a:schemeClr val="bg1"/>
-                </a:solidFill>
-              </a:rPr>
-              <a:t>EXPERIENCES </a:t>
-            </a:r>
-            <a:r>
-              <a:rPr lang="fr-FR" sz="2000" dirty="0" smtClean="0">
-                <a:solidFill>
-                  <a:schemeClr val="bg1"/>
-                </a:solidFill>
-              </a:rPr>
-              <a:t>ACQUISES</a:t>
-            </a:r>
-            <a:r>
-              <a:rPr lang="fr-FR" sz="2000" dirty="0" smtClean="0">
-                <a:solidFill>
-                  <a:schemeClr val="bg1"/>
-                </a:solidFill>
-              </a:rPr>
-              <a:t> :</a:t>
+              <a:t>| EXPERIENCES ACQUISES :</a:t>
             </a:r>
           </a:p>
           <a:p>
@@ -45403,11 +41131,6 @@
               </a:rPr>
               <a:t>Compétences de savoir être</a:t>
             </a:r>
-            <a:endParaRPr lang="fr-FR" sz="2000" dirty="0" smtClean="0">
-              <a:solidFill>
-                <a:schemeClr val="bg1"/>
-              </a:solidFill>
-            </a:endParaRPr>
           </a:p>
           <a:p>
             <a:endParaRPr lang="fr-FR" dirty="0" smtClean="0">
@@ -45491,15 +41214,7 @@
                   <a:schemeClr val="bg1"/>
                 </a:solidFill>
               </a:rPr>
-              <a:t>| </a:t>
-            </a:r>
-            <a:r>
-              <a:rPr lang="fr-FR" sz="2000" dirty="0" smtClean="0">
-                <a:solidFill>
-                  <a:schemeClr val="bg1"/>
-                </a:solidFill>
-              </a:rPr>
-              <a:t>SUITE DU PROJET</a:t>
+              <a:t>| SUITE DU PROJET</a:t>
             </a:r>
             <a:endParaRPr lang="fr-FR" sz="2000" dirty="0">
               <a:solidFill>
@@ -45561,7 +41276,7 @@
           <p:nvPr>
             <p:extLst>
               <p:ext uri="{D42A27DB-BD31-4B8C-83A1-F6EECF244321}">
-                <p14:modId xmlns:p14="http://schemas.microsoft.com/office/powerpoint/2010/main" val="1828446200"/>
+                <p14:modId xmlns:p14="http://schemas.microsoft.com/office/powerpoint/2010/main" val="484391695"/>
               </p:ext>
             </p:extLst>
           </p:nvPr>
@@ -45804,15 +41519,7 @@
                   <a:schemeClr val="bg1"/>
                 </a:solidFill>
               </a:rPr>
-              <a:t>| </a:t>
-            </a:r>
-            <a:r>
-              <a:rPr lang="fr-FR" dirty="0" smtClean="0">
-                <a:solidFill>
-                  <a:schemeClr val="bg1"/>
-                </a:solidFill>
-              </a:rPr>
-              <a:t>Merci pour votre écoute</a:t>
+              <a:t>| Merci pour votre écoute</a:t>
             </a:r>
             <a:endParaRPr lang="fr-FR" dirty="0">
               <a:solidFill>
@@ -45850,21 +41557,8 @@
                   <a:schemeClr val="bg1"/>
                 </a:solidFill>
               </a:rPr>
-              <a:t>| </a:t>
+              <a:t>| Nous sommes à votre disposition pour répondre à vos questions</a:t>
             </a:r>
-            <a:r>
-              <a:rPr lang="fr-FR" sz="2000" dirty="0" smtClean="0">
-                <a:solidFill>
-                  <a:schemeClr val="bg1"/>
-                </a:solidFill>
-              </a:rPr>
-              <a:t>Nous sommes à votre disposition pour répondre à vos questions</a:t>
-            </a:r>
-            <a:endParaRPr lang="fr-FR" sz="2000" dirty="0" smtClean="0">
-              <a:solidFill>
-                <a:schemeClr val="bg1"/>
-              </a:solidFill>
-            </a:endParaRPr>
           </a:p>
         </p:txBody>
       </p:sp>
@@ -46165,11 +41859,6 @@
               </a:rPr>
               <a:t>2</a:t>
             </a:r>
-            <a:endParaRPr lang="en-US" sz="3200" dirty="0">
-              <a:solidFill>
-                <a:schemeClr val="bg1"/>
-              </a:solidFill>
-            </a:endParaRPr>
           </a:p>
         </p:txBody>
       </p:sp>
@@ -46777,11 +42466,6 @@
               </a:rPr>
               <a:t>3</a:t>
             </a:r>
-            <a:endParaRPr lang="en-US" sz="3200" dirty="0">
-              <a:solidFill>
-                <a:schemeClr val="bg1"/>
-              </a:solidFill>
-            </a:endParaRPr>
           </a:p>
         </p:txBody>
       </p:sp>
@@ -47397,15 +43081,7 @@
                   <a:schemeClr val="bg1"/>
                 </a:solidFill>
               </a:rPr>
-              <a:t> </a:t>
-            </a:r>
-            <a:r>
-              <a:rPr lang="fr-FR" dirty="0" smtClean="0">
-                <a:solidFill>
-                  <a:schemeClr val="bg1"/>
-                </a:solidFill>
-              </a:rPr>
-              <a:t>:</a:t>
+              <a:t> :</a:t>
             </a:r>
           </a:p>
           <a:p>
@@ -47429,21 +43105,8 @@
                   <a:schemeClr val="bg1"/>
                 </a:solidFill>
               </a:rPr>
-              <a:t>Organisation des tâches au départ du projet</a:t>
+              <a:t>Organisation des tâches au départ du projet.</a:t>
             </a:r>
-            <a:r>
-              <a:rPr lang="fr-FR" dirty="0" smtClean="0">
-                <a:solidFill>
-                  <a:schemeClr val="bg1"/>
-                </a:solidFill>
-              </a:rPr>
-              <a:t>.</a:t>
-            </a:r>
-            <a:endParaRPr lang="fr-FR" dirty="0" smtClean="0">
-              <a:solidFill>
-                <a:schemeClr val="bg1"/>
-              </a:solidFill>
-            </a:endParaRPr>
           </a:p>
           <a:p>
             <a:endParaRPr lang="fr-FR" dirty="0" smtClean="0">
@@ -47923,15 +43586,7 @@
                   <a:schemeClr val="bg1"/>
                 </a:solidFill>
               </a:rPr>
-              <a:t> </a:t>
-            </a:r>
-            <a:r>
-              <a:rPr lang="fr-FR" dirty="0" smtClean="0">
-                <a:solidFill>
-                  <a:schemeClr val="bg1"/>
-                </a:solidFill>
-              </a:rPr>
-              <a:t>:</a:t>
+              <a:t> :</a:t>
             </a:r>
           </a:p>
           <a:p>
@@ -47955,15 +43610,7 @@
                   <a:schemeClr val="bg1"/>
                 </a:solidFill>
               </a:rPr>
-              <a:t>Problèmes </a:t>
-            </a:r>
-            <a:r>
-              <a:rPr lang="fr-FR" dirty="0" smtClean="0">
-                <a:solidFill>
-                  <a:schemeClr val="bg1"/>
-                </a:solidFill>
-              </a:rPr>
-              <a:t>avec le partage des avancées de chacun.</a:t>
+              <a:t>Problèmes avec le partage des avancées de chacun.</a:t>
             </a:r>
           </a:p>
           <a:p>
@@ -48137,11 +43784,6 @@
               </a:rPr>
               <a:t>6</a:t>
             </a:r>
-            <a:endParaRPr lang="en-US" sz="3200" dirty="0">
-              <a:solidFill>
-                <a:schemeClr val="bg1"/>
-              </a:solidFill>
-            </a:endParaRPr>
           </a:p>
         </p:txBody>
       </p:sp>
@@ -48407,15 +44049,7 @@
                   <a:schemeClr val="bg1"/>
                 </a:solidFill>
               </a:rPr>
-              <a:t>| </a:t>
-            </a:r>
-            <a:r>
-              <a:rPr lang="fr-FR" sz="2400" dirty="0" smtClean="0">
-                <a:solidFill>
-                  <a:schemeClr val="bg1"/>
-                </a:solidFill>
-              </a:rPr>
-              <a:t>ÉTAPE 1 :</a:t>
+              <a:t>| ÉTAPE 1 :</a:t>
             </a:r>
             <a:endParaRPr lang="fr-FR" dirty="0">
               <a:solidFill>
@@ -48819,15 +44453,7 @@
                   <a:schemeClr val="bg1"/>
                 </a:solidFill>
               </a:rPr>
-              <a:t>2  </a:t>
-            </a:r>
-            <a:r>
-              <a:rPr lang="fr-FR" sz="2400" dirty="0" smtClean="0">
-                <a:solidFill>
-                  <a:schemeClr val="bg1"/>
-                </a:solidFill>
-              </a:rPr>
-              <a:t>:</a:t>
+              <a:t>2  :</a:t>
             </a:r>
             <a:endParaRPr lang="fr-FR" dirty="0">
               <a:solidFill>
@@ -48853,15 +44479,7 @@
                   <a:schemeClr val="bg1"/>
                 </a:solidFill>
               </a:rPr>
-              <a:t>Le Back End : Le Développement </a:t>
-            </a:r>
-            <a:r>
-              <a:rPr lang="fr-FR" sz="2000" dirty="0" smtClean="0">
-                <a:solidFill>
-                  <a:schemeClr val="bg1"/>
-                </a:solidFill>
-              </a:rPr>
-              <a:t>PHP en relation avec les vues afin de récupérer les informations et les traiter.</a:t>
+              <a:t>Le Back End : Le Développement PHP en relation avec les vues afin de récupérer les informations et les traiter.</a:t>
             </a:r>
             <a:endParaRPr lang="fr-FR" sz="2000" dirty="0">
               <a:solidFill>
@@ -49041,11 +44659,6 @@
               </a:rPr>
               <a:t>8</a:t>
             </a:r>
-            <a:endParaRPr lang="en-US" sz="3200" dirty="0">
-              <a:solidFill>
-                <a:schemeClr val="bg1"/>
-              </a:solidFill>
-            </a:endParaRPr>
           </a:p>
         </p:txBody>
       </p:sp>
@@ -49278,15 +44891,7 @@
                   <a:schemeClr val="bg1"/>
                 </a:solidFill>
               </a:rPr>
-              <a:t>3 </a:t>
-            </a:r>
-            <a:r>
-              <a:rPr lang="fr-FR" sz="2400" dirty="0" smtClean="0">
-                <a:solidFill>
-                  <a:schemeClr val="bg1"/>
-                </a:solidFill>
-              </a:rPr>
-              <a:t>:</a:t>
+              <a:t>3 :</a:t>
             </a:r>
             <a:endParaRPr lang="fr-FR" dirty="0">
               <a:solidFill>
@@ -49312,15 +44917,7 @@
                   <a:schemeClr val="bg1"/>
                 </a:solidFill>
               </a:rPr>
-              <a:t>Le Front End : Création </a:t>
-            </a:r>
-            <a:r>
-              <a:rPr lang="fr-FR" sz="2000" dirty="0" smtClean="0">
-                <a:solidFill>
-                  <a:schemeClr val="bg1"/>
-                </a:solidFill>
-              </a:rPr>
-              <a:t>des différentes vues (</a:t>
+              <a:t>Le Front End : Création des différentes vues (</a:t>
             </a:r>
             <a:r>
               <a:rPr lang="fr-FR" sz="2000" dirty="0" err="1" smtClean="0">
@@ -49516,11 +45113,6 @@
               </a:rPr>
               <a:t>9</a:t>
             </a:r>
-            <a:endParaRPr lang="en-US" sz="3200" dirty="0">
-              <a:solidFill>
-                <a:schemeClr val="bg1"/>
-              </a:solidFill>
-            </a:endParaRPr>
           </a:p>
         </p:txBody>
       </p:sp>

--- a/Projet tutoré – Livraison  V1.pptx
+++ b/Projet tutoré – Livraison  V1.pptx
@@ -13354,7 +13354,6 @@
             <a:rPr lang="fr-FR" sz="1800" dirty="0" smtClean="0"/>
             <a:t>40 h/</a:t>
           </a:r>
-          <a:endParaRPr lang="fr-FR" sz="1800" dirty="0" smtClean="0"/>
         </a:p>
         <a:p>
           <a:r>
@@ -16211,6 +16210,401 @@
       <dsp:cNvGrpSpPr/>
     </dsp:nvGrpSpPr>
     <dsp:grpSpPr/>
+    <dsp:sp modelId="{432CD230-FEE0-4209-A1E2-E14178F8D4D8}">
+      <dsp:nvSpPr>
+        <dsp:cNvPr id="0" name=""/>
+        <dsp:cNvSpPr/>
+      </dsp:nvSpPr>
+      <dsp:spPr>
+        <a:xfrm>
+          <a:off x="1434" y="0"/>
+          <a:ext cx="2797348" cy="336884"/>
+        </a:xfrm>
+        <a:prstGeom prst="homePlate">
+          <a:avLst/>
+        </a:prstGeom>
+        <a:solidFill>
+          <a:schemeClr val="accent2">
+            <a:hueOff val="0"/>
+            <a:satOff val="0"/>
+            <a:lumOff val="0"/>
+            <a:alphaOff val="0"/>
+          </a:schemeClr>
+        </a:solidFill>
+        <a:ln w="19050" cap="flat" cmpd="sng" algn="ctr">
+          <a:solidFill>
+            <a:schemeClr val="lt1">
+              <a:hueOff val="0"/>
+              <a:satOff val="0"/>
+              <a:lumOff val="0"/>
+              <a:alphaOff val="0"/>
+            </a:schemeClr>
+          </a:solidFill>
+          <a:prstDash val="solid"/>
+        </a:ln>
+        <a:effectLst/>
+      </dsp:spPr>
+      <dsp:style>
+        <a:lnRef idx="3">
+          <a:scrgbClr r="0" g="0" b="0"/>
+        </a:lnRef>
+        <a:fillRef idx="1">
+          <a:scrgbClr r="0" g="0" b="0"/>
+        </a:fillRef>
+        <a:effectRef idx="1">
+          <a:scrgbClr r="0" g="0" b="0"/>
+        </a:effectRef>
+        <a:fontRef idx="minor">
+          <a:schemeClr val="lt1"/>
+        </a:fontRef>
+      </dsp:style>
+      <dsp:txBody>
+        <a:bodyPr spcFirstLastPara="0" vert="horz" wrap="square" lIns="128016" tIns="64008" rIns="32004" bIns="64008" numCol="1" spcCol="1270" anchor="ctr" anchorCtr="0">
+          <a:noAutofit/>
+        </a:bodyPr>
+        <a:lstStyle/>
+        <a:p>
+          <a:pPr lvl="0" algn="ctr" defTabSz="1066800">
+            <a:lnSpc>
+              <a:spcPct val="90000"/>
+            </a:lnSpc>
+            <a:spcBef>
+              <a:spcPct val="0"/>
+            </a:spcBef>
+            <a:spcAft>
+              <a:spcPct val="35000"/>
+            </a:spcAft>
+          </a:pPr>
+          <a:r>
+            <a:rPr lang="fr-FR" sz="2400" b="0" i="1" u="none" kern="1200" dirty="0" smtClean="0">
+              <a:solidFill>
+                <a:schemeClr val="bg1"/>
+              </a:solidFill>
+              <a:effectLst/>
+            </a:rPr>
+            <a:t>Sujet</a:t>
+          </a:r>
+          <a:endParaRPr lang="fr-FR" sz="2400" b="0" i="1" u="none" kern="1200" dirty="0">
+            <a:solidFill>
+              <a:schemeClr val="bg1"/>
+            </a:solidFill>
+            <a:effectLst/>
+          </a:endParaRPr>
+        </a:p>
+      </dsp:txBody>
+      <dsp:txXfrm>
+        <a:off x="1434" y="0"/>
+        <a:ext cx="2713127" cy="336884"/>
+      </dsp:txXfrm>
+    </dsp:sp>
+    <dsp:sp modelId="{BF36116C-7362-4FBA-B493-4C2CC2BF6976}">
+      <dsp:nvSpPr>
+        <dsp:cNvPr id="0" name=""/>
+        <dsp:cNvSpPr/>
+      </dsp:nvSpPr>
+      <dsp:spPr>
+        <a:xfrm>
+          <a:off x="2239313" y="0"/>
+          <a:ext cx="2797348" cy="336884"/>
+        </a:xfrm>
+        <a:prstGeom prst="chevron">
+          <a:avLst/>
+        </a:prstGeom>
+        <a:solidFill>
+          <a:schemeClr val="accent3">
+            <a:hueOff val="0"/>
+            <a:satOff val="0"/>
+            <a:lumOff val="0"/>
+            <a:alphaOff val="0"/>
+          </a:schemeClr>
+        </a:solidFill>
+        <a:ln w="19050" cap="flat" cmpd="sng" algn="ctr">
+          <a:solidFill>
+            <a:schemeClr val="lt1">
+              <a:hueOff val="0"/>
+              <a:satOff val="0"/>
+              <a:lumOff val="0"/>
+              <a:alphaOff val="0"/>
+            </a:schemeClr>
+          </a:solidFill>
+          <a:prstDash val="solid"/>
+        </a:ln>
+        <a:effectLst/>
+      </dsp:spPr>
+      <dsp:style>
+        <a:lnRef idx="3">
+          <a:scrgbClr r="0" g="0" b="0"/>
+        </a:lnRef>
+        <a:fillRef idx="1">
+          <a:scrgbClr r="0" g="0" b="0"/>
+        </a:fillRef>
+        <a:effectRef idx="1">
+          <a:scrgbClr r="0" g="0" b="0"/>
+        </a:effectRef>
+        <a:fontRef idx="minor">
+          <a:schemeClr val="lt1"/>
+        </a:fontRef>
+      </dsp:style>
+      <dsp:txBody>
+        <a:bodyPr spcFirstLastPara="0" vert="horz" wrap="square" lIns="72009" tIns="48006" rIns="24003" bIns="48006" numCol="1" spcCol="1270" anchor="ctr" anchorCtr="0">
+          <a:noAutofit/>
+        </a:bodyPr>
+        <a:lstStyle/>
+        <a:p>
+          <a:pPr lvl="0" algn="ctr" defTabSz="800100">
+            <a:lnSpc>
+              <a:spcPct val="90000"/>
+            </a:lnSpc>
+            <a:spcBef>
+              <a:spcPct val="0"/>
+            </a:spcBef>
+            <a:spcAft>
+              <a:spcPct val="35000"/>
+            </a:spcAft>
+          </a:pPr>
+          <a:r>
+            <a:rPr lang="fr-FR" sz="1800" kern="1200" dirty="0" smtClean="0"/>
+            <a:t>Méthodologie</a:t>
+          </a:r>
+          <a:endParaRPr lang="fr-FR" sz="1800" kern="1200" dirty="0"/>
+        </a:p>
+      </dsp:txBody>
+      <dsp:txXfrm>
+        <a:off x="2407755" y="0"/>
+        <a:ext cx="2460464" cy="336884"/>
+      </dsp:txXfrm>
+    </dsp:sp>
+    <dsp:sp modelId="{10103450-6A68-475F-A740-88D1385D49F4}">
+      <dsp:nvSpPr>
+        <dsp:cNvPr id="0" name=""/>
+        <dsp:cNvSpPr/>
+      </dsp:nvSpPr>
+      <dsp:spPr>
+        <a:xfrm>
+          <a:off x="4477192" y="0"/>
+          <a:ext cx="2797348" cy="336884"/>
+        </a:xfrm>
+        <a:prstGeom prst="chevron">
+          <a:avLst/>
+        </a:prstGeom>
+        <a:solidFill>
+          <a:schemeClr val="accent4">
+            <a:hueOff val="0"/>
+            <a:satOff val="0"/>
+            <a:lumOff val="0"/>
+            <a:alphaOff val="0"/>
+          </a:schemeClr>
+        </a:solidFill>
+        <a:ln w="19050" cap="flat" cmpd="sng" algn="ctr">
+          <a:solidFill>
+            <a:schemeClr val="lt1">
+              <a:hueOff val="0"/>
+              <a:satOff val="0"/>
+              <a:lumOff val="0"/>
+              <a:alphaOff val="0"/>
+            </a:schemeClr>
+          </a:solidFill>
+          <a:prstDash val="solid"/>
+        </a:ln>
+        <a:effectLst/>
+      </dsp:spPr>
+      <dsp:style>
+        <a:lnRef idx="3">
+          <a:scrgbClr r="0" g="0" b="0"/>
+        </a:lnRef>
+        <a:fillRef idx="1">
+          <a:scrgbClr r="0" g="0" b="0"/>
+        </a:fillRef>
+        <a:effectRef idx="1">
+          <a:scrgbClr r="0" g="0" b="0"/>
+        </a:effectRef>
+        <a:fontRef idx="minor">
+          <a:schemeClr val="lt1"/>
+        </a:fontRef>
+      </dsp:style>
+      <dsp:txBody>
+        <a:bodyPr spcFirstLastPara="0" vert="horz" wrap="square" lIns="72009" tIns="48006" rIns="24003" bIns="48006" numCol="1" spcCol="1270" anchor="ctr" anchorCtr="0">
+          <a:noAutofit/>
+        </a:bodyPr>
+        <a:lstStyle/>
+        <a:p>
+          <a:pPr lvl="0" algn="ctr" defTabSz="800100">
+            <a:lnSpc>
+              <a:spcPct val="90000"/>
+            </a:lnSpc>
+            <a:spcBef>
+              <a:spcPct val="0"/>
+            </a:spcBef>
+            <a:spcAft>
+              <a:spcPct val="35000"/>
+            </a:spcAft>
+          </a:pPr>
+          <a:r>
+            <a:rPr lang="fr-FR" sz="1800" kern="1200" dirty="0" smtClean="0"/>
+            <a:t>Conception</a:t>
+          </a:r>
+          <a:endParaRPr lang="fr-FR" sz="1800" kern="1200" dirty="0"/>
+        </a:p>
+      </dsp:txBody>
+      <dsp:txXfrm>
+        <a:off x="4645634" y="0"/>
+        <a:ext cx="2460464" cy="336884"/>
+      </dsp:txXfrm>
+    </dsp:sp>
+    <dsp:sp modelId="{8550E3DC-F81D-4ADB-96EF-9C933F38F645}">
+      <dsp:nvSpPr>
+        <dsp:cNvPr id="0" name=""/>
+        <dsp:cNvSpPr/>
+      </dsp:nvSpPr>
+      <dsp:spPr>
+        <a:xfrm>
+          <a:off x="6715071" y="0"/>
+          <a:ext cx="2797348" cy="336884"/>
+        </a:xfrm>
+        <a:prstGeom prst="chevron">
+          <a:avLst/>
+        </a:prstGeom>
+        <a:solidFill>
+          <a:schemeClr val="accent5">
+            <a:hueOff val="0"/>
+            <a:satOff val="0"/>
+            <a:lumOff val="0"/>
+            <a:alphaOff val="0"/>
+          </a:schemeClr>
+        </a:solidFill>
+        <a:ln w="19050" cap="flat" cmpd="sng" algn="ctr">
+          <a:solidFill>
+            <a:schemeClr val="lt1">
+              <a:hueOff val="0"/>
+              <a:satOff val="0"/>
+              <a:lumOff val="0"/>
+              <a:alphaOff val="0"/>
+            </a:schemeClr>
+          </a:solidFill>
+          <a:prstDash val="solid"/>
+        </a:ln>
+        <a:effectLst/>
+      </dsp:spPr>
+      <dsp:style>
+        <a:lnRef idx="3">
+          <a:scrgbClr r="0" g="0" b="0"/>
+        </a:lnRef>
+        <a:fillRef idx="1">
+          <a:scrgbClr r="0" g="0" b="0"/>
+        </a:fillRef>
+        <a:effectRef idx="1">
+          <a:scrgbClr r="0" g="0" b="0"/>
+        </a:effectRef>
+        <a:fontRef idx="minor">
+          <a:schemeClr val="lt1"/>
+        </a:fontRef>
+      </dsp:style>
+      <dsp:txBody>
+        <a:bodyPr spcFirstLastPara="0" vert="horz" wrap="square" lIns="72009" tIns="48006" rIns="24003" bIns="48006" numCol="1" spcCol="1270" anchor="ctr" anchorCtr="0">
+          <a:noAutofit/>
+        </a:bodyPr>
+        <a:lstStyle/>
+        <a:p>
+          <a:pPr lvl="0" algn="ctr" defTabSz="800100">
+            <a:lnSpc>
+              <a:spcPct val="90000"/>
+            </a:lnSpc>
+            <a:spcBef>
+              <a:spcPct val="0"/>
+            </a:spcBef>
+            <a:spcAft>
+              <a:spcPct val="35000"/>
+            </a:spcAft>
+          </a:pPr>
+          <a:r>
+            <a:rPr lang="fr-FR" sz="1800" kern="1200" dirty="0" smtClean="0"/>
+            <a:t>Bilan</a:t>
+          </a:r>
+          <a:endParaRPr lang="fr-FR" sz="1800" kern="1200" dirty="0"/>
+        </a:p>
+      </dsp:txBody>
+      <dsp:txXfrm>
+        <a:off x="6883513" y="0"/>
+        <a:ext cx="2460464" cy="336884"/>
+      </dsp:txXfrm>
+    </dsp:sp>
+    <dsp:sp modelId="{0CC8E1C3-4157-4992-BCEB-C1333A5D98B4}">
+      <dsp:nvSpPr>
+        <dsp:cNvPr id="0" name=""/>
+        <dsp:cNvSpPr/>
+      </dsp:nvSpPr>
+      <dsp:spPr>
+        <a:xfrm>
+          <a:off x="8954385" y="0"/>
+          <a:ext cx="2797348" cy="336884"/>
+        </a:xfrm>
+        <a:prstGeom prst="chevron">
+          <a:avLst/>
+        </a:prstGeom>
+        <a:solidFill>
+          <a:schemeClr val="accent6">
+            <a:hueOff val="0"/>
+            <a:satOff val="0"/>
+            <a:lumOff val="0"/>
+            <a:alphaOff val="0"/>
+          </a:schemeClr>
+        </a:solidFill>
+        <a:ln w="19050" cap="flat" cmpd="sng" algn="ctr">
+          <a:solidFill>
+            <a:schemeClr val="lt1">
+              <a:hueOff val="0"/>
+              <a:satOff val="0"/>
+              <a:lumOff val="0"/>
+              <a:alphaOff val="0"/>
+            </a:schemeClr>
+          </a:solidFill>
+          <a:prstDash val="solid"/>
+        </a:ln>
+        <a:effectLst/>
+      </dsp:spPr>
+      <dsp:style>
+        <a:lnRef idx="3">
+          <a:scrgbClr r="0" g="0" b="0"/>
+        </a:lnRef>
+        <a:fillRef idx="1">
+          <a:scrgbClr r="0" g="0" b="0"/>
+        </a:fillRef>
+        <a:effectRef idx="1">
+          <a:scrgbClr r="0" g="0" b="0"/>
+        </a:effectRef>
+        <a:fontRef idx="minor">
+          <a:schemeClr val="lt1"/>
+        </a:fontRef>
+      </dsp:style>
+      <dsp:txBody>
+        <a:bodyPr spcFirstLastPara="0" vert="horz" wrap="square" lIns="72009" tIns="48006" rIns="24003" bIns="48006" numCol="1" spcCol="1270" anchor="ctr" anchorCtr="0">
+          <a:noAutofit/>
+        </a:bodyPr>
+        <a:lstStyle/>
+        <a:p>
+          <a:pPr lvl="0" algn="ctr" defTabSz="800100">
+            <a:lnSpc>
+              <a:spcPct val="90000"/>
+            </a:lnSpc>
+            <a:spcBef>
+              <a:spcPct val="0"/>
+            </a:spcBef>
+            <a:spcAft>
+              <a:spcPct val="35000"/>
+            </a:spcAft>
+          </a:pPr>
+          <a:r>
+            <a:rPr lang="fr-FR" sz="1800" kern="1200" dirty="0" smtClean="0"/>
+            <a:t>Démonstration</a:t>
+          </a:r>
+          <a:endParaRPr lang="fr-FR" sz="1800" kern="1200" dirty="0"/>
+        </a:p>
+      </dsp:txBody>
+      <dsp:txXfrm>
+        <a:off x="9122827" y="0"/>
+        <a:ext cx="2460464" cy="336884"/>
+      </dsp:txXfrm>
+    </dsp:sp>
   </dsp:spTree>
 </dsp:drawing>
 </file>
@@ -16223,6 +16617,391 @@
       <dsp:cNvGrpSpPr/>
     </dsp:nvGrpSpPr>
     <dsp:grpSpPr/>
+    <dsp:sp modelId="{432CD230-FEE0-4209-A1E2-E14178F8D4D8}">
+      <dsp:nvSpPr>
+        <dsp:cNvPr id="0" name=""/>
+        <dsp:cNvSpPr/>
+      </dsp:nvSpPr>
+      <dsp:spPr>
+        <a:xfrm>
+          <a:off x="1434" y="0"/>
+          <a:ext cx="2797348" cy="336884"/>
+        </a:xfrm>
+        <a:prstGeom prst="homePlate">
+          <a:avLst/>
+        </a:prstGeom>
+        <a:solidFill>
+          <a:schemeClr val="accent2">
+            <a:hueOff val="0"/>
+            <a:satOff val="0"/>
+            <a:lumOff val="0"/>
+            <a:alphaOff val="0"/>
+          </a:schemeClr>
+        </a:solidFill>
+        <a:ln w="19050" cap="flat" cmpd="sng" algn="ctr">
+          <a:solidFill>
+            <a:schemeClr val="lt1">
+              <a:hueOff val="0"/>
+              <a:satOff val="0"/>
+              <a:lumOff val="0"/>
+              <a:alphaOff val="0"/>
+            </a:schemeClr>
+          </a:solidFill>
+          <a:prstDash val="solid"/>
+        </a:ln>
+        <a:effectLst/>
+      </dsp:spPr>
+      <dsp:style>
+        <a:lnRef idx="3">
+          <a:scrgbClr r="0" g="0" b="0"/>
+        </a:lnRef>
+        <a:fillRef idx="1">
+          <a:scrgbClr r="0" g="0" b="0"/>
+        </a:fillRef>
+        <a:effectRef idx="1">
+          <a:scrgbClr r="0" g="0" b="0"/>
+        </a:effectRef>
+        <a:fontRef idx="minor">
+          <a:schemeClr val="lt1"/>
+        </a:fontRef>
+      </dsp:style>
+      <dsp:txBody>
+        <a:bodyPr spcFirstLastPara="0" vert="horz" wrap="square" lIns="96012" tIns="48006" rIns="24003" bIns="48006" numCol="1" spcCol="1270" anchor="ctr" anchorCtr="0">
+          <a:noAutofit/>
+        </a:bodyPr>
+        <a:lstStyle/>
+        <a:p>
+          <a:pPr lvl="0" algn="ctr" defTabSz="800100">
+            <a:lnSpc>
+              <a:spcPct val="90000"/>
+            </a:lnSpc>
+            <a:spcBef>
+              <a:spcPct val="0"/>
+            </a:spcBef>
+            <a:spcAft>
+              <a:spcPct val="35000"/>
+            </a:spcAft>
+          </a:pPr>
+          <a:r>
+            <a:rPr lang="fr-FR" sz="1800" kern="1200" dirty="0" smtClean="0"/>
+            <a:t>Sujet</a:t>
+          </a:r>
+          <a:endParaRPr lang="fr-FR" sz="1800" kern="1200" dirty="0"/>
+        </a:p>
+      </dsp:txBody>
+      <dsp:txXfrm>
+        <a:off x="1434" y="0"/>
+        <a:ext cx="2713127" cy="336884"/>
+      </dsp:txXfrm>
+    </dsp:sp>
+    <dsp:sp modelId="{BF36116C-7362-4FBA-B493-4C2CC2BF6976}">
+      <dsp:nvSpPr>
+        <dsp:cNvPr id="0" name=""/>
+        <dsp:cNvSpPr/>
+      </dsp:nvSpPr>
+      <dsp:spPr>
+        <a:xfrm>
+          <a:off x="2239313" y="0"/>
+          <a:ext cx="2797348" cy="336884"/>
+        </a:xfrm>
+        <a:prstGeom prst="chevron">
+          <a:avLst/>
+        </a:prstGeom>
+        <a:solidFill>
+          <a:schemeClr val="accent3">
+            <a:hueOff val="0"/>
+            <a:satOff val="0"/>
+            <a:lumOff val="0"/>
+            <a:alphaOff val="0"/>
+          </a:schemeClr>
+        </a:solidFill>
+        <a:ln w="19050" cap="flat" cmpd="sng" algn="ctr">
+          <a:solidFill>
+            <a:schemeClr val="lt1">
+              <a:hueOff val="0"/>
+              <a:satOff val="0"/>
+              <a:lumOff val="0"/>
+              <a:alphaOff val="0"/>
+            </a:schemeClr>
+          </a:solidFill>
+          <a:prstDash val="solid"/>
+        </a:ln>
+        <a:effectLst/>
+      </dsp:spPr>
+      <dsp:style>
+        <a:lnRef idx="3">
+          <a:scrgbClr r="0" g="0" b="0"/>
+        </a:lnRef>
+        <a:fillRef idx="1">
+          <a:scrgbClr r="0" g="0" b="0"/>
+        </a:fillRef>
+        <a:effectRef idx="1">
+          <a:scrgbClr r="0" g="0" b="0"/>
+        </a:effectRef>
+        <a:fontRef idx="minor">
+          <a:schemeClr val="lt1"/>
+        </a:fontRef>
+      </dsp:style>
+      <dsp:txBody>
+        <a:bodyPr spcFirstLastPara="0" vert="horz" wrap="square" lIns="72009" tIns="48006" rIns="24003" bIns="48006" numCol="1" spcCol="1270" anchor="ctr" anchorCtr="0">
+          <a:noAutofit/>
+        </a:bodyPr>
+        <a:lstStyle/>
+        <a:p>
+          <a:pPr lvl="0" algn="ctr" defTabSz="800100">
+            <a:lnSpc>
+              <a:spcPct val="90000"/>
+            </a:lnSpc>
+            <a:spcBef>
+              <a:spcPct val="0"/>
+            </a:spcBef>
+            <a:spcAft>
+              <a:spcPct val="35000"/>
+            </a:spcAft>
+          </a:pPr>
+          <a:r>
+            <a:rPr lang="fr-FR" sz="1800" kern="1200" dirty="0" smtClean="0"/>
+            <a:t>Méthodologie</a:t>
+          </a:r>
+          <a:endParaRPr lang="fr-FR" sz="1800" kern="1200" dirty="0"/>
+        </a:p>
+      </dsp:txBody>
+      <dsp:txXfrm>
+        <a:off x="2407755" y="0"/>
+        <a:ext cx="2460464" cy="336884"/>
+      </dsp:txXfrm>
+    </dsp:sp>
+    <dsp:sp modelId="{10103450-6A68-475F-A740-88D1385D49F4}">
+      <dsp:nvSpPr>
+        <dsp:cNvPr id="0" name=""/>
+        <dsp:cNvSpPr/>
+      </dsp:nvSpPr>
+      <dsp:spPr>
+        <a:xfrm>
+          <a:off x="4477192" y="0"/>
+          <a:ext cx="2797348" cy="336884"/>
+        </a:xfrm>
+        <a:prstGeom prst="chevron">
+          <a:avLst/>
+        </a:prstGeom>
+        <a:solidFill>
+          <a:schemeClr val="accent4">
+            <a:hueOff val="0"/>
+            <a:satOff val="0"/>
+            <a:lumOff val="0"/>
+            <a:alphaOff val="0"/>
+          </a:schemeClr>
+        </a:solidFill>
+        <a:ln w="19050" cap="flat" cmpd="sng" algn="ctr">
+          <a:solidFill>
+            <a:schemeClr val="lt1">
+              <a:hueOff val="0"/>
+              <a:satOff val="0"/>
+              <a:lumOff val="0"/>
+              <a:alphaOff val="0"/>
+            </a:schemeClr>
+          </a:solidFill>
+          <a:prstDash val="solid"/>
+        </a:ln>
+        <a:effectLst/>
+      </dsp:spPr>
+      <dsp:style>
+        <a:lnRef idx="3">
+          <a:scrgbClr r="0" g="0" b="0"/>
+        </a:lnRef>
+        <a:fillRef idx="1">
+          <a:scrgbClr r="0" g="0" b="0"/>
+        </a:fillRef>
+        <a:effectRef idx="1">
+          <a:scrgbClr r="0" g="0" b="0"/>
+        </a:effectRef>
+        <a:fontRef idx="minor">
+          <a:schemeClr val="lt1"/>
+        </a:fontRef>
+      </dsp:style>
+      <dsp:txBody>
+        <a:bodyPr spcFirstLastPara="0" vert="horz" wrap="square" lIns="72009" tIns="48006" rIns="24003" bIns="48006" numCol="1" spcCol="1270" anchor="ctr" anchorCtr="0">
+          <a:noAutofit/>
+        </a:bodyPr>
+        <a:lstStyle/>
+        <a:p>
+          <a:pPr lvl="0" algn="ctr" defTabSz="800100">
+            <a:lnSpc>
+              <a:spcPct val="90000"/>
+            </a:lnSpc>
+            <a:spcBef>
+              <a:spcPct val="0"/>
+            </a:spcBef>
+            <a:spcAft>
+              <a:spcPct val="35000"/>
+            </a:spcAft>
+          </a:pPr>
+          <a:r>
+            <a:rPr lang="fr-FR" sz="1800" kern="1200" dirty="0" smtClean="0"/>
+            <a:t>Conception</a:t>
+          </a:r>
+          <a:endParaRPr lang="fr-FR" sz="1800" kern="1200" dirty="0"/>
+        </a:p>
+      </dsp:txBody>
+      <dsp:txXfrm>
+        <a:off x="4645634" y="0"/>
+        <a:ext cx="2460464" cy="336884"/>
+      </dsp:txXfrm>
+    </dsp:sp>
+    <dsp:sp modelId="{8550E3DC-F81D-4ADB-96EF-9C933F38F645}">
+      <dsp:nvSpPr>
+        <dsp:cNvPr id="0" name=""/>
+        <dsp:cNvSpPr/>
+      </dsp:nvSpPr>
+      <dsp:spPr>
+        <a:xfrm>
+          <a:off x="6715071" y="0"/>
+          <a:ext cx="2797348" cy="336884"/>
+        </a:xfrm>
+        <a:prstGeom prst="chevron">
+          <a:avLst/>
+        </a:prstGeom>
+        <a:solidFill>
+          <a:schemeClr val="accent5">
+            <a:hueOff val="0"/>
+            <a:satOff val="0"/>
+            <a:lumOff val="0"/>
+            <a:alphaOff val="0"/>
+          </a:schemeClr>
+        </a:solidFill>
+        <a:ln w="19050" cap="flat" cmpd="sng" algn="ctr">
+          <a:solidFill>
+            <a:schemeClr val="lt1">
+              <a:hueOff val="0"/>
+              <a:satOff val="0"/>
+              <a:lumOff val="0"/>
+              <a:alphaOff val="0"/>
+            </a:schemeClr>
+          </a:solidFill>
+          <a:prstDash val="solid"/>
+        </a:ln>
+        <a:effectLst/>
+      </dsp:spPr>
+      <dsp:style>
+        <a:lnRef idx="3">
+          <a:scrgbClr r="0" g="0" b="0"/>
+        </a:lnRef>
+        <a:fillRef idx="1">
+          <a:scrgbClr r="0" g="0" b="0"/>
+        </a:fillRef>
+        <a:effectRef idx="1">
+          <a:scrgbClr r="0" g="0" b="0"/>
+        </a:effectRef>
+        <a:fontRef idx="minor">
+          <a:schemeClr val="lt1"/>
+        </a:fontRef>
+      </dsp:style>
+      <dsp:txBody>
+        <a:bodyPr spcFirstLastPara="0" vert="horz" wrap="square" lIns="96012" tIns="64008" rIns="32004" bIns="64008" numCol="1" spcCol="1270" anchor="ctr" anchorCtr="0">
+          <a:noAutofit/>
+        </a:bodyPr>
+        <a:lstStyle/>
+        <a:p>
+          <a:pPr lvl="0" algn="ctr" defTabSz="1066800">
+            <a:lnSpc>
+              <a:spcPct val="90000"/>
+            </a:lnSpc>
+            <a:spcBef>
+              <a:spcPct val="0"/>
+            </a:spcBef>
+            <a:spcAft>
+              <a:spcPct val="35000"/>
+            </a:spcAft>
+          </a:pPr>
+          <a:r>
+            <a:rPr lang="fr-FR" sz="2400" b="0" i="1" kern="1200" dirty="0" smtClean="0"/>
+            <a:t>Bilan</a:t>
+          </a:r>
+          <a:endParaRPr lang="fr-FR" sz="1800" b="0" i="1" kern="1200" dirty="0"/>
+        </a:p>
+      </dsp:txBody>
+      <dsp:txXfrm>
+        <a:off x="6883513" y="0"/>
+        <a:ext cx="2460464" cy="336884"/>
+      </dsp:txXfrm>
+    </dsp:sp>
+    <dsp:sp modelId="{0CC8E1C3-4157-4992-BCEB-C1333A5D98B4}">
+      <dsp:nvSpPr>
+        <dsp:cNvPr id="0" name=""/>
+        <dsp:cNvSpPr/>
+      </dsp:nvSpPr>
+      <dsp:spPr>
+        <a:xfrm>
+          <a:off x="8952950" y="0"/>
+          <a:ext cx="2797348" cy="336884"/>
+        </a:xfrm>
+        <a:prstGeom prst="chevron">
+          <a:avLst/>
+        </a:prstGeom>
+        <a:solidFill>
+          <a:schemeClr val="accent6">
+            <a:hueOff val="0"/>
+            <a:satOff val="0"/>
+            <a:lumOff val="0"/>
+            <a:alphaOff val="0"/>
+          </a:schemeClr>
+        </a:solidFill>
+        <a:ln w="19050" cap="flat" cmpd="sng" algn="ctr">
+          <a:solidFill>
+            <a:schemeClr val="lt1">
+              <a:hueOff val="0"/>
+              <a:satOff val="0"/>
+              <a:lumOff val="0"/>
+              <a:alphaOff val="0"/>
+            </a:schemeClr>
+          </a:solidFill>
+          <a:prstDash val="solid"/>
+        </a:ln>
+        <a:effectLst/>
+      </dsp:spPr>
+      <dsp:style>
+        <a:lnRef idx="3">
+          <a:scrgbClr r="0" g="0" b="0"/>
+        </a:lnRef>
+        <a:fillRef idx="1">
+          <a:scrgbClr r="0" g="0" b="0"/>
+        </a:fillRef>
+        <a:effectRef idx="1">
+          <a:scrgbClr r="0" g="0" b="0"/>
+        </a:effectRef>
+        <a:fontRef idx="minor">
+          <a:schemeClr val="lt1"/>
+        </a:fontRef>
+      </dsp:style>
+      <dsp:txBody>
+        <a:bodyPr spcFirstLastPara="0" vert="horz" wrap="square" lIns="72009" tIns="48006" rIns="24003" bIns="48006" numCol="1" spcCol="1270" anchor="ctr" anchorCtr="0">
+          <a:noAutofit/>
+        </a:bodyPr>
+        <a:lstStyle/>
+        <a:p>
+          <a:pPr lvl="0" algn="ctr" defTabSz="800100">
+            <a:lnSpc>
+              <a:spcPct val="90000"/>
+            </a:lnSpc>
+            <a:spcBef>
+              <a:spcPct val="0"/>
+            </a:spcBef>
+            <a:spcAft>
+              <a:spcPct val="35000"/>
+            </a:spcAft>
+          </a:pPr>
+          <a:r>
+            <a:rPr lang="fr-FR" sz="1800" b="0" i="0" kern="1200" dirty="0" smtClean="0"/>
+            <a:t>Démonstration</a:t>
+          </a:r>
+          <a:endParaRPr lang="fr-FR" sz="2400" b="0" i="0" kern="1200" dirty="0"/>
+        </a:p>
+      </dsp:txBody>
+      <dsp:txXfrm>
+        <a:off x="9121392" y="0"/>
+        <a:ext cx="2460464" cy="336884"/>
+      </dsp:txXfrm>
+    </dsp:sp>
   </dsp:spTree>
 </dsp:drawing>
 </file>
@@ -16235,6 +17014,391 @@
       <dsp:cNvGrpSpPr/>
     </dsp:nvGrpSpPr>
     <dsp:grpSpPr/>
+    <dsp:sp modelId="{432CD230-FEE0-4209-A1E2-E14178F8D4D8}">
+      <dsp:nvSpPr>
+        <dsp:cNvPr id="0" name=""/>
+        <dsp:cNvSpPr/>
+      </dsp:nvSpPr>
+      <dsp:spPr>
+        <a:xfrm>
+          <a:off x="1434" y="0"/>
+          <a:ext cx="2797348" cy="336884"/>
+        </a:xfrm>
+        <a:prstGeom prst="homePlate">
+          <a:avLst/>
+        </a:prstGeom>
+        <a:solidFill>
+          <a:schemeClr val="accent2">
+            <a:hueOff val="0"/>
+            <a:satOff val="0"/>
+            <a:lumOff val="0"/>
+            <a:alphaOff val="0"/>
+          </a:schemeClr>
+        </a:solidFill>
+        <a:ln w="19050" cap="flat" cmpd="sng" algn="ctr">
+          <a:solidFill>
+            <a:schemeClr val="lt1">
+              <a:hueOff val="0"/>
+              <a:satOff val="0"/>
+              <a:lumOff val="0"/>
+              <a:alphaOff val="0"/>
+            </a:schemeClr>
+          </a:solidFill>
+          <a:prstDash val="solid"/>
+        </a:ln>
+        <a:effectLst/>
+      </dsp:spPr>
+      <dsp:style>
+        <a:lnRef idx="3">
+          <a:scrgbClr r="0" g="0" b="0"/>
+        </a:lnRef>
+        <a:fillRef idx="1">
+          <a:scrgbClr r="0" g="0" b="0"/>
+        </a:fillRef>
+        <a:effectRef idx="1">
+          <a:scrgbClr r="0" g="0" b="0"/>
+        </a:effectRef>
+        <a:fontRef idx="minor">
+          <a:schemeClr val="lt1"/>
+        </a:fontRef>
+      </dsp:style>
+      <dsp:txBody>
+        <a:bodyPr spcFirstLastPara="0" vert="horz" wrap="square" lIns="96012" tIns="48006" rIns="24003" bIns="48006" numCol="1" spcCol="1270" anchor="ctr" anchorCtr="0">
+          <a:noAutofit/>
+        </a:bodyPr>
+        <a:lstStyle/>
+        <a:p>
+          <a:pPr lvl="0" algn="ctr" defTabSz="800100">
+            <a:lnSpc>
+              <a:spcPct val="90000"/>
+            </a:lnSpc>
+            <a:spcBef>
+              <a:spcPct val="0"/>
+            </a:spcBef>
+            <a:spcAft>
+              <a:spcPct val="35000"/>
+            </a:spcAft>
+          </a:pPr>
+          <a:r>
+            <a:rPr lang="fr-FR" sz="1800" kern="1200" dirty="0" smtClean="0"/>
+            <a:t>Sujet</a:t>
+          </a:r>
+          <a:endParaRPr lang="fr-FR" sz="1800" kern="1200" dirty="0"/>
+        </a:p>
+      </dsp:txBody>
+      <dsp:txXfrm>
+        <a:off x="1434" y="0"/>
+        <a:ext cx="2713127" cy="336884"/>
+      </dsp:txXfrm>
+    </dsp:sp>
+    <dsp:sp modelId="{BF36116C-7362-4FBA-B493-4C2CC2BF6976}">
+      <dsp:nvSpPr>
+        <dsp:cNvPr id="0" name=""/>
+        <dsp:cNvSpPr/>
+      </dsp:nvSpPr>
+      <dsp:spPr>
+        <a:xfrm>
+          <a:off x="2239313" y="0"/>
+          <a:ext cx="2797348" cy="336884"/>
+        </a:xfrm>
+        <a:prstGeom prst="chevron">
+          <a:avLst/>
+        </a:prstGeom>
+        <a:solidFill>
+          <a:schemeClr val="accent3">
+            <a:hueOff val="0"/>
+            <a:satOff val="0"/>
+            <a:lumOff val="0"/>
+            <a:alphaOff val="0"/>
+          </a:schemeClr>
+        </a:solidFill>
+        <a:ln w="19050" cap="flat" cmpd="sng" algn="ctr">
+          <a:solidFill>
+            <a:schemeClr val="lt1">
+              <a:hueOff val="0"/>
+              <a:satOff val="0"/>
+              <a:lumOff val="0"/>
+              <a:alphaOff val="0"/>
+            </a:schemeClr>
+          </a:solidFill>
+          <a:prstDash val="solid"/>
+        </a:ln>
+        <a:effectLst/>
+      </dsp:spPr>
+      <dsp:style>
+        <a:lnRef idx="3">
+          <a:scrgbClr r="0" g="0" b="0"/>
+        </a:lnRef>
+        <a:fillRef idx="1">
+          <a:scrgbClr r="0" g="0" b="0"/>
+        </a:fillRef>
+        <a:effectRef idx="1">
+          <a:scrgbClr r="0" g="0" b="0"/>
+        </a:effectRef>
+        <a:fontRef idx="minor">
+          <a:schemeClr val="lt1"/>
+        </a:fontRef>
+      </dsp:style>
+      <dsp:txBody>
+        <a:bodyPr spcFirstLastPara="0" vert="horz" wrap="square" lIns="72009" tIns="48006" rIns="24003" bIns="48006" numCol="1" spcCol="1270" anchor="ctr" anchorCtr="0">
+          <a:noAutofit/>
+        </a:bodyPr>
+        <a:lstStyle/>
+        <a:p>
+          <a:pPr lvl="0" algn="ctr" defTabSz="800100">
+            <a:lnSpc>
+              <a:spcPct val="90000"/>
+            </a:lnSpc>
+            <a:spcBef>
+              <a:spcPct val="0"/>
+            </a:spcBef>
+            <a:spcAft>
+              <a:spcPct val="35000"/>
+            </a:spcAft>
+          </a:pPr>
+          <a:r>
+            <a:rPr lang="fr-FR" sz="1800" kern="1200" dirty="0" smtClean="0"/>
+            <a:t>Méthodologie</a:t>
+          </a:r>
+          <a:endParaRPr lang="fr-FR" sz="1800" kern="1200" dirty="0"/>
+        </a:p>
+      </dsp:txBody>
+      <dsp:txXfrm>
+        <a:off x="2407755" y="0"/>
+        <a:ext cx="2460464" cy="336884"/>
+      </dsp:txXfrm>
+    </dsp:sp>
+    <dsp:sp modelId="{10103450-6A68-475F-A740-88D1385D49F4}">
+      <dsp:nvSpPr>
+        <dsp:cNvPr id="0" name=""/>
+        <dsp:cNvSpPr/>
+      </dsp:nvSpPr>
+      <dsp:spPr>
+        <a:xfrm>
+          <a:off x="4477192" y="0"/>
+          <a:ext cx="2797348" cy="336884"/>
+        </a:xfrm>
+        <a:prstGeom prst="chevron">
+          <a:avLst/>
+        </a:prstGeom>
+        <a:solidFill>
+          <a:schemeClr val="accent4">
+            <a:hueOff val="0"/>
+            <a:satOff val="0"/>
+            <a:lumOff val="0"/>
+            <a:alphaOff val="0"/>
+          </a:schemeClr>
+        </a:solidFill>
+        <a:ln w="19050" cap="flat" cmpd="sng" algn="ctr">
+          <a:solidFill>
+            <a:schemeClr val="lt1">
+              <a:hueOff val="0"/>
+              <a:satOff val="0"/>
+              <a:lumOff val="0"/>
+              <a:alphaOff val="0"/>
+            </a:schemeClr>
+          </a:solidFill>
+          <a:prstDash val="solid"/>
+        </a:ln>
+        <a:effectLst/>
+      </dsp:spPr>
+      <dsp:style>
+        <a:lnRef idx="3">
+          <a:scrgbClr r="0" g="0" b="0"/>
+        </a:lnRef>
+        <a:fillRef idx="1">
+          <a:scrgbClr r="0" g="0" b="0"/>
+        </a:fillRef>
+        <a:effectRef idx="1">
+          <a:scrgbClr r="0" g="0" b="0"/>
+        </a:effectRef>
+        <a:fontRef idx="minor">
+          <a:schemeClr val="lt1"/>
+        </a:fontRef>
+      </dsp:style>
+      <dsp:txBody>
+        <a:bodyPr spcFirstLastPara="0" vert="horz" wrap="square" lIns="72009" tIns="48006" rIns="24003" bIns="48006" numCol="1" spcCol="1270" anchor="ctr" anchorCtr="0">
+          <a:noAutofit/>
+        </a:bodyPr>
+        <a:lstStyle/>
+        <a:p>
+          <a:pPr lvl="0" algn="ctr" defTabSz="800100">
+            <a:lnSpc>
+              <a:spcPct val="90000"/>
+            </a:lnSpc>
+            <a:spcBef>
+              <a:spcPct val="0"/>
+            </a:spcBef>
+            <a:spcAft>
+              <a:spcPct val="35000"/>
+            </a:spcAft>
+          </a:pPr>
+          <a:r>
+            <a:rPr lang="fr-FR" sz="1800" kern="1200" dirty="0" smtClean="0"/>
+            <a:t>Conception</a:t>
+          </a:r>
+          <a:endParaRPr lang="fr-FR" sz="1800" kern="1200" dirty="0"/>
+        </a:p>
+      </dsp:txBody>
+      <dsp:txXfrm>
+        <a:off x="4645634" y="0"/>
+        <a:ext cx="2460464" cy="336884"/>
+      </dsp:txXfrm>
+    </dsp:sp>
+    <dsp:sp modelId="{8550E3DC-F81D-4ADB-96EF-9C933F38F645}">
+      <dsp:nvSpPr>
+        <dsp:cNvPr id="0" name=""/>
+        <dsp:cNvSpPr/>
+      </dsp:nvSpPr>
+      <dsp:spPr>
+        <a:xfrm>
+          <a:off x="6715071" y="0"/>
+          <a:ext cx="2797348" cy="336884"/>
+        </a:xfrm>
+        <a:prstGeom prst="chevron">
+          <a:avLst/>
+        </a:prstGeom>
+        <a:solidFill>
+          <a:schemeClr val="accent5">
+            <a:hueOff val="0"/>
+            <a:satOff val="0"/>
+            <a:lumOff val="0"/>
+            <a:alphaOff val="0"/>
+          </a:schemeClr>
+        </a:solidFill>
+        <a:ln w="19050" cap="flat" cmpd="sng" algn="ctr">
+          <a:solidFill>
+            <a:schemeClr val="lt1">
+              <a:hueOff val="0"/>
+              <a:satOff val="0"/>
+              <a:lumOff val="0"/>
+              <a:alphaOff val="0"/>
+            </a:schemeClr>
+          </a:solidFill>
+          <a:prstDash val="solid"/>
+        </a:ln>
+        <a:effectLst/>
+      </dsp:spPr>
+      <dsp:style>
+        <a:lnRef idx="3">
+          <a:scrgbClr r="0" g="0" b="0"/>
+        </a:lnRef>
+        <a:fillRef idx="1">
+          <a:scrgbClr r="0" g="0" b="0"/>
+        </a:fillRef>
+        <a:effectRef idx="1">
+          <a:scrgbClr r="0" g="0" b="0"/>
+        </a:effectRef>
+        <a:fontRef idx="minor">
+          <a:schemeClr val="lt1"/>
+        </a:fontRef>
+      </dsp:style>
+      <dsp:txBody>
+        <a:bodyPr spcFirstLastPara="0" vert="horz" wrap="square" lIns="96012" tIns="64008" rIns="32004" bIns="64008" numCol="1" spcCol="1270" anchor="ctr" anchorCtr="0">
+          <a:noAutofit/>
+        </a:bodyPr>
+        <a:lstStyle/>
+        <a:p>
+          <a:pPr lvl="0" algn="ctr" defTabSz="1066800">
+            <a:lnSpc>
+              <a:spcPct val="90000"/>
+            </a:lnSpc>
+            <a:spcBef>
+              <a:spcPct val="0"/>
+            </a:spcBef>
+            <a:spcAft>
+              <a:spcPct val="35000"/>
+            </a:spcAft>
+          </a:pPr>
+          <a:r>
+            <a:rPr lang="fr-FR" sz="2400" i="1" kern="1200" dirty="0" smtClean="0"/>
+            <a:t>Bilan</a:t>
+          </a:r>
+          <a:endParaRPr lang="fr-FR" sz="1800" i="1" kern="1200" dirty="0"/>
+        </a:p>
+      </dsp:txBody>
+      <dsp:txXfrm>
+        <a:off x="6883513" y="0"/>
+        <a:ext cx="2460464" cy="336884"/>
+      </dsp:txXfrm>
+    </dsp:sp>
+    <dsp:sp modelId="{0CC8E1C3-4157-4992-BCEB-C1333A5D98B4}">
+      <dsp:nvSpPr>
+        <dsp:cNvPr id="0" name=""/>
+        <dsp:cNvSpPr/>
+      </dsp:nvSpPr>
+      <dsp:spPr>
+        <a:xfrm>
+          <a:off x="8952950" y="0"/>
+          <a:ext cx="2797348" cy="336884"/>
+        </a:xfrm>
+        <a:prstGeom prst="chevron">
+          <a:avLst/>
+        </a:prstGeom>
+        <a:solidFill>
+          <a:schemeClr val="accent6">
+            <a:hueOff val="0"/>
+            <a:satOff val="0"/>
+            <a:lumOff val="0"/>
+            <a:alphaOff val="0"/>
+          </a:schemeClr>
+        </a:solidFill>
+        <a:ln w="19050" cap="flat" cmpd="sng" algn="ctr">
+          <a:solidFill>
+            <a:schemeClr val="lt1">
+              <a:hueOff val="0"/>
+              <a:satOff val="0"/>
+              <a:lumOff val="0"/>
+              <a:alphaOff val="0"/>
+            </a:schemeClr>
+          </a:solidFill>
+          <a:prstDash val="solid"/>
+        </a:ln>
+        <a:effectLst/>
+      </dsp:spPr>
+      <dsp:style>
+        <a:lnRef idx="3">
+          <a:scrgbClr r="0" g="0" b="0"/>
+        </a:lnRef>
+        <a:fillRef idx="1">
+          <a:scrgbClr r="0" g="0" b="0"/>
+        </a:fillRef>
+        <a:effectRef idx="1">
+          <a:scrgbClr r="0" g="0" b="0"/>
+        </a:effectRef>
+        <a:fontRef idx="minor">
+          <a:schemeClr val="lt1"/>
+        </a:fontRef>
+      </dsp:style>
+      <dsp:txBody>
+        <a:bodyPr spcFirstLastPara="0" vert="horz" wrap="square" lIns="72009" tIns="48006" rIns="24003" bIns="48006" numCol="1" spcCol="1270" anchor="ctr" anchorCtr="0">
+          <a:noAutofit/>
+        </a:bodyPr>
+        <a:lstStyle/>
+        <a:p>
+          <a:pPr lvl="0" algn="ctr" defTabSz="800100">
+            <a:lnSpc>
+              <a:spcPct val="90000"/>
+            </a:lnSpc>
+            <a:spcBef>
+              <a:spcPct val="0"/>
+            </a:spcBef>
+            <a:spcAft>
+              <a:spcPct val="35000"/>
+            </a:spcAft>
+          </a:pPr>
+          <a:r>
+            <a:rPr lang="fr-FR" sz="1800" b="0" i="0" kern="1200" dirty="0" smtClean="0"/>
+            <a:t>Démonstration</a:t>
+          </a:r>
+          <a:endParaRPr lang="fr-FR" sz="1800" b="0" i="0" kern="1200" dirty="0"/>
+        </a:p>
+      </dsp:txBody>
+      <dsp:txXfrm>
+        <a:off x="9121392" y="0"/>
+        <a:ext cx="2460464" cy="336884"/>
+      </dsp:txXfrm>
+    </dsp:sp>
   </dsp:spTree>
 </dsp:drawing>
 </file>
@@ -17087,7 +18251,6 @@
             <a:rPr lang="fr-FR" sz="1800" kern="1200" dirty="0" smtClean="0"/>
             <a:t>40 h/</a:t>
           </a:r>
-          <a:endParaRPr lang="fr-FR" sz="1800" kern="1200" dirty="0" smtClean="0"/>
         </a:p>
         <a:p>
           <a:pPr lvl="0" algn="ctr" defTabSz="800100">
@@ -17233,6 +18396,391 @@
       <dsp:cNvGrpSpPr/>
     </dsp:nvGrpSpPr>
     <dsp:grpSpPr/>
+    <dsp:sp modelId="{432CD230-FEE0-4209-A1E2-E14178F8D4D8}">
+      <dsp:nvSpPr>
+        <dsp:cNvPr id="0" name=""/>
+        <dsp:cNvSpPr/>
+      </dsp:nvSpPr>
+      <dsp:spPr>
+        <a:xfrm>
+          <a:off x="1434" y="0"/>
+          <a:ext cx="2797348" cy="336884"/>
+        </a:xfrm>
+        <a:prstGeom prst="homePlate">
+          <a:avLst/>
+        </a:prstGeom>
+        <a:solidFill>
+          <a:schemeClr val="accent2">
+            <a:hueOff val="0"/>
+            <a:satOff val="0"/>
+            <a:lumOff val="0"/>
+            <a:alphaOff val="0"/>
+          </a:schemeClr>
+        </a:solidFill>
+        <a:ln w="19050" cap="flat" cmpd="sng" algn="ctr">
+          <a:solidFill>
+            <a:schemeClr val="lt1">
+              <a:hueOff val="0"/>
+              <a:satOff val="0"/>
+              <a:lumOff val="0"/>
+              <a:alphaOff val="0"/>
+            </a:schemeClr>
+          </a:solidFill>
+          <a:prstDash val="solid"/>
+        </a:ln>
+        <a:effectLst/>
+      </dsp:spPr>
+      <dsp:style>
+        <a:lnRef idx="3">
+          <a:scrgbClr r="0" g="0" b="0"/>
+        </a:lnRef>
+        <a:fillRef idx="1">
+          <a:scrgbClr r="0" g="0" b="0"/>
+        </a:fillRef>
+        <a:effectRef idx="1">
+          <a:scrgbClr r="0" g="0" b="0"/>
+        </a:effectRef>
+        <a:fontRef idx="minor">
+          <a:schemeClr val="lt1"/>
+        </a:fontRef>
+      </dsp:style>
+      <dsp:txBody>
+        <a:bodyPr spcFirstLastPara="0" vert="horz" wrap="square" lIns="128016" tIns="64008" rIns="32004" bIns="64008" numCol="1" spcCol="1270" anchor="ctr" anchorCtr="0">
+          <a:noAutofit/>
+        </a:bodyPr>
+        <a:lstStyle/>
+        <a:p>
+          <a:pPr lvl="0" algn="ctr" defTabSz="1066800">
+            <a:lnSpc>
+              <a:spcPct val="90000"/>
+            </a:lnSpc>
+            <a:spcBef>
+              <a:spcPct val="0"/>
+            </a:spcBef>
+            <a:spcAft>
+              <a:spcPct val="35000"/>
+            </a:spcAft>
+          </a:pPr>
+          <a:r>
+            <a:rPr lang="fr-FR" sz="2400" i="1" kern="1200" dirty="0" smtClean="0"/>
+            <a:t>Sujet</a:t>
+          </a:r>
+          <a:endParaRPr lang="fr-FR" sz="2400" i="1" kern="1200" dirty="0"/>
+        </a:p>
+      </dsp:txBody>
+      <dsp:txXfrm>
+        <a:off x="1434" y="0"/>
+        <a:ext cx="2713127" cy="336884"/>
+      </dsp:txXfrm>
+    </dsp:sp>
+    <dsp:sp modelId="{BF36116C-7362-4FBA-B493-4C2CC2BF6976}">
+      <dsp:nvSpPr>
+        <dsp:cNvPr id="0" name=""/>
+        <dsp:cNvSpPr/>
+      </dsp:nvSpPr>
+      <dsp:spPr>
+        <a:xfrm>
+          <a:off x="2239313" y="0"/>
+          <a:ext cx="2797348" cy="336884"/>
+        </a:xfrm>
+        <a:prstGeom prst="chevron">
+          <a:avLst/>
+        </a:prstGeom>
+        <a:solidFill>
+          <a:schemeClr val="accent3">
+            <a:hueOff val="0"/>
+            <a:satOff val="0"/>
+            <a:lumOff val="0"/>
+            <a:alphaOff val="0"/>
+          </a:schemeClr>
+        </a:solidFill>
+        <a:ln w="19050" cap="flat" cmpd="sng" algn="ctr">
+          <a:solidFill>
+            <a:schemeClr val="lt1">
+              <a:hueOff val="0"/>
+              <a:satOff val="0"/>
+              <a:lumOff val="0"/>
+              <a:alphaOff val="0"/>
+            </a:schemeClr>
+          </a:solidFill>
+          <a:prstDash val="solid"/>
+        </a:ln>
+        <a:effectLst/>
+      </dsp:spPr>
+      <dsp:style>
+        <a:lnRef idx="3">
+          <a:scrgbClr r="0" g="0" b="0"/>
+        </a:lnRef>
+        <a:fillRef idx="1">
+          <a:scrgbClr r="0" g="0" b="0"/>
+        </a:fillRef>
+        <a:effectRef idx="1">
+          <a:scrgbClr r="0" g="0" b="0"/>
+        </a:effectRef>
+        <a:fontRef idx="minor">
+          <a:schemeClr val="lt1"/>
+        </a:fontRef>
+      </dsp:style>
+      <dsp:txBody>
+        <a:bodyPr spcFirstLastPara="0" vert="horz" wrap="square" lIns="72009" tIns="48006" rIns="24003" bIns="48006" numCol="1" spcCol="1270" anchor="ctr" anchorCtr="0">
+          <a:noAutofit/>
+        </a:bodyPr>
+        <a:lstStyle/>
+        <a:p>
+          <a:pPr lvl="0" algn="ctr" defTabSz="800100">
+            <a:lnSpc>
+              <a:spcPct val="90000"/>
+            </a:lnSpc>
+            <a:spcBef>
+              <a:spcPct val="0"/>
+            </a:spcBef>
+            <a:spcAft>
+              <a:spcPct val="35000"/>
+            </a:spcAft>
+          </a:pPr>
+          <a:r>
+            <a:rPr lang="fr-FR" sz="1800" kern="1200" dirty="0" smtClean="0"/>
+            <a:t>Méthodologie</a:t>
+          </a:r>
+          <a:endParaRPr lang="fr-FR" sz="1800" kern="1200" dirty="0"/>
+        </a:p>
+      </dsp:txBody>
+      <dsp:txXfrm>
+        <a:off x="2407755" y="0"/>
+        <a:ext cx="2460464" cy="336884"/>
+      </dsp:txXfrm>
+    </dsp:sp>
+    <dsp:sp modelId="{10103450-6A68-475F-A740-88D1385D49F4}">
+      <dsp:nvSpPr>
+        <dsp:cNvPr id="0" name=""/>
+        <dsp:cNvSpPr/>
+      </dsp:nvSpPr>
+      <dsp:spPr>
+        <a:xfrm>
+          <a:off x="4477192" y="0"/>
+          <a:ext cx="2797348" cy="336884"/>
+        </a:xfrm>
+        <a:prstGeom prst="chevron">
+          <a:avLst/>
+        </a:prstGeom>
+        <a:solidFill>
+          <a:schemeClr val="accent4">
+            <a:hueOff val="0"/>
+            <a:satOff val="0"/>
+            <a:lumOff val="0"/>
+            <a:alphaOff val="0"/>
+          </a:schemeClr>
+        </a:solidFill>
+        <a:ln w="19050" cap="flat" cmpd="sng" algn="ctr">
+          <a:solidFill>
+            <a:schemeClr val="lt1">
+              <a:hueOff val="0"/>
+              <a:satOff val="0"/>
+              <a:lumOff val="0"/>
+              <a:alphaOff val="0"/>
+            </a:schemeClr>
+          </a:solidFill>
+          <a:prstDash val="solid"/>
+        </a:ln>
+        <a:effectLst/>
+      </dsp:spPr>
+      <dsp:style>
+        <a:lnRef idx="3">
+          <a:scrgbClr r="0" g="0" b="0"/>
+        </a:lnRef>
+        <a:fillRef idx="1">
+          <a:scrgbClr r="0" g="0" b="0"/>
+        </a:fillRef>
+        <a:effectRef idx="1">
+          <a:scrgbClr r="0" g="0" b="0"/>
+        </a:effectRef>
+        <a:fontRef idx="minor">
+          <a:schemeClr val="lt1"/>
+        </a:fontRef>
+      </dsp:style>
+      <dsp:txBody>
+        <a:bodyPr spcFirstLastPara="0" vert="horz" wrap="square" lIns="72009" tIns="48006" rIns="24003" bIns="48006" numCol="1" spcCol="1270" anchor="ctr" anchorCtr="0">
+          <a:noAutofit/>
+        </a:bodyPr>
+        <a:lstStyle/>
+        <a:p>
+          <a:pPr lvl="0" algn="ctr" defTabSz="800100">
+            <a:lnSpc>
+              <a:spcPct val="90000"/>
+            </a:lnSpc>
+            <a:spcBef>
+              <a:spcPct val="0"/>
+            </a:spcBef>
+            <a:spcAft>
+              <a:spcPct val="35000"/>
+            </a:spcAft>
+          </a:pPr>
+          <a:r>
+            <a:rPr lang="fr-FR" sz="1800" kern="1200" dirty="0" smtClean="0"/>
+            <a:t>Conception</a:t>
+          </a:r>
+          <a:endParaRPr lang="fr-FR" sz="1800" kern="1200" dirty="0"/>
+        </a:p>
+      </dsp:txBody>
+      <dsp:txXfrm>
+        <a:off x="4645634" y="0"/>
+        <a:ext cx="2460464" cy="336884"/>
+      </dsp:txXfrm>
+    </dsp:sp>
+    <dsp:sp modelId="{8550E3DC-F81D-4ADB-96EF-9C933F38F645}">
+      <dsp:nvSpPr>
+        <dsp:cNvPr id="0" name=""/>
+        <dsp:cNvSpPr/>
+      </dsp:nvSpPr>
+      <dsp:spPr>
+        <a:xfrm>
+          <a:off x="6715071" y="0"/>
+          <a:ext cx="2797348" cy="336884"/>
+        </a:xfrm>
+        <a:prstGeom prst="chevron">
+          <a:avLst/>
+        </a:prstGeom>
+        <a:solidFill>
+          <a:schemeClr val="accent5">
+            <a:hueOff val="0"/>
+            <a:satOff val="0"/>
+            <a:lumOff val="0"/>
+            <a:alphaOff val="0"/>
+          </a:schemeClr>
+        </a:solidFill>
+        <a:ln w="19050" cap="flat" cmpd="sng" algn="ctr">
+          <a:solidFill>
+            <a:schemeClr val="lt1">
+              <a:hueOff val="0"/>
+              <a:satOff val="0"/>
+              <a:lumOff val="0"/>
+              <a:alphaOff val="0"/>
+            </a:schemeClr>
+          </a:solidFill>
+          <a:prstDash val="solid"/>
+        </a:ln>
+        <a:effectLst/>
+      </dsp:spPr>
+      <dsp:style>
+        <a:lnRef idx="3">
+          <a:scrgbClr r="0" g="0" b="0"/>
+        </a:lnRef>
+        <a:fillRef idx="1">
+          <a:scrgbClr r="0" g="0" b="0"/>
+        </a:fillRef>
+        <a:effectRef idx="1">
+          <a:scrgbClr r="0" g="0" b="0"/>
+        </a:effectRef>
+        <a:fontRef idx="minor">
+          <a:schemeClr val="lt1"/>
+        </a:fontRef>
+      </dsp:style>
+      <dsp:txBody>
+        <a:bodyPr spcFirstLastPara="0" vert="horz" wrap="square" lIns="72009" tIns="48006" rIns="24003" bIns="48006" numCol="1" spcCol="1270" anchor="ctr" anchorCtr="0">
+          <a:noAutofit/>
+        </a:bodyPr>
+        <a:lstStyle/>
+        <a:p>
+          <a:pPr lvl="0" algn="ctr" defTabSz="800100">
+            <a:lnSpc>
+              <a:spcPct val="90000"/>
+            </a:lnSpc>
+            <a:spcBef>
+              <a:spcPct val="0"/>
+            </a:spcBef>
+            <a:spcAft>
+              <a:spcPct val="35000"/>
+            </a:spcAft>
+          </a:pPr>
+          <a:r>
+            <a:rPr lang="fr-FR" sz="1800" kern="1200" dirty="0" smtClean="0"/>
+            <a:t>Bilan</a:t>
+          </a:r>
+          <a:endParaRPr lang="fr-FR" sz="1800" kern="1200" dirty="0"/>
+        </a:p>
+      </dsp:txBody>
+      <dsp:txXfrm>
+        <a:off x="6883513" y="0"/>
+        <a:ext cx="2460464" cy="336884"/>
+      </dsp:txXfrm>
+    </dsp:sp>
+    <dsp:sp modelId="{0CC8E1C3-4157-4992-BCEB-C1333A5D98B4}">
+      <dsp:nvSpPr>
+        <dsp:cNvPr id="0" name=""/>
+        <dsp:cNvSpPr/>
+      </dsp:nvSpPr>
+      <dsp:spPr>
+        <a:xfrm>
+          <a:off x="8952950" y="0"/>
+          <a:ext cx="2797348" cy="336884"/>
+        </a:xfrm>
+        <a:prstGeom prst="chevron">
+          <a:avLst/>
+        </a:prstGeom>
+        <a:solidFill>
+          <a:schemeClr val="accent6">
+            <a:hueOff val="0"/>
+            <a:satOff val="0"/>
+            <a:lumOff val="0"/>
+            <a:alphaOff val="0"/>
+          </a:schemeClr>
+        </a:solidFill>
+        <a:ln w="19050" cap="flat" cmpd="sng" algn="ctr">
+          <a:solidFill>
+            <a:schemeClr val="lt1">
+              <a:hueOff val="0"/>
+              <a:satOff val="0"/>
+              <a:lumOff val="0"/>
+              <a:alphaOff val="0"/>
+            </a:schemeClr>
+          </a:solidFill>
+          <a:prstDash val="solid"/>
+        </a:ln>
+        <a:effectLst/>
+      </dsp:spPr>
+      <dsp:style>
+        <a:lnRef idx="3">
+          <a:scrgbClr r="0" g="0" b="0"/>
+        </a:lnRef>
+        <a:fillRef idx="1">
+          <a:scrgbClr r="0" g="0" b="0"/>
+        </a:fillRef>
+        <a:effectRef idx="1">
+          <a:scrgbClr r="0" g="0" b="0"/>
+        </a:effectRef>
+        <a:fontRef idx="minor">
+          <a:schemeClr val="lt1"/>
+        </a:fontRef>
+      </dsp:style>
+      <dsp:txBody>
+        <a:bodyPr spcFirstLastPara="0" vert="horz" wrap="square" lIns="72009" tIns="48006" rIns="24003" bIns="48006" numCol="1" spcCol="1270" anchor="ctr" anchorCtr="0">
+          <a:noAutofit/>
+        </a:bodyPr>
+        <a:lstStyle/>
+        <a:p>
+          <a:pPr lvl="0" algn="ctr" defTabSz="800100">
+            <a:lnSpc>
+              <a:spcPct val="90000"/>
+            </a:lnSpc>
+            <a:spcBef>
+              <a:spcPct val="0"/>
+            </a:spcBef>
+            <a:spcAft>
+              <a:spcPct val="35000"/>
+            </a:spcAft>
+          </a:pPr>
+          <a:r>
+            <a:rPr lang="fr-FR" sz="1800" kern="1200" dirty="0" smtClean="0"/>
+            <a:t>Démonstration</a:t>
+          </a:r>
+          <a:endParaRPr lang="fr-FR" sz="1800" kern="1200" dirty="0"/>
+        </a:p>
+      </dsp:txBody>
+      <dsp:txXfrm>
+        <a:off x="9121392" y="0"/>
+        <a:ext cx="2460464" cy="336884"/>
+      </dsp:txXfrm>
+    </dsp:sp>
   </dsp:spTree>
 </dsp:drawing>
 </file>
@@ -17245,6 +18793,391 @@
       <dsp:cNvGrpSpPr/>
     </dsp:nvGrpSpPr>
     <dsp:grpSpPr/>
+    <dsp:sp modelId="{432CD230-FEE0-4209-A1E2-E14178F8D4D8}">
+      <dsp:nvSpPr>
+        <dsp:cNvPr id="0" name=""/>
+        <dsp:cNvSpPr/>
+      </dsp:nvSpPr>
+      <dsp:spPr>
+        <a:xfrm>
+          <a:off x="1434" y="0"/>
+          <a:ext cx="2797348" cy="336884"/>
+        </a:xfrm>
+        <a:prstGeom prst="homePlate">
+          <a:avLst/>
+        </a:prstGeom>
+        <a:solidFill>
+          <a:schemeClr val="accent2">
+            <a:hueOff val="0"/>
+            <a:satOff val="0"/>
+            <a:lumOff val="0"/>
+            <a:alphaOff val="0"/>
+          </a:schemeClr>
+        </a:solidFill>
+        <a:ln w="19050" cap="flat" cmpd="sng" algn="ctr">
+          <a:solidFill>
+            <a:schemeClr val="lt1">
+              <a:hueOff val="0"/>
+              <a:satOff val="0"/>
+              <a:lumOff val="0"/>
+              <a:alphaOff val="0"/>
+            </a:schemeClr>
+          </a:solidFill>
+          <a:prstDash val="solid"/>
+        </a:ln>
+        <a:effectLst/>
+      </dsp:spPr>
+      <dsp:style>
+        <a:lnRef idx="3">
+          <a:scrgbClr r="0" g="0" b="0"/>
+        </a:lnRef>
+        <a:fillRef idx="1">
+          <a:scrgbClr r="0" g="0" b="0"/>
+        </a:fillRef>
+        <a:effectRef idx="1">
+          <a:scrgbClr r="0" g="0" b="0"/>
+        </a:effectRef>
+        <a:fontRef idx="minor">
+          <a:schemeClr val="lt1"/>
+        </a:fontRef>
+      </dsp:style>
+      <dsp:txBody>
+        <a:bodyPr spcFirstLastPara="0" vert="horz" wrap="square" lIns="128016" tIns="64008" rIns="32004" bIns="64008" numCol="1" spcCol="1270" anchor="ctr" anchorCtr="0">
+          <a:noAutofit/>
+        </a:bodyPr>
+        <a:lstStyle/>
+        <a:p>
+          <a:pPr lvl="0" algn="ctr" defTabSz="1066800">
+            <a:lnSpc>
+              <a:spcPct val="90000"/>
+            </a:lnSpc>
+            <a:spcBef>
+              <a:spcPct val="0"/>
+            </a:spcBef>
+            <a:spcAft>
+              <a:spcPct val="35000"/>
+            </a:spcAft>
+          </a:pPr>
+          <a:r>
+            <a:rPr lang="fr-FR" sz="2400" i="1" kern="1200" dirty="0" smtClean="0"/>
+            <a:t>Sujet</a:t>
+          </a:r>
+          <a:endParaRPr lang="fr-FR" sz="2400" i="1" kern="1200" dirty="0"/>
+        </a:p>
+      </dsp:txBody>
+      <dsp:txXfrm>
+        <a:off x="1434" y="0"/>
+        <a:ext cx="2713127" cy="336884"/>
+      </dsp:txXfrm>
+    </dsp:sp>
+    <dsp:sp modelId="{BF36116C-7362-4FBA-B493-4C2CC2BF6976}">
+      <dsp:nvSpPr>
+        <dsp:cNvPr id="0" name=""/>
+        <dsp:cNvSpPr/>
+      </dsp:nvSpPr>
+      <dsp:spPr>
+        <a:xfrm>
+          <a:off x="2239313" y="0"/>
+          <a:ext cx="2797348" cy="336884"/>
+        </a:xfrm>
+        <a:prstGeom prst="chevron">
+          <a:avLst/>
+        </a:prstGeom>
+        <a:solidFill>
+          <a:schemeClr val="accent3">
+            <a:hueOff val="0"/>
+            <a:satOff val="0"/>
+            <a:lumOff val="0"/>
+            <a:alphaOff val="0"/>
+          </a:schemeClr>
+        </a:solidFill>
+        <a:ln w="19050" cap="flat" cmpd="sng" algn="ctr">
+          <a:solidFill>
+            <a:schemeClr val="lt1">
+              <a:hueOff val="0"/>
+              <a:satOff val="0"/>
+              <a:lumOff val="0"/>
+              <a:alphaOff val="0"/>
+            </a:schemeClr>
+          </a:solidFill>
+          <a:prstDash val="solid"/>
+        </a:ln>
+        <a:effectLst/>
+      </dsp:spPr>
+      <dsp:style>
+        <a:lnRef idx="3">
+          <a:scrgbClr r="0" g="0" b="0"/>
+        </a:lnRef>
+        <a:fillRef idx="1">
+          <a:scrgbClr r="0" g="0" b="0"/>
+        </a:fillRef>
+        <a:effectRef idx="1">
+          <a:scrgbClr r="0" g="0" b="0"/>
+        </a:effectRef>
+        <a:fontRef idx="minor">
+          <a:schemeClr val="lt1"/>
+        </a:fontRef>
+      </dsp:style>
+      <dsp:txBody>
+        <a:bodyPr spcFirstLastPara="0" vert="horz" wrap="square" lIns="72009" tIns="48006" rIns="24003" bIns="48006" numCol="1" spcCol="1270" anchor="ctr" anchorCtr="0">
+          <a:noAutofit/>
+        </a:bodyPr>
+        <a:lstStyle/>
+        <a:p>
+          <a:pPr lvl="0" algn="ctr" defTabSz="800100">
+            <a:lnSpc>
+              <a:spcPct val="90000"/>
+            </a:lnSpc>
+            <a:spcBef>
+              <a:spcPct val="0"/>
+            </a:spcBef>
+            <a:spcAft>
+              <a:spcPct val="35000"/>
+            </a:spcAft>
+          </a:pPr>
+          <a:r>
+            <a:rPr lang="fr-FR" sz="1800" kern="1200" dirty="0" smtClean="0"/>
+            <a:t>Méthodologie</a:t>
+          </a:r>
+          <a:endParaRPr lang="fr-FR" sz="1800" kern="1200" dirty="0"/>
+        </a:p>
+      </dsp:txBody>
+      <dsp:txXfrm>
+        <a:off x="2407755" y="0"/>
+        <a:ext cx="2460464" cy="336884"/>
+      </dsp:txXfrm>
+    </dsp:sp>
+    <dsp:sp modelId="{10103450-6A68-475F-A740-88D1385D49F4}">
+      <dsp:nvSpPr>
+        <dsp:cNvPr id="0" name=""/>
+        <dsp:cNvSpPr/>
+      </dsp:nvSpPr>
+      <dsp:spPr>
+        <a:xfrm>
+          <a:off x="4477192" y="0"/>
+          <a:ext cx="2797348" cy="336884"/>
+        </a:xfrm>
+        <a:prstGeom prst="chevron">
+          <a:avLst/>
+        </a:prstGeom>
+        <a:solidFill>
+          <a:schemeClr val="accent4">
+            <a:hueOff val="0"/>
+            <a:satOff val="0"/>
+            <a:lumOff val="0"/>
+            <a:alphaOff val="0"/>
+          </a:schemeClr>
+        </a:solidFill>
+        <a:ln w="19050" cap="flat" cmpd="sng" algn="ctr">
+          <a:solidFill>
+            <a:schemeClr val="lt1">
+              <a:hueOff val="0"/>
+              <a:satOff val="0"/>
+              <a:lumOff val="0"/>
+              <a:alphaOff val="0"/>
+            </a:schemeClr>
+          </a:solidFill>
+          <a:prstDash val="solid"/>
+        </a:ln>
+        <a:effectLst/>
+      </dsp:spPr>
+      <dsp:style>
+        <a:lnRef idx="3">
+          <a:scrgbClr r="0" g="0" b="0"/>
+        </a:lnRef>
+        <a:fillRef idx="1">
+          <a:scrgbClr r="0" g="0" b="0"/>
+        </a:fillRef>
+        <a:effectRef idx="1">
+          <a:scrgbClr r="0" g="0" b="0"/>
+        </a:effectRef>
+        <a:fontRef idx="minor">
+          <a:schemeClr val="lt1"/>
+        </a:fontRef>
+      </dsp:style>
+      <dsp:txBody>
+        <a:bodyPr spcFirstLastPara="0" vert="horz" wrap="square" lIns="72009" tIns="48006" rIns="24003" bIns="48006" numCol="1" spcCol="1270" anchor="ctr" anchorCtr="0">
+          <a:noAutofit/>
+        </a:bodyPr>
+        <a:lstStyle/>
+        <a:p>
+          <a:pPr lvl="0" algn="ctr" defTabSz="800100">
+            <a:lnSpc>
+              <a:spcPct val="90000"/>
+            </a:lnSpc>
+            <a:spcBef>
+              <a:spcPct val="0"/>
+            </a:spcBef>
+            <a:spcAft>
+              <a:spcPct val="35000"/>
+            </a:spcAft>
+          </a:pPr>
+          <a:r>
+            <a:rPr lang="fr-FR" sz="1800" kern="1200" dirty="0" smtClean="0"/>
+            <a:t>Conception</a:t>
+          </a:r>
+          <a:endParaRPr lang="fr-FR" sz="1800" kern="1200" dirty="0"/>
+        </a:p>
+      </dsp:txBody>
+      <dsp:txXfrm>
+        <a:off x="4645634" y="0"/>
+        <a:ext cx="2460464" cy="336884"/>
+      </dsp:txXfrm>
+    </dsp:sp>
+    <dsp:sp modelId="{8550E3DC-F81D-4ADB-96EF-9C933F38F645}">
+      <dsp:nvSpPr>
+        <dsp:cNvPr id="0" name=""/>
+        <dsp:cNvSpPr/>
+      </dsp:nvSpPr>
+      <dsp:spPr>
+        <a:xfrm>
+          <a:off x="6715071" y="0"/>
+          <a:ext cx="2797348" cy="336884"/>
+        </a:xfrm>
+        <a:prstGeom prst="chevron">
+          <a:avLst/>
+        </a:prstGeom>
+        <a:solidFill>
+          <a:schemeClr val="accent5">
+            <a:hueOff val="0"/>
+            <a:satOff val="0"/>
+            <a:lumOff val="0"/>
+            <a:alphaOff val="0"/>
+          </a:schemeClr>
+        </a:solidFill>
+        <a:ln w="19050" cap="flat" cmpd="sng" algn="ctr">
+          <a:solidFill>
+            <a:schemeClr val="lt1">
+              <a:hueOff val="0"/>
+              <a:satOff val="0"/>
+              <a:lumOff val="0"/>
+              <a:alphaOff val="0"/>
+            </a:schemeClr>
+          </a:solidFill>
+          <a:prstDash val="solid"/>
+        </a:ln>
+        <a:effectLst/>
+      </dsp:spPr>
+      <dsp:style>
+        <a:lnRef idx="3">
+          <a:scrgbClr r="0" g="0" b="0"/>
+        </a:lnRef>
+        <a:fillRef idx="1">
+          <a:scrgbClr r="0" g="0" b="0"/>
+        </a:fillRef>
+        <a:effectRef idx="1">
+          <a:scrgbClr r="0" g="0" b="0"/>
+        </a:effectRef>
+        <a:fontRef idx="minor">
+          <a:schemeClr val="lt1"/>
+        </a:fontRef>
+      </dsp:style>
+      <dsp:txBody>
+        <a:bodyPr spcFirstLastPara="0" vert="horz" wrap="square" lIns="72009" tIns="48006" rIns="24003" bIns="48006" numCol="1" spcCol="1270" anchor="ctr" anchorCtr="0">
+          <a:noAutofit/>
+        </a:bodyPr>
+        <a:lstStyle/>
+        <a:p>
+          <a:pPr lvl="0" algn="ctr" defTabSz="800100">
+            <a:lnSpc>
+              <a:spcPct val="90000"/>
+            </a:lnSpc>
+            <a:spcBef>
+              <a:spcPct val="0"/>
+            </a:spcBef>
+            <a:spcAft>
+              <a:spcPct val="35000"/>
+            </a:spcAft>
+          </a:pPr>
+          <a:r>
+            <a:rPr lang="fr-FR" sz="1800" kern="1200" dirty="0" smtClean="0"/>
+            <a:t>Bilan</a:t>
+          </a:r>
+          <a:endParaRPr lang="fr-FR" sz="1800" kern="1200" dirty="0"/>
+        </a:p>
+      </dsp:txBody>
+      <dsp:txXfrm>
+        <a:off x="6883513" y="0"/>
+        <a:ext cx="2460464" cy="336884"/>
+      </dsp:txXfrm>
+    </dsp:sp>
+    <dsp:sp modelId="{0CC8E1C3-4157-4992-BCEB-C1333A5D98B4}">
+      <dsp:nvSpPr>
+        <dsp:cNvPr id="0" name=""/>
+        <dsp:cNvSpPr/>
+      </dsp:nvSpPr>
+      <dsp:spPr>
+        <a:xfrm>
+          <a:off x="8954385" y="0"/>
+          <a:ext cx="2797348" cy="336884"/>
+        </a:xfrm>
+        <a:prstGeom prst="chevron">
+          <a:avLst/>
+        </a:prstGeom>
+        <a:solidFill>
+          <a:schemeClr val="accent6">
+            <a:hueOff val="0"/>
+            <a:satOff val="0"/>
+            <a:lumOff val="0"/>
+            <a:alphaOff val="0"/>
+          </a:schemeClr>
+        </a:solidFill>
+        <a:ln w="19050" cap="flat" cmpd="sng" algn="ctr">
+          <a:solidFill>
+            <a:schemeClr val="lt1">
+              <a:hueOff val="0"/>
+              <a:satOff val="0"/>
+              <a:lumOff val="0"/>
+              <a:alphaOff val="0"/>
+            </a:schemeClr>
+          </a:solidFill>
+          <a:prstDash val="solid"/>
+        </a:ln>
+        <a:effectLst/>
+      </dsp:spPr>
+      <dsp:style>
+        <a:lnRef idx="3">
+          <a:scrgbClr r="0" g="0" b="0"/>
+        </a:lnRef>
+        <a:fillRef idx="1">
+          <a:scrgbClr r="0" g="0" b="0"/>
+        </a:fillRef>
+        <a:effectRef idx="1">
+          <a:scrgbClr r="0" g="0" b="0"/>
+        </a:effectRef>
+        <a:fontRef idx="minor">
+          <a:schemeClr val="lt1"/>
+        </a:fontRef>
+      </dsp:style>
+      <dsp:txBody>
+        <a:bodyPr spcFirstLastPara="0" vert="horz" wrap="square" lIns="72009" tIns="48006" rIns="24003" bIns="48006" numCol="1" spcCol="1270" anchor="ctr" anchorCtr="0">
+          <a:noAutofit/>
+        </a:bodyPr>
+        <a:lstStyle/>
+        <a:p>
+          <a:pPr lvl="0" algn="ctr" defTabSz="800100">
+            <a:lnSpc>
+              <a:spcPct val="90000"/>
+            </a:lnSpc>
+            <a:spcBef>
+              <a:spcPct val="0"/>
+            </a:spcBef>
+            <a:spcAft>
+              <a:spcPct val="35000"/>
+            </a:spcAft>
+          </a:pPr>
+          <a:r>
+            <a:rPr lang="fr-FR" sz="1800" kern="1200" dirty="0" smtClean="0"/>
+            <a:t>Démonstration</a:t>
+          </a:r>
+          <a:endParaRPr lang="fr-FR" sz="1800" kern="1200" dirty="0"/>
+        </a:p>
+      </dsp:txBody>
+      <dsp:txXfrm>
+        <a:off x="9122827" y="0"/>
+        <a:ext cx="2460464" cy="336884"/>
+      </dsp:txXfrm>
+    </dsp:sp>
   </dsp:spTree>
 </dsp:drawing>
 </file>
@@ -17257,6 +19190,391 @@
       <dsp:cNvGrpSpPr/>
     </dsp:nvGrpSpPr>
     <dsp:grpSpPr/>
+    <dsp:sp modelId="{432CD230-FEE0-4209-A1E2-E14178F8D4D8}">
+      <dsp:nvSpPr>
+        <dsp:cNvPr id="0" name=""/>
+        <dsp:cNvSpPr/>
+      </dsp:nvSpPr>
+      <dsp:spPr>
+        <a:xfrm>
+          <a:off x="1434" y="0"/>
+          <a:ext cx="2797348" cy="336884"/>
+        </a:xfrm>
+        <a:prstGeom prst="homePlate">
+          <a:avLst/>
+        </a:prstGeom>
+        <a:solidFill>
+          <a:schemeClr val="accent2">
+            <a:hueOff val="0"/>
+            <a:satOff val="0"/>
+            <a:lumOff val="0"/>
+            <a:alphaOff val="0"/>
+          </a:schemeClr>
+        </a:solidFill>
+        <a:ln w="19050" cap="flat" cmpd="sng" algn="ctr">
+          <a:solidFill>
+            <a:schemeClr val="lt1">
+              <a:hueOff val="0"/>
+              <a:satOff val="0"/>
+              <a:lumOff val="0"/>
+              <a:alphaOff val="0"/>
+            </a:schemeClr>
+          </a:solidFill>
+          <a:prstDash val="solid"/>
+        </a:ln>
+        <a:effectLst/>
+      </dsp:spPr>
+      <dsp:style>
+        <a:lnRef idx="3">
+          <a:scrgbClr r="0" g="0" b="0"/>
+        </a:lnRef>
+        <a:fillRef idx="1">
+          <a:scrgbClr r="0" g="0" b="0"/>
+        </a:fillRef>
+        <a:effectRef idx="1">
+          <a:scrgbClr r="0" g="0" b="0"/>
+        </a:effectRef>
+        <a:fontRef idx="minor">
+          <a:schemeClr val="lt1"/>
+        </a:fontRef>
+      </dsp:style>
+      <dsp:txBody>
+        <a:bodyPr spcFirstLastPara="0" vert="horz" wrap="square" lIns="96012" tIns="48006" rIns="24003" bIns="48006" numCol="1" spcCol="1270" anchor="ctr" anchorCtr="0">
+          <a:noAutofit/>
+        </a:bodyPr>
+        <a:lstStyle/>
+        <a:p>
+          <a:pPr lvl="0" algn="ctr" defTabSz="800100">
+            <a:lnSpc>
+              <a:spcPct val="90000"/>
+            </a:lnSpc>
+            <a:spcBef>
+              <a:spcPct val="0"/>
+            </a:spcBef>
+            <a:spcAft>
+              <a:spcPct val="35000"/>
+            </a:spcAft>
+          </a:pPr>
+          <a:r>
+            <a:rPr lang="fr-FR" sz="1800" kern="1200" dirty="0" smtClean="0"/>
+            <a:t>Sujet</a:t>
+          </a:r>
+          <a:endParaRPr lang="fr-FR" sz="1800" kern="1200" dirty="0"/>
+        </a:p>
+      </dsp:txBody>
+      <dsp:txXfrm>
+        <a:off x="1434" y="0"/>
+        <a:ext cx="2713127" cy="336884"/>
+      </dsp:txXfrm>
+    </dsp:sp>
+    <dsp:sp modelId="{BF36116C-7362-4FBA-B493-4C2CC2BF6976}">
+      <dsp:nvSpPr>
+        <dsp:cNvPr id="0" name=""/>
+        <dsp:cNvSpPr/>
+      </dsp:nvSpPr>
+      <dsp:spPr>
+        <a:xfrm>
+          <a:off x="2239313" y="0"/>
+          <a:ext cx="2797348" cy="336884"/>
+        </a:xfrm>
+        <a:prstGeom prst="chevron">
+          <a:avLst/>
+        </a:prstGeom>
+        <a:solidFill>
+          <a:schemeClr val="accent3">
+            <a:hueOff val="0"/>
+            <a:satOff val="0"/>
+            <a:lumOff val="0"/>
+            <a:alphaOff val="0"/>
+          </a:schemeClr>
+        </a:solidFill>
+        <a:ln w="19050" cap="flat" cmpd="sng" algn="ctr">
+          <a:solidFill>
+            <a:schemeClr val="lt1">
+              <a:hueOff val="0"/>
+              <a:satOff val="0"/>
+              <a:lumOff val="0"/>
+              <a:alphaOff val="0"/>
+            </a:schemeClr>
+          </a:solidFill>
+          <a:prstDash val="solid"/>
+        </a:ln>
+        <a:effectLst/>
+      </dsp:spPr>
+      <dsp:style>
+        <a:lnRef idx="3">
+          <a:scrgbClr r="0" g="0" b="0"/>
+        </a:lnRef>
+        <a:fillRef idx="1">
+          <a:scrgbClr r="0" g="0" b="0"/>
+        </a:fillRef>
+        <a:effectRef idx="1">
+          <a:scrgbClr r="0" g="0" b="0"/>
+        </a:effectRef>
+        <a:fontRef idx="minor">
+          <a:schemeClr val="lt1"/>
+        </a:fontRef>
+      </dsp:style>
+      <dsp:txBody>
+        <a:bodyPr spcFirstLastPara="0" vert="horz" wrap="square" lIns="96012" tIns="64008" rIns="32004" bIns="64008" numCol="1" spcCol="1270" anchor="ctr" anchorCtr="0">
+          <a:noAutofit/>
+        </a:bodyPr>
+        <a:lstStyle/>
+        <a:p>
+          <a:pPr lvl="0" algn="ctr" defTabSz="1066800">
+            <a:lnSpc>
+              <a:spcPct val="90000"/>
+            </a:lnSpc>
+            <a:spcBef>
+              <a:spcPct val="0"/>
+            </a:spcBef>
+            <a:spcAft>
+              <a:spcPct val="35000"/>
+            </a:spcAft>
+          </a:pPr>
+          <a:r>
+            <a:rPr lang="fr-FR" sz="2400" i="1" kern="1200" dirty="0" smtClean="0"/>
+            <a:t>Méthodologie</a:t>
+          </a:r>
+          <a:endParaRPr lang="fr-FR" sz="2400" i="1" kern="1200" dirty="0"/>
+        </a:p>
+      </dsp:txBody>
+      <dsp:txXfrm>
+        <a:off x="2407755" y="0"/>
+        <a:ext cx="2460464" cy="336884"/>
+      </dsp:txXfrm>
+    </dsp:sp>
+    <dsp:sp modelId="{10103450-6A68-475F-A740-88D1385D49F4}">
+      <dsp:nvSpPr>
+        <dsp:cNvPr id="0" name=""/>
+        <dsp:cNvSpPr/>
+      </dsp:nvSpPr>
+      <dsp:spPr>
+        <a:xfrm>
+          <a:off x="4477192" y="0"/>
+          <a:ext cx="2797348" cy="336884"/>
+        </a:xfrm>
+        <a:prstGeom prst="chevron">
+          <a:avLst/>
+        </a:prstGeom>
+        <a:solidFill>
+          <a:schemeClr val="accent4">
+            <a:hueOff val="0"/>
+            <a:satOff val="0"/>
+            <a:lumOff val="0"/>
+            <a:alphaOff val="0"/>
+          </a:schemeClr>
+        </a:solidFill>
+        <a:ln w="19050" cap="flat" cmpd="sng" algn="ctr">
+          <a:solidFill>
+            <a:schemeClr val="lt1">
+              <a:hueOff val="0"/>
+              <a:satOff val="0"/>
+              <a:lumOff val="0"/>
+              <a:alphaOff val="0"/>
+            </a:schemeClr>
+          </a:solidFill>
+          <a:prstDash val="solid"/>
+        </a:ln>
+        <a:effectLst/>
+      </dsp:spPr>
+      <dsp:style>
+        <a:lnRef idx="3">
+          <a:scrgbClr r="0" g="0" b="0"/>
+        </a:lnRef>
+        <a:fillRef idx="1">
+          <a:scrgbClr r="0" g="0" b="0"/>
+        </a:fillRef>
+        <a:effectRef idx="1">
+          <a:scrgbClr r="0" g="0" b="0"/>
+        </a:effectRef>
+        <a:fontRef idx="minor">
+          <a:schemeClr val="lt1"/>
+        </a:fontRef>
+      </dsp:style>
+      <dsp:txBody>
+        <a:bodyPr spcFirstLastPara="0" vert="horz" wrap="square" lIns="72009" tIns="48006" rIns="24003" bIns="48006" numCol="1" spcCol="1270" anchor="ctr" anchorCtr="0">
+          <a:noAutofit/>
+        </a:bodyPr>
+        <a:lstStyle/>
+        <a:p>
+          <a:pPr lvl="0" algn="ctr" defTabSz="800100">
+            <a:lnSpc>
+              <a:spcPct val="90000"/>
+            </a:lnSpc>
+            <a:spcBef>
+              <a:spcPct val="0"/>
+            </a:spcBef>
+            <a:spcAft>
+              <a:spcPct val="35000"/>
+            </a:spcAft>
+          </a:pPr>
+          <a:r>
+            <a:rPr lang="fr-FR" sz="1800" kern="1200" dirty="0" smtClean="0"/>
+            <a:t>Conception</a:t>
+          </a:r>
+          <a:endParaRPr lang="fr-FR" sz="1800" kern="1200" dirty="0"/>
+        </a:p>
+      </dsp:txBody>
+      <dsp:txXfrm>
+        <a:off x="4645634" y="0"/>
+        <a:ext cx="2460464" cy="336884"/>
+      </dsp:txXfrm>
+    </dsp:sp>
+    <dsp:sp modelId="{8550E3DC-F81D-4ADB-96EF-9C933F38F645}">
+      <dsp:nvSpPr>
+        <dsp:cNvPr id="0" name=""/>
+        <dsp:cNvSpPr/>
+      </dsp:nvSpPr>
+      <dsp:spPr>
+        <a:xfrm>
+          <a:off x="6715071" y="0"/>
+          <a:ext cx="2797348" cy="336884"/>
+        </a:xfrm>
+        <a:prstGeom prst="chevron">
+          <a:avLst/>
+        </a:prstGeom>
+        <a:solidFill>
+          <a:schemeClr val="accent5">
+            <a:hueOff val="0"/>
+            <a:satOff val="0"/>
+            <a:lumOff val="0"/>
+            <a:alphaOff val="0"/>
+          </a:schemeClr>
+        </a:solidFill>
+        <a:ln w="19050" cap="flat" cmpd="sng" algn="ctr">
+          <a:solidFill>
+            <a:schemeClr val="lt1">
+              <a:hueOff val="0"/>
+              <a:satOff val="0"/>
+              <a:lumOff val="0"/>
+              <a:alphaOff val="0"/>
+            </a:schemeClr>
+          </a:solidFill>
+          <a:prstDash val="solid"/>
+        </a:ln>
+        <a:effectLst/>
+      </dsp:spPr>
+      <dsp:style>
+        <a:lnRef idx="3">
+          <a:scrgbClr r="0" g="0" b="0"/>
+        </a:lnRef>
+        <a:fillRef idx="1">
+          <a:scrgbClr r="0" g="0" b="0"/>
+        </a:fillRef>
+        <a:effectRef idx="1">
+          <a:scrgbClr r="0" g="0" b="0"/>
+        </a:effectRef>
+        <a:fontRef idx="minor">
+          <a:schemeClr val="lt1"/>
+        </a:fontRef>
+      </dsp:style>
+      <dsp:txBody>
+        <a:bodyPr spcFirstLastPara="0" vert="horz" wrap="square" lIns="72009" tIns="48006" rIns="24003" bIns="48006" numCol="1" spcCol="1270" anchor="ctr" anchorCtr="0">
+          <a:noAutofit/>
+        </a:bodyPr>
+        <a:lstStyle/>
+        <a:p>
+          <a:pPr lvl="0" algn="ctr" defTabSz="800100">
+            <a:lnSpc>
+              <a:spcPct val="90000"/>
+            </a:lnSpc>
+            <a:spcBef>
+              <a:spcPct val="0"/>
+            </a:spcBef>
+            <a:spcAft>
+              <a:spcPct val="35000"/>
+            </a:spcAft>
+          </a:pPr>
+          <a:r>
+            <a:rPr lang="fr-FR" sz="1800" kern="1200" dirty="0" smtClean="0"/>
+            <a:t>Bilan</a:t>
+          </a:r>
+          <a:endParaRPr lang="fr-FR" sz="1800" kern="1200" dirty="0"/>
+        </a:p>
+      </dsp:txBody>
+      <dsp:txXfrm>
+        <a:off x="6883513" y="0"/>
+        <a:ext cx="2460464" cy="336884"/>
+      </dsp:txXfrm>
+    </dsp:sp>
+    <dsp:sp modelId="{0CC8E1C3-4157-4992-BCEB-C1333A5D98B4}">
+      <dsp:nvSpPr>
+        <dsp:cNvPr id="0" name=""/>
+        <dsp:cNvSpPr/>
+      </dsp:nvSpPr>
+      <dsp:spPr>
+        <a:xfrm>
+          <a:off x="8952950" y="0"/>
+          <a:ext cx="2797348" cy="336884"/>
+        </a:xfrm>
+        <a:prstGeom prst="chevron">
+          <a:avLst/>
+        </a:prstGeom>
+        <a:solidFill>
+          <a:schemeClr val="accent6">
+            <a:hueOff val="0"/>
+            <a:satOff val="0"/>
+            <a:lumOff val="0"/>
+            <a:alphaOff val="0"/>
+          </a:schemeClr>
+        </a:solidFill>
+        <a:ln w="19050" cap="flat" cmpd="sng" algn="ctr">
+          <a:solidFill>
+            <a:schemeClr val="lt1">
+              <a:hueOff val="0"/>
+              <a:satOff val="0"/>
+              <a:lumOff val="0"/>
+              <a:alphaOff val="0"/>
+            </a:schemeClr>
+          </a:solidFill>
+          <a:prstDash val="solid"/>
+        </a:ln>
+        <a:effectLst/>
+      </dsp:spPr>
+      <dsp:style>
+        <a:lnRef idx="3">
+          <a:scrgbClr r="0" g="0" b="0"/>
+        </a:lnRef>
+        <a:fillRef idx="1">
+          <a:scrgbClr r="0" g="0" b="0"/>
+        </a:fillRef>
+        <a:effectRef idx="1">
+          <a:scrgbClr r="0" g="0" b="0"/>
+        </a:effectRef>
+        <a:fontRef idx="minor">
+          <a:schemeClr val="lt1"/>
+        </a:fontRef>
+      </dsp:style>
+      <dsp:txBody>
+        <a:bodyPr spcFirstLastPara="0" vert="horz" wrap="square" lIns="72009" tIns="48006" rIns="24003" bIns="48006" numCol="1" spcCol="1270" anchor="ctr" anchorCtr="0">
+          <a:noAutofit/>
+        </a:bodyPr>
+        <a:lstStyle/>
+        <a:p>
+          <a:pPr lvl="0" algn="ctr" defTabSz="800100">
+            <a:lnSpc>
+              <a:spcPct val="90000"/>
+            </a:lnSpc>
+            <a:spcBef>
+              <a:spcPct val="0"/>
+            </a:spcBef>
+            <a:spcAft>
+              <a:spcPct val="35000"/>
+            </a:spcAft>
+          </a:pPr>
+          <a:r>
+            <a:rPr lang="fr-FR" sz="1800" kern="1200" dirty="0" smtClean="0"/>
+            <a:t>Démonstration</a:t>
+          </a:r>
+          <a:endParaRPr lang="fr-FR" sz="1800" kern="1200" dirty="0"/>
+        </a:p>
+      </dsp:txBody>
+      <dsp:txXfrm>
+        <a:off x="9121392" y="0"/>
+        <a:ext cx="2460464" cy="336884"/>
+      </dsp:txXfrm>
+    </dsp:sp>
   </dsp:spTree>
 </dsp:drawing>
 </file>
@@ -17269,6 +19587,391 @@
       <dsp:cNvGrpSpPr/>
     </dsp:nvGrpSpPr>
     <dsp:grpSpPr/>
+    <dsp:sp modelId="{432CD230-FEE0-4209-A1E2-E14178F8D4D8}">
+      <dsp:nvSpPr>
+        <dsp:cNvPr id="0" name=""/>
+        <dsp:cNvSpPr/>
+      </dsp:nvSpPr>
+      <dsp:spPr>
+        <a:xfrm>
+          <a:off x="1434" y="0"/>
+          <a:ext cx="2797348" cy="336884"/>
+        </a:xfrm>
+        <a:prstGeom prst="homePlate">
+          <a:avLst/>
+        </a:prstGeom>
+        <a:solidFill>
+          <a:schemeClr val="accent2">
+            <a:hueOff val="0"/>
+            <a:satOff val="0"/>
+            <a:lumOff val="0"/>
+            <a:alphaOff val="0"/>
+          </a:schemeClr>
+        </a:solidFill>
+        <a:ln w="19050" cap="flat" cmpd="sng" algn="ctr">
+          <a:solidFill>
+            <a:schemeClr val="lt1">
+              <a:hueOff val="0"/>
+              <a:satOff val="0"/>
+              <a:lumOff val="0"/>
+              <a:alphaOff val="0"/>
+            </a:schemeClr>
+          </a:solidFill>
+          <a:prstDash val="solid"/>
+        </a:ln>
+        <a:effectLst/>
+      </dsp:spPr>
+      <dsp:style>
+        <a:lnRef idx="3">
+          <a:scrgbClr r="0" g="0" b="0"/>
+        </a:lnRef>
+        <a:fillRef idx="1">
+          <a:scrgbClr r="0" g="0" b="0"/>
+        </a:fillRef>
+        <a:effectRef idx="1">
+          <a:scrgbClr r="0" g="0" b="0"/>
+        </a:effectRef>
+        <a:fontRef idx="minor">
+          <a:schemeClr val="lt1"/>
+        </a:fontRef>
+      </dsp:style>
+      <dsp:txBody>
+        <a:bodyPr spcFirstLastPara="0" vert="horz" wrap="square" lIns="96012" tIns="48006" rIns="24003" bIns="48006" numCol="1" spcCol="1270" anchor="ctr" anchorCtr="0">
+          <a:noAutofit/>
+        </a:bodyPr>
+        <a:lstStyle/>
+        <a:p>
+          <a:pPr lvl="0" algn="ctr" defTabSz="800100">
+            <a:lnSpc>
+              <a:spcPct val="90000"/>
+            </a:lnSpc>
+            <a:spcBef>
+              <a:spcPct val="0"/>
+            </a:spcBef>
+            <a:spcAft>
+              <a:spcPct val="35000"/>
+            </a:spcAft>
+          </a:pPr>
+          <a:r>
+            <a:rPr lang="fr-FR" sz="1800" kern="1200" dirty="0" smtClean="0"/>
+            <a:t>Sujet</a:t>
+          </a:r>
+          <a:endParaRPr lang="fr-FR" sz="1800" kern="1200" dirty="0"/>
+        </a:p>
+      </dsp:txBody>
+      <dsp:txXfrm>
+        <a:off x="1434" y="0"/>
+        <a:ext cx="2713127" cy="336884"/>
+      </dsp:txXfrm>
+    </dsp:sp>
+    <dsp:sp modelId="{BF36116C-7362-4FBA-B493-4C2CC2BF6976}">
+      <dsp:nvSpPr>
+        <dsp:cNvPr id="0" name=""/>
+        <dsp:cNvSpPr/>
+      </dsp:nvSpPr>
+      <dsp:spPr>
+        <a:xfrm>
+          <a:off x="2239313" y="0"/>
+          <a:ext cx="2797348" cy="336884"/>
+        </a:xfrm>
+        <a:prstGeom prst="chevron">
+          <a:avLst/>
+        </a:prstGeom>
+        <a:solidFill>
+          <a:schemeClr val="accent3">
+            <a:hueOff val="0"/>
+            <a:satOff val="0"/>
+            <a:lumOff val="0"/>
+            <a:alphaOff val="0"/>
+          </a:schemeClr>
+        </a:solidFill>
+        <a:ln w="19050" cap="flat" cmpd="sng" algn="ctr">
+          <a:solidFill>
+            <a:schemeClr val="lt1">
+              <a:hueOff val="0"/>
+              <a:satOff val="0"/>
+              <a:lumOff val="0"/>
+              <a:alphaOff val="0"/>
+            </a:schemeClr>
+          </a:solidFill>
+          <a:prstDash val="solid"/>
+        </a:ln>
+        <a:effectLst/>
+      </dsp:spPr>
+      <dsp:style>
+        <a:lnRef idx="3">
+          <a:scrgbClr r="0" g="0" b="0"/>
+        </a:lnRef>
+        <a:fillRef idx="1">
+          <a:scrgbClr r="0" g="0" b="0"/>
+        </a:fillRef>
+        <a:effectRef idx="1">
+          <a:scrgbClr r="0" g="0" b="0"/>
+        </a:effectRef>
+        <a:fontRef idx="minor">
+          <a:schemeClr val="lt1"/>
+        </a:fontRef>
+      </dsp:style>
+      <dsp:txBody>
+        <a:bodyPr spcFirstLastPara="0" vert="horz" wrap="square" lIns="96012" tIns="64008" rIns="32004" bIns="64008" numCol="1" spcCol="1270" anchor="ctr" anchorCtr="0">
+          <a:noAutofit/>
+        </a:bodyPr>
+        <a:lstStyle/>
+        <a:p>
+          <a:pPr lvl="0" algn="ctr" defTabSz="1066800">
+            <a:lnSpc>
+              <a:spcPct val="90000"/>
+            </a:lnSpc>
+            <a:spcBef>
+              <a:spcPct val="0"/>
+            </a:spcBef>
+            <a:spcAft>
+              <a:spcPct val="35000"/>
+            </a:spcAft>
+          </a:pPr>
+          <a:r>
+            <a:rPr lang="fr-FR" sz="2400" i="1" kern="1200" dirty="0" smtClean="0"/>
+            <a:t>Méthodologie</a:t>
+          </a:r>
+          <a:endParaRPr lang="fr-FR" sz="2400" i="1" kern="1200" dirty="0"/>
+        </a:p>
+      </dsp:txBody>
+      <dsp:txXfrm>
+        <a:off x="2407755" y="0"/>
+        <a:ext cx="2460464" cy="336884"/>
+      </dsp:txXfrm>
+    </dsp:sp>
+    <dsp:sp modelId="{10103450-6A68-475F-A740-88D1385D49F4}">
+      <dsp:nvSpPr>
+        <dsp:cNvPr id="0" name=""/>
+        <dsp:cNvSpPr/>
+      </dsp:nvSpPr>
+      <dsp:spPr>
+        <a:xfrm>
+          <a:off x="4477192" y="0"/>
+          <a:ext cx="2797348" cy="336884"/>
+        </a:xfrm>
+        <a:prstGeom prst="chevron">
+          <a:avLst/>
+        </a:prstGeom>
+        <a:solidFill>
+          <a:schemeClr val="accent4">
+            <a:hueOff val="0"/>
+            <a:satOff val="0"/>
+            <a:lumOff val="0"/>
+            <a:alphaOff val="0"/>
+          </a:schemeClr>
+        </a:solidFill>
+        <a:ln w="19050" cap="flat" cmpd="sng" algn="ctr">
+          <a:solidFill>
+            <a:schemeClr val="lt1">
+              <a:hueOff val="0"/>
+              <a:satOff val="0"/>
+              <a:lumOff val="0"/>
+              <a:alphaOff val="0"/>
+            </a:schemeClr>
+          </a:solidFill>
+          <a:prstDash val="solid"/>
+        </a:ln>
+        <a:effectLst/>
+      </dsp:spPr>
+      <dsp:style>
+        <a:lnRef idx="3">
+          <a:scrgbClr r="0" g="0" b="0"/>
+        </a:lnRef>
+        <a:fillRef idx="1">
+          <a:scrgbClr r="0" g="0" b="0"/>
+        </a:fillRef>
+        <a:effectRef idx="1">
+          <a:scrgbClr r="0" g="0" b="0"/>
+        </a:effectRef>
+        <a:fontRef idx="minor">
+          <a:schemeClr val="lt1"/>
+        </a:fontRef>
+      </dsp:style>
+      <dsp:txBody>
+        <a:bodyPr spcFirstLastPara="0" vert="horz" wrap="square" lIns="72009" tIns="48006" rIns="24003" bIns="48006" numCol="1" spcCol="1270" anchor="ctr" anchorCtr="0">
+          <a:noAutofit/>
+        </a:bodyPr>
+        <a:lstStyle/>
+        <a:p>
+          <a:pPr lvl="0" algn="ctr" defTabSz="800100">
+            <a:lnSpc>
+              <a:spcPct val="90000"/>
+            </a:lnSpc>
+            <a:spcBef>
+              <a:spcPct val="0"/>
+            </a:spcBef>
+            <a:spcAft>
+              <a:spcPct val="35000"/>
+            </a:spcAft>
+          </a:pPr>
+          <a:r>
+            <a:rPr lang="fr-FR" sz="1800" kern="1200" dirty="0" smtClean="0"/>
+            <a:t>Conception</a:t>
+          </a:r>
+          <a:endParaRPr lang="fr-FR" sz="1800" kern="1200" dirty="0"/>
+        </a:p>
+      </dsp:txBody>
+      <dsp:txXfrm>
+        <a:off x="4645634" y="0"/>
+        <a:ext cx="2460464" cy="336884"/>
+      </dsp:txXfrm>
+    </dsp:sp>
+    <dsp:sp modelId="{8550E3DC-F81D-4ADB-96EF-9C933F38F645}">
+      <dsp:nvSpPr>
+        <dsp:cNvPr id="0" name=""/>
+        <dsp:cNvSpPr/>
+      </dsp:nvSpPr>
+      <dsp:spPr>
+        <a:xfrm>
+          <a:off x="6715071" y="0"/>
+          <a:ext cx="2797348" cy="336884"/>
+        </a:xfrm>
+        <a:prstGeom prst="chevron">
+          <a:avLst/>
+        </a:prstGeom>
+        <a:solidFill>
+          <a:schemeClr val="accent5">
+            <a:hueOff val="0"/>
+            <a:satOff val="0"/>
+            <a:lumOff val="0"/>
+            <a:alphaOff val="0"/>
+          </a:schemeClr>
+        </a:solidFill>
+        <a:ln w="19050" cap="flat" cmpd="sng" algn="ctr">
+          <a:solidFill>
+            <a:schemeClr val="lt1">
+              <a:hueOff val="0"/>
+              <a:satOff val="0"/>
+              <a:lumOff val="0"/>
+              <a:alphaOff val="0"/>
+            </a:schemeClr>
+          </a:solidFill>
+          <a:prstDash val="solid"/>
+        </a:ln>
+        <a:effectLst/>
+      </dsp:spPr>
+      <dsp:style>
+        <a:lnRef idx="3">
+          <a:scrgbClr r="0" g="0" b="0"/>
+        </a:lnRef>
+        <a:fillRef idx="1">
+          <a:scrgbClr r="0" g="0" b="0"/>
+        </a:fillRef>
+        <a:effectRef idx="1">
+          <a:scrgbClr r="0" g="0" b="0"/>
+        </a:effectRef>
+        <a:fontRef idx="minor">
+          <a:schemeClr val="lt1"/>
+        </a:fontRef>
+      </dsp:style>
+      <dsp:txBody>
+        <a:bodyPr spcFirstLastPara="0" vert="horz" wrap="square" lIns="72009" tIns="48006" rIns="24003" bIns="48006" numCol="1" spcCol="1270" anchor="ctr" anchorCtr="0">
+          <a:noAutofit/>
+        </a:bodyPr>
+        <a:lstStyle/>
+        <a:p>
+          <a:pPr lvl="0" algn="ctr" defTabSz="800100">
+            <a:lnSpc>
+              <a:spcPct val="90000"/>
+            </a:lnSpc>
+            <a:spcBef>
+              <a:spcPct val="0"/>
+            </a:spcBef>
+            <a:spcAft>
+              <a:spcPct val="35000"/>
+            </a:spcAft>
+          </a:pPr>
+          <a:r>
+            <a:rPr lang="fr-FR" sz="1800" kern="1200" dirty="0" smtClean="0"/>
+            <a:t>Bilan</a:t>
+          </a:r>
+          <a:endParaRPr lang="fr-FR" sz="1800" kern="1200" dirty="0"/>
+        </a:p>
+      </dsp:txBody>
+      <dsp:txXfrm>
+        <a:off x="6883513" y="0"/>
+        <a:ext cx="2460464" cy="336884"/>
+      </dsp:txXfrm>
+    </dsp:sp>
+    <dsp:sp modelId="{0CC8E1C3-4157-4992-BCEB-C1333A5D98B4}">
+      <dsp:nvSpPr>
+        <dsp:cNvPr id="0" name=""/>
+        <dsp:cNvSpPr/>
+      </dsp:nvSpPr>
+      <dsp:spPr>
+        <a:xfrm>
+          <a:off x="8952950" y="0"/>
+          <a:ext cx="2797348" cy="336884"/>
+        </a:xfrm>
+        <a:prstGeom prst="chevron">
+          <a:avLst/>
+        </a:prstGeom>
+        <a:solidFill>
+          <a:schemeClr val="accent6">
+            <a:hueOff val="0"/>
+            <a:satOff val="0"/>
+            <a:lumOff val="0"/>
+            <a:alphaOff val="0"/>
+          </a:schemeClr>
+        </a:solidFill>
+        <a:ln w="19050" cap="flat" cmpd="sng" algn="ctr">
+          <a:solidFill>
+            <a:schemeClr val="lt1">
+              <a:hueOff val="0"/>
+              <a:satOff val="0"/>
+              <a:lumOff val="0"/>
+              <a:alphaOff val="0"/>
+            </a:schemeClr>
+          </a:solidFill>
+          <a:prstDash val="solid"/>
+        </a:ln>
+        <a:effectLst/>
+      </dsp:spPr>
+      <dsp:style>
+        <a:lnRef idx="3">
+          <a:scrgbClr r="0" g="0" b="0"/>
+        </a:lnRef>
+        <a:fillRef idx="1">
+          <a:scrgbClr r="0" g="0" b="0"/>
+        </a:fillRef>
+        <a:effectRef idx="1">
+          <a:scrgbClr r="0" g="0" b="0"/>
+        </a:effectRef>
+        <a:fontRef idx="minor">
+          <a:schemeClr val="lt1"/>
+        </a:fontRef>
+      </dsp:style>
+      <dsp:txBody>
+        <a:bodyPr spcFirstLastPara="0" vert="horz" wrap="square" lIns="72009" tIns="48006" rIns="24003" bIns="48006" numCol="1" spcCol="1270" anchor="ctr" anchorCtr="0">
+          <a:noAutofit/>
+        </a:bodyPr>
+        <a:lstStyle/>
+        <a:p>
+          <a:pPr lvl="0" algn="ctr" defTabSz="800100">
+            <a:lnSpc>
+              <a:spcPct val="90000"/>
+            </a:lnSpc>
+            <a:spcBef>
+              <a:spcPct val="0"/>
+            </a:spcBef>
+            <a:spcAft>
+              <a:spcPct val="35000"/>
+            </a:spcAft>
+          </a:pPr>
+          <a:r>
+            <a:rPr lang="fr-FR" sz="1800" kern="1200" dirty="0" smtClean="0"/>
+            <a:t>Démonstration</a:t>
+          </a:r>
+          <a:endParaRPr lang="fr-FR" sz="1800" kern="1200" dirty="0"/>
+        </a:p>
+      </dsp:txBody>
+      <dsp:txXfrm>
+        <a:off x="9121392" y="0"/>
+        <a:ext cx="2460464" cy="336884"/>
+      </dsp:txXfrm>
+    </dsp:sp>
   </dsp:spTree>
 </dsp:drawing>
 </file>
@@ -17281,6 +19984,391 @@
       <dsp:cNvGrpSpPr/>
     </dsp:nvGrpSpPr>
     <dsp:grpSpPr/>
+    <dsp:sp modelId="{432CD230-FEE0-4209-A1E2-E14178F8D4D8}">
+      <dsp:nvSpPr>
+        <dsp:cNvPr id="0" name=""/>
+        <dsp:cNvSpPr/>
+      </dsp:nvSpPr>
+      <dsp:spPr>
+        <a:xfrm>
+          <a:off x="1434" y="0"/>
+          <a:ext cx="2797348" cy="336884"/>
+        </a:xfrm>
+        <a:prstGeom prst="homePlate">
+          <a:avLst/>
+        </a:prstGeom>
+        <a:solidFill>
+          <a:schemeClr val="accent2">
+            <a:hueOff val="0"/>
+            <a:satOff val="0"/>
+            <a:lumOff val="0"/>
+            <a:alphaOff val="0"/>
+          </a:schemeClr>
+        </a:solidFill>
+        <a:ln w="19050" cap="flat" cmpd="sng" algn="ctr">
+          <a:solidFill>
+            <a:schemeClr val="lt1">
+              <a:hueOff val="0"/>
+              <a:satOff val="0"/>
+              <a:lumOff val="0"/>
+              <a:alphaOff val="0"/>
+            </a:schemeClr>
+          </a:solidFill>
+          <a:prstDash val="solid"/>
+        </a:ln>
+        <a:effectLst/>
+      </dsp:spPr>
+      <dsp:style>
+        <a:lnRef idx="3">
+          <a:scrgbClr r="0" g="0" b="0"/>
+        </a:lnRef>
+        <a:fillRef idx="1">
+          <a:scrgbClr r="0" g="0" b="0"/>
+        </a:fillRef>
+        <a:effectRef idx="1">
+          <a:scrgbClr r="0" g="0" b="0"/>
+        </a:effectRef>
+        <a:fontRef idx="minor">
+          <a:schemeClr val="lt1"/>
+        </a:fontRef>
+      </dsp:style>
+      <dsp:txBody>
+        <a:bodyPr spcFirstLastPara="0" vert="horz" wrap="square" lIns="96012" tIns="48006" rIns="24003" bIns="48006" numCol="1" spcCol="1270" anchor="ctr" anchorCtr="0">
+          <a:noAutofit/>
+        </a:bodyPr>
+        <a:lstStyle/>
+        <a:p>
+          <a:pPr lvl="0" algn="ctr" defTabSz="800100">
+            <a:lnSpc>
+              <a:spcPct val="90000"/>
+            </a:lnSpc>
+            <a:spcBef>
+              <a:spcPct val="0"/>
+            </a:spcBef>
+            <a:spcAft>
+              <a:spcPct val="35000"/>
+            </a:spcAft>
+          </a:pPr>
+          <a:r>
+            <a:rPr lang="fr-FR" sz="1800" kern="1200" dirty="0" smtClean="0"/>
+            <a:t>Sujet</a:t>
+          </a:r>
+          <a:endParaRPr lang="fr-FR" sz="1800" kern="1200" dirty="0"/>
+        </a:p>
+      </dsp:txBody>
+      <dsp:txXfrm>
+        <a:off x="1434" y="0"/>
+        <a:ext cx="2713127" cy="336884"/>
+      </dsp:txXfrm>
+    </dsp:sp>
+    <dsp:sp modelId="{BF36116C-7362-4FBA-B493-4C2CC2BF6976}">
+      <dsp:nvSpPr>
+        <dsp:cNvPr id="0" name=""/>
+        <dsp:cNvSpPr/>
+      </dsp:nvSpPr>
+      <dsp:spPr>
+        <a:xfrm>
+          <a:off x="2239313" y="0"/>
+          <a:ext cx="2797348" cy="336884"/>
+        </a:xfrm>
+        <a:prstGeom prst="chevron">
+          <a:avLst/>
+        </a:prstGeom>
+        <a:solidFill>
+          <a:schemeClr val="accent3">
+            <a:hueOff val="0"/>
+            <a:satOff val="0"/>
+            <a:lumOff val="0"/>
+            <a:alphaOff val="0"/>
+          </a:schemeClr>
+        </a:solidFill>
+        <a:ln w="19050" cap="flat" cmpd="sng" algn="ctr">
+          <a:solidFill>
+            <a:schemeClr val="lt1">
+              <a:hueOff val="0"/>
+              <a:satOff val="0"/>
+              <a:lumOff val="0"/>
+              <a:alphaOff val="0"/>
+            </a:schemeClr>
+          </a:solidFill>
+          <a:prstDash val="solid"/>
+        </a:ln>
+        <a:effectLst/>
+      </dsp:spPr>
+      <dsp:style>
+        <a:lnRef idx="3">
+          <a:scrgbClr r="0" g="0" b="0"/>
+        </a:lnRef>
+        <a:fillRef idx="1">
+          <a:scrgbClr r="0" g="0" b="0"/>
+        </a:fillRef>
+        <a:effectRef idx="1">
+          <a:scrgbClr r="0" g="0" b="0"/>
+        </a:effectRef>
+        <a:fontRef idx="minor">
+          <a:schemeClr val="lt1"/>
+        </a:fontRef>
+      </dsp:style>
+      <dsp:txBody>
+        <a:bodyPr spcFirstLastPara="0" vert="horz" wrap="square" lIns="72009" tIns="48006" rIns="24003" bIns="48006" numCol="1" spcCol="1270" anchor="ctr" anchorCtr="0">
+          <a:noAutofit/>
+        </a:bodyPr>
+        <a:lstStyle/>
+        <a:p>
+          <a:pPr lvl="0" algn="ctr" defTabSz="800100">
+            <a:lnSpc>
+              <a:spcPct val="90000"/>
+            </a:lnSpc>
+            <a:spcBef>
+              <a:spcPct val="0"/>
+            </a:spcBef>
+            <a:spcAft>
+              <a:spcPct val="35000"/>
+            </a:spcAft>
+          </a:pPr>
+          <a:r>
+            <a:rPr lang="fr-FR" sz="1800" kern="1200" dirty="0" smtClean="0"/>
+            <a:t>Méthodologie</a:t>
+          </a:r>
+          <a:endParaRPr lang="fr-FR" sz="1800" kern="1200" dirty="0"/>
+        </a:p>
+      </dsp:txBody>
+      <dsp:txXfrm>
+        <a:off x="2407755" y="0"/>
+        <a:ext cx="2460464" cy="336884"/>
+      </dsp:txXfrm>
+    </dsp:sp>
+    <dsp:sp modelId="{10103450-6A68-475F-A740-88D1385D49F4}">
+      <dsp:nvSpPr>
+        <dsp:cNvPr id="0" name=""/>
+        <dsp:cNvSpPr/>
+      </dsp:nvSpPr>
+      <dsp:spPr>
+        <a:xfrm>
+          <a:off x="4477192" y="0"/>
+          <a:ext cx="2797348" cy="336884"/>
+        </a:xfrm>
+        <a:prstGeom prst="chevron">
+          <a:avLst/>
+        </a:prstGeom>
+        <a:solidFill>
+          <a:schemeClr val="accent4">
+            <a:hueOff val="0"/>
+            <a:satOff val="0"/>
+            <a:lumOff val="0"/>
+            <a:alphaOff val="0"/>
+          </a:schemeClr>
+        </a:solidFill>
+        <a:ln w="19050" cap="flat" cmpd="sng" algn="ctr">
+          <a:solidFill>
+            <a:schemeClr val="lt1">
+              <a:hueOff val="0"/>
+              <a:satOff val="0"/>
+              <a:lumOff val="0"/>
+              <a:alphaOff val="0"/>
+            </a:schemeClr>
+          </a:solidFill>
+          <a:prstDash val="solid"/>
+        </a:ln>
+        <a:effectLst/>
+      </dsp:spPr>
+      <dsp:style>
+        <a:lnRef idx="3">
+          <a:scrgbClr r="0" g="0" b="0"/>
+        </a:lnRef>
+        <a:fillRef idx="1">
+          <a:scrgbClr r="0" g="0" b="0"/>
+        </a:fillRef>
+        <a:effectRef idx="1">
+          <a:scrgbClr r="0" g="0" b="0"/>
+        </a:effectRef>
+        <a:fontRef idx="minor">
+          <a:schemeClr val="lt1"/>
+        </a:fontRef>
+      </dsp:style>
+      <dsp:txBody>
+        <a:bodyPr spcFirstLastPara="0" vert="horz" wrap="square" lIns="96012" tIns="64008" rIns="32004" bIns="64008" numCol="1" spcCol="1270" anchor="ctr" anchorCtr="0">
+          <a:noAutofit/>
+        </a:bodyPr>
+        <a:lstStyle/>
+        <a:p>
+          <a:pPr lvl="0" algn="ctr" defTabSz="1066800">
+            <a:lnSpc>
+              <a:spcPct val="90000"/>
+            </a:lnSpc>
+            <a:spcBef>
+              <a:spcPct val="0"/>
+            </a:spcBef>
+            <a:spcAft>
+              <a:spcPct val="35000"/>
+            </a:spcAft>
+          </a:pPr>
+          <a:r>
+            <a:rPr lang="fr-FR" sz="2400" i="1" kern="1200" dirty="0" smtClean="0"/>
+            <a:t>Conception</a:t>
+          </a:r>
+          <a:endParaRPr lang="fr-FR" sz="2400" i="1" kern="1200" dirty="0"/>
+        </a:p>
+      </dsp:txBody>
+      <dsp:txXfrm>
+        <a:off x="4645634" y="0"/>
+        <a:ext cx="2460464" cy="336884"/>
+      </dsp:txXfrm>
+    </dsp:sp>
+    <dsp:sp modelId="{8550E3DC-F81D-4ADB-96EF-9C933F38F645}">
+      <dsp:nvSpPr>
+        <dsp:cNvPr id="0" name=""/>
+        <dsp:cNvSpPr/>
+      </dsp:nvSpPr>
+      <dsp:spPr>
+        <a:xfrm>
+          <a:off x="6715071" y="0"/>
+          <a:ext cx="2797348" cy="336884"/>
+        </a:xfrm>
+        <a:prstGeom prst="chevron">
+          <a:avLst/>
+        </a:prstGeom>
+        <a:solidFill>
+          <a:schemeClr val="accent5">
+            <a:hueOff val="0"/>
+            <a:satOff val="0"/>
+            <a:lumOff val="0"/>
+            <a:alphaOff val="0"/>
+          </a:schemeClr>
+        </a:solidFill>
+        <a:ln w="19050" cap="flat" cmpd="sng" algn="ctr">
+          <a:solidFill>
+            <a:schemeClr val="lt1">
+              <a:hueOff val="0"/>
+              <a:satOff val="0"/>
+              <a:lumOff val="0"/>
+              <a:alphaOff val="0"/>
+            </a:schemeClr>
+          </a:solidFill>
+          <a:prstDash val="solid"/>
+        </a:ln>
+        <a:effectLst/>
+      </dsp:spPr>
+      <dsp:style>
+        <a:lnRef idx="3">
+          <a:scrgbClr r="0" g="0" b="0"/>
+        </a:lnRef>
+        <a:fillRef idx="1">
+          <a:scrgbClr r="0" g="0" b="0"/>
+        </a:fillRef>
+        <a:effectRef idx="1">
+          <a:scrgbClr r="0" g="0" b="0"/>
+        </a:effectRef>
+        <a:fontRef idx="minor">
+          <a:schemeClr val="lt1"/>
+        </a:fontRef>
+      </dsp:style>
+      <dsp:txBody>
+        <a:bodyPr spcFirstLastPara="0" vert="horz" wrap="square" lIns="72009" tIns="48006" rIns="24003" bIns="48006" numCol="1" spcCol="1270" anchor="ctr" anchorCtr="0">
+          <a:noAutofit/>
+        </a:bodyPr>
+        <a:lstStyle/>
+        <a:p>
+          <a:pPr lvl="0" algn="ctr" defTabSz="800100">
+            <a:lnSpc>
+              <a:spcPct val="90000"/>
+            </a:lnSpc>
+            <a:spcBef>
+              <a:spcPct val="0"/>
+            </a:spcBef>
+            <a:spcAft>
+              <a:spcPct val="35000"/>
+            </a:spcAft>
+          </a:pPr>
+          <a:r>
+            <a:rPr lang="fr-FR" sz="1800" kern="1200" dirty="0" smtClean="0"/>
+            <a:t>Bilan</a:t>
+          </a:r>
+          <a:endParaRPr lang="fr-FR" sz="1800" kern="1200" dirty="0"/>
+        </a:p>
+      </dsp:txBody>
+      <dsp:txXfrm>
+        <a:off x="6883513" y="0"/>
+        <a:ext cx="2460464" cy="336884"/>
+      </dsp:txXfrm>
+    </dsp:sp>
+    <dsp:sp modelId="{0CC8E1C3-4157-4992-BCEB-C1333A5D98B4}">
+      <dsp:nvSpPr>
+        <dsp:cNvPr id="0" name=""/>
+        <dsp:cNvSpPr/>
+      </dsp:nvSpPr>
+      <dsp:spPr>
+        <a:xfrm>
+          <a:off x="8952950" y="0"/>
+          <a:ext cx="2797348" cy="336884"/>
+        </a:xfrm>
+        <a:prstGeom prst="chevron">
+          <a:avLst/>
+        </a:prstGeom>
+        <a:solidFill>
+          <a:schemeClr val="accent6">
+            <a:hueOff val="0"/>
+            <a:satOff val="0"/>
+            <a:lumOff val="0"/>
+            <a:alphaOff val="0"/>
+          </a:schemeClr>
+        </a:solidFill>
+        <a:ln w="19050" cap="flat" cmpd="sng" algn="ctr">
+          <a:solidFill>
+            <a:schemeClr val="lt1">
+              <a:hueOff val="0"/>
+              <a:satOff val="0"/>
+              <a:lumOff val="0"/>
+              <a:alphaOff val="0"/>
+            </a:schemeClr>
+          </a:solidFill>
+          <a:prstDash val="solid"/>
+        </a:ln>
+        <a:effectLst/>
+      </dsp:spPr>
+      <dsp:style>
+        <a:lnRef idx="3">
+          <a:scrgbClr r="0" g="0" b="0"/>
+        </a:lnRef>
+        <a:fillRef idx="1">
+          <a:scrgbClr r="0" g="0" b="0"/>
+        </a:fillRef>
+        <a:effectRef idx="1">
+          <a:scrgbClr r="0" g="0" b="0"/>
+        </a:effectRef>
+        <a:fontRef idx="minor">
+          <a:schemeClr val="lt1"/>
+        </a:fontRef>
+      </dsp:style>
+      <dsp:txBody>
+        <a:bodyPr spcFirstLastPara="0" vert="horz" wrap="square" lIns="72009" tIns="48006" rIns="24003" bIns="48006" numCol="1" spcCol="1270" anchor="ctr" anchorCtr="0">
+          <a:noAutofit/>
+        </a:bodyPr>
+        <a:lstStyle/>
+        <a:p>
+          <a:pPr lvl="0" algn="ctr" defTabSz="800100">
+            <a:lnSpc>
+              <a:spcPct val="90000"/>
+            </a:lnSpc>
+            <a:spcBef>
+              <a:spcPct val="0"/>
+            </a:spcBef>
+            <a:spcAft>
+              <a:spcPct val="35000"/>
+            </a:spcAft>
+          </a:pPr>
+          <a:r>
+            <a:rPr lang="fr-FR" sz="1800" kern="1200" dirty="0" smtClean="0"/>
+            <a:t>Démonstration</a:t>
+          </a:r>
+          <a:endParaRPr lang="fr-FR" sz="1800" kern="1200" dirty="0"/>
+        </a:p>
+      </dsp:txBody>
+      <dsp:txXfrm>
+        <a:off x="9121392" y="0"/>
+        <a:ext cx="2460464" cy="336884"/>
+      </dsp:txXfrm>
+    </dsp:sp>
   </dsp:spTree>
 </dsp:drawing>
 </file>
@@ -17293,6 +20381,391 @@
       <dsp:cNvGrpSpPr/>
     </dsp:nvGrpSpPr>
     <dsp:grpSpPr/>
+    <dsp:sp modelId="{432CD230-FEE0-4209-A1E2-E14178F8D4D8}">
+      <dsp:nvSpPr>
+        <dsp:cNvPr id="0" name=""/>
+        <dsp:cNvSpPr/>
+      </dsp:nvSpPr>
+      <dsp:spPr>
+        <a:xfrm>
+          <a:off x="1434" y="0"/>
+          <a:ext cx="2797348" cy="336884"/>
+        </a:xfrm>
+        <a:prstGeom prst="homePlate">
+          <a:avLst/>
+        </a:prstGeom>
+        <a:solidFill>
+          <a:schemeClr val="accent2">
+            <a:hueOff val="0"/>
+            <a:satOff val="0"/>
+            <a:lumOff val="0"/>
+            <a:alphaOff val="0"/>
+          </a:schemeClr>
+        </a:solidFill>
+        <a:ln w="19050" cap="flat" cmpd="sng" algn="ctr">
+          <a:solidFill>
+            <a:schemeClr val="lt1">
+              <a:hueOff val="0"/>
+              <a:satOff val="0"/>
+              <a:lumOff val="0"/>
+              <a:alphaOff val="0"/>
+            </a:schemeClr>
+          </a:solidFill>
+          <a:prstDash val="solid"/>
+        </a:ln>
+        <a:effectLst/>
+      </dsp:spPr>
+      <dsp:style>
+        <a:lnRef idx="3">
+          <a:scrgbClr r="0" g="0" b="0"/>
+        </a:lnRef>
+        <a:fillRef idx="1">
+          <a:scrgbClr r="0" g="0" b="0"/>
+        </a:fillRef>
+        <a:effectRef idx="1">
+          <a:scrgbClr r="0" g="0" b="0"/>
+        </a:effectRef>
+        <a:fontRef idx="minor">
+          <a:schemeClr val="lt1"/>
+        </a:fontRef>
+      </dsp:style>
+      <dsp:txBody>
+        <a:bodyPr spcFirstLastPara="0" vert="horz" wrap="square" lIns="96012" tIns="48006" rIns="24003" bIns="48006" numCol="1" spcCol="1270" anchor="ctr" anchorCtr="0">
+          <a:noAutofit/>
+        </a:bodyPr>
+        <a:lstStyle/>
+        <a:p>
+          <a:pPr lvl="0" algn="ctr" defTabSz="800100">
+            <a:lnSpc>
+              <a:spcPct val="90000"/>
+            </a:lnSpc>
+            <a:spcBef>
+              <a:spcPct val="0"/>
+            </a:spcBef>
+            <a:spcAft>
+              <a:spcPct val="35000"/>
+            </a:spcAft>
+          </a:pPr>
+          <a:r>
+            <a:rPr lang="fr-FR" sz="1800" kern="1200" dirty="0" smtClean="0"/>
+            <a:t>Sujet</a:t>
+          </a:r>
+          <a:endParaRPr lang="fr-FR" sz="1800" kern="1200" dirty="0"/>
+        </a:p>
+      </dsp:txBody>
+      <dsp:txXfrm>
+        <a:off x="1434" y="0"/>
+        <a:ext cx="2713127" cy="336884"/>
+      </dsp:txXfrm>
+    </dsp:sp>
+    <dsp:sp modelId="{BF36116C-7362-4FBA-B493-4C2CC2BF6976}">
+      <dsp:nvSpPr>
+        <dsp:cNvPr id="0" name=""/>
+        <dsp:cNvSpPr/>
+      </dsp:nvSpPr>
+      <dsp:spPr>
+        <a:xfrm>
+          <a:off x="2239313" y="0"/>
+          <a:ext cx="2797348" cy="336884"/>
+        </a:xfrm>
+        <a:prstGeom prst="chevron">
+          <a:avLst/>
+        </a:prstGeom>
+        <a:solidFill>
+          <a:schemeClr val="accent3">
+            <a:hueOff val="0"/>
+            <a:satOff val="0"/>
+            <a:lumOff val="0"/>
+            <a:alphaOff val="0"/>
+          </a:schemeClr>
+        </a:solidFill>
+        <a:ln w="19050" cap="flat" cmpd="sng" algn="ctr">
+          <a:solidFill>
+            <a:schemeClr val="lt1">
+              <a:hueOff val="0"/>
+              <a:satOff val="0"/>
+              <a:lumOff val="0"/>
+              <a:alphaOff val="0"/>
+            </a:schemeClr>
+          </a:solidFill>
+          <a:prstDash val="solid"/>
+        </a:ln>
+        <a:effectLst/>
+      </dsp:spPr>
+      <dsp:style>
+        <a:lnRef idx="3">
+          <a:scrgbClr r="0" g="0" b="0"/>
+        </a:lnRef>
+        <a:fillRef idx="1">
+          <a:scrgbClr r="0" g="0" b="0"/>
+        </a:fillRef>
+        <a:effectRef idx="1">
+          <a:scrgbClr r="0" g="0" b="0"/>
+        </a:effectRef>
+        <a:fontRef idx="minor">
+          <a:schemeClr val="lt1"/>
+        </a:fontRef>
+      </dsp:style>
+      <dsp:txBody>
+        <a:bodyPr spcFirstLastPara="0" vert="horz" wrap="square" lIns="72009" tIns="48006" rIns="24003" bIns="48006" numCol="1" spcCol="1270" anchor="ctr" anchorCtr="0">
+          <a:noAutofit/>
+        </a:bodyPr>
+        <a:lstStyle/>
+        <a:p>
+          <a:pPr lvl="0" algn="ctr" defTabSz="800100">
+            <a:lnSpc>
+              <a:spcPct val="90000"/>
+            </a:lnSpc>
+            <a:spcBef>
+              <a:spcPct val="0"/>
+            </a:spcBef>
+            <a:spcAft>
+              <a:spcPct val="35000"/>
+            </a:spcAft>
+          </a:pPr>
+          <a:r>
+            <a:rPr lang="fr-FR" sz="1800" kern="1200" dirty="0" smtClean="0"/>
+            <a:t>Méthodologie</a:t>
+          </a:r>
+          <a:endParaRPr lang="fr-FR" sz="1800" kern="1200" dirty="0"/>
+        </a:p>
+      </dsp:txBody>
+      <dsp:txXfrm>
+        <a:off x="2407755" y="0"/>
+        <a:ext cx="2460464" cy="336884"/>
+      </dsp:txXfrm>
+    </dsp:sp>
+    <dsp:sp modelId="{10103450-6A68-475F-A740-88D1385D49F4}">
+      <dsp:nvSpPr>
+        <dsp:cNvPr id="0" name=""/>
+        <dsp:cNvSpPr/>
+      </dsp:nvSpPr>
+      <dsp:spPr>
+        <a:xfrm>
+          <a:off x="4477192" y="0"/>
+          <a:ext cx="2797348" cy="336884"/>
+        </a:xfrm>
+        <a:prstGeom prst="chevron">
+          <a:avLst/>
+        </a:prstGeom>
+        <a:solidFill>
+          <a:schemeClr val="accent4">
+            <a:hueOff val="0"/>
+            <a:satOff val="0"/>
+            <a:lumOff val="0"/>
+            <a:alphaOff val="0"/>
+          </a:schemeClr>
+        </a:solidFill>
+        <a:ln w="19050" cap="flat" cmpd="sng" algn="ctr">
+          <a:solidFill>
+            <a:schemeClr val="lt1">
+              <a:hueOff val="0"/>
+              <a:satOff val="0"/>
+              <a:lumOff val="0"/>
+              <a:alphaOff val="0"/>
+            </a:schemeClr>
+          </a:solidFill>
+          <a:prstDash val="solid"/>
+        </a:ln>
+        <a:effectLst/>
+      </dsp:spPr>
+      <dsp:style>
+        <a:lnRef idx="3">
+          <a:scrgbClr r="0" g="0" b="0"/>
+        </a:lnRef>
+        <a:fillRef idx="1">
+          <a:scrgbClr r="0" g="0" b="0"/>
+        </a:fillRef>
+        <a:effectRef idx="1">
+          <a:scrgbClr r="0" g="0" b="0"/>
+        </a:effectRef>
+        <a:fontRef idx="minor">
+          <a:schemeClr val="lt1"/>
+        </a:fontRef>
+      </dsp:style>
+      <dsp:txBody>
+        <a:bodyPr spcFirstLastPara="0" vert="horz" wrap="square" lIns="96012" tIns="64008" rIns="32004" bIns="64008" numCol="1" spcCol="1270" anchor="ctr" anchorCtr="0">
+          <a:noAutofit/>
+        </a:bodyPr>
+        <a:lstStyle/>
+        <a:p>
+          <a:pPr lvl="0" algn="ctr" defTabSz="1066800">
+            <a:lnSpc>
+              <a:spcPct val="90000"/>
+            </a:lnSpc>
+            <a:spcBef>
+              <a:spcPct val="0"/>
+            </a:spcBef>
+            <a:spcAft>
+              <a:spcPct val="35000"/>
+            </a:spcAft>
+          </a:pPr>
+          <a:r>
+            <a:rPr lang="fr-FR" sz="2400" i="1" kern="1200" dirty="0" smtClean="0"/>
+            <a:t>Conception</a:t>
+          </a:r>
+          <a:endParaRPr lang="fr-FR" sz="1800" i="1" kern="1200" dirty="0"/>
+        </a:p>
+      </dsp:txBody>
+      <dsp:txXfrm>
+        <a:off x="4645634" y="0"/>
+        <a:ext cx="2460464" cy="336884"/>
+      </dsp:txXfrm>
+    </dsp:sp>
+    <dsp:sp modelId="{8550E3DC-F81D-4ADB-96EF-9C933F38F645}">
+      <dsp:nvSpPr>
+        <dsp:cNvPr id="0" name=""/>
+        <dsp:cNvSpPr/>
+      </dsp:nvSpPr>
+      <dsp:spPr>
+        <a:xfrm>
+          <a:off x="6715071" y="0"/>
+          <a:ext cx="2797348" cy="336884"/>
+        </a:xfrm>
+        <a:prstGeom prst="chevron">
+          <a:avLst/>
+        </a:prstGeom>
+        <a:solidFill>
+          <a:schemeClr val="accent5">
+            <a:hueOff val="0"/>
+            <a:satOff val="0"/>
+            <a:lumOff val="0"/>
+            <a:alphaOff val="0"/>
+          </a:schemeClr>
+        </a:solidFill>
+        <a:ln w="19050" cap="flat" cmpd="sng" algn="ctr">
+          <a:solidFill>
+            <a:schemeClr val="lt1">
+              <a:hueOff val="0"/>
+              <a:satOff val="0"/>
+              <a:lumOff val="0"/>
+              <a:alphaOff val="0"/>
+            </a:schemeClr>
+          </a:solidFill>
+          <a:prstDash val="solid"/>
+        </a:ln>
+        <a:effectLst/>
+      </dsp:spPr>
+      <dsp:style>
+        <a:lnRef idx="3">
+          <a:scrgbClr r="0" g="0" b="0"/>
+        </a:lnRef>
+        <a:fillRef idx="1">
+          <a:scrgbClr r="0" g="0" b="0"/>
+        </a:fillRef>
+        <a:effectRef idx="1">
+          <a:scrgbClr r="0" g="0" b="0"/>
+        </a:effectRef>
+        <a:fontRef idx="minor">
+          <a:schemeClr val="lt1"/>
+        </a:fontRef>
+      </dsp:style>
+      <dsp:txBody>
+        <a:bodyPr spcFirstLastPara="0" vert="horz" wrap="square" lIns="72009" tIns="48006" rIns="24003" bIns="48006" numCol="1" spcCol="1270" anchor="ctr" anchorCtr="0">
+          <a:noAutofit/>
+        </a:bodyPr>
+        <a:lstStyle/>
+        <a:p>
+          <a:pPr lvl="0" algn="ctr" defTabSz="800100">
+            <a:lnSpc>
+              <a:spcPct val="90000"/>
+            </a:lnSpc>
+            <a:spcBef>
+              <a:spcPct val="0"/>
+            </a:spcBef>
+            <a:spcAft>
+              <a:spcPct val="35000"/>
+            </a:spcAft>
+          </a:pPr>
+          <a:r>
+            <a:rPr lang="fr-FR" sz="1800" kern="1200" dirty="0" smtClean="0"/>
+            <a:t>Bilan</a:t>
+          </a:r>
+          <a:endParaRPr lang="fr-FR" sz="1800" kern="1200" dirty="0"/>
+        </a:p>
+      </dsp:txBody>
+      <dsp:txXfrm>
+        <a:off x="6883513" y="0"/>
+        <a:ext cx="2460464" cy="336884"/>
+      </dsp:txXfrm>
+    </dsp:sp>
+    <dsp:sp modelId="{0CC8E1C3-4157-4992-BCEB-C1333A5D98B4}">
+      <dsp:nvSpPr>
+        <dsp:cNvPr id="0" name=""/>
+        <dsp:cNvSpPr/>
+      </dsp:nvSpPr>
+      <dsp:spPr>
+        <a:xfrm>
+          <a:off x="8952950" y="0"/>
+          <a:ext cx="2797348" cy="336884"/>
+        </a:xfrm>
+        <a:prstGeom prst="chevron">
+          <a:avLst/>
+        </a:prstGeom>
+        <a:solidFill>
+          <a:schemeClr val="accent6">
+            <a:hueOff val="0"/>
+            <a:satOff val="0"/>
+            <a:lumOff val="0"/>
+            <a:alphaOff val="0"/>
+          </a:schemeClr>
+        </a:solidFill>
+        <a:ln w="19050" cap="flat" cmpd="sng" algn="ctr">
+          <a:solidFill>
+            <a:schemeClr val="lt1">
+              <a:hueOff val="0"/>
+              <a:satOff val="0"/>
+              <a:lumOff val="0"/>
+              <a:alphaOff val="0"/>
+            </a:schemeClr>
+          </a:solidFill>
+          <a:prstDash val="solid"/>
+        </a:ln>
+        <a:effectLst/>
+      </dsp:spPr>
+      <dsp:style>
+        <a:lnRef idx="3">
+          <a:scrgbClr r="0" g="0" b="0"/>
+        </a:lnRef>
+        <a:fillRef idx="1">
+          <a:scrgbClr r="0" g="0" b="0"/>
+        </a:fillRef>
+        <a:effectRef idx="1">
+          <a:scrgbClr r="0" g="0" b="0"/>
+        </a:effectRef>
+        <a:fontRef idx="minor">
+          <a:schemeClr val="lt1"/>
+        </a:fontRef>
+      </dsp:style>
+      <dsp:txBody>
+        <a:bodyPr spcFirstLastPara="0" vert="horz" wrap="square" lIns="72009" tIns="48006" rIns="24003" bIns="48006" numCol="1" spcCol="1270" anchor="ctr" anchorCtr="0">
+          <a:noAutofit/>
+        </a:bodyPr>
+        <a:lstStyle/>
+        <a:p>
+          <a:pPr lvl="0" algn="ctr" defTabSz="800100">
+            <a:lnSpc>
+              <a:spcPct val="90000"/>
+            </a:lnSpc>
+            <a:spcBef>
+              <a:spcPct val="0"/>
+            </a:spcBef>
+            <a:spcAft>
+              <a:spcPct val="35000"/>
+            </a:spcAft>
+          </a:pPr>
+          <a:r>
+            <a:rPr lang="fr-FR" sz="1800" kern="1200" dirty="0" smtClean="0"/>
+            <a:t>Démonstration</a:t>
+          </a:r>
+          <a:endParaRPr lang="fr-FR" sz="1800" kern="1200" dirty="0"/>
+        </a:p>
+      </dsp:txBody>
+      <dsp:txXfrm>
+        <a:off x="9121392" y="0"/>
+        <a:ext cx="2460464" cy="336884"/>
+      </dsp:txXfrm>
+    </dsp:sp>
   </dsp:spTree>
 </dsp:drawing>
 </file>
@@ -17305,6 +20778,441 @@
       <dsp:cNvGrpSpPr/>
     </dsp:nvGrpSpPr>
     <dsp:grpSpPr/>
+    <dsp:sp modelId="{46D52CB1-90CD-4843-962A-327EBB494F61}">
+      <dsp:nvSpPr>
+        <dsp:cNvPr id="0" name=""/>
+        <dsp:cNvSpPr/>
+      </dsp:nvSpPr>
+      <dsp:spPr>
+        <a:xfrm>
+          <a:off x="1954762" y="555"/>
+          <a:ext cx="1354581" cy="1354581"/>
+        </a:xfrm>
+        <a:prstGeom prst="ellipse">
+          <a:avLst/>
+        </a:prstGeom>
+        <a:solidFill>
+          <a:schemeClr val="accent4">
+            <a:hueOff val="0"/>
+            <a:satOff val="0"/>
+            <a:lumOff val="0"/>
+            <a:alphaOff val="0"/>
+          </a:schemeClr>
+        </a:solidFill>
+        <a:ln w="15875" cap="flat" cmpd="sng" algn="ctr">
+          <a:solidFill>
+            <a:schemeClr val="lt1">
+              <a:hueOff val="0"/>
+              <a:satOff val="0"/>
+              <a:lumOff val="0"/>
+              <a:alphaOff val="0"/>
+            </a:schemeClr>
+          </a:solidFill>
+          <a:prstDash val="solid"/>
+        </a:ln>
+        <a:effectLst/>
+      </dsp:spPr>
+      <dsp:style>
+        <a:lnRef idx="2">
+          <a:scrgbClr r="0" g="0" b="0"/>
+        </a:lnRef>
+        <a:fillRef idx="1">
+          <a:scrgbClr r="0" g="0" b="0"/>
+        </a:fillRef>
+        <a:effectRef idx="0">
+          <a:scrgbClr r="0" g="0" b="0"/>
+        </a:effectRef>
+        <a:fontRef idx="minor">
+          <a:schemeClr val="lt1"/>
+        </a:fontRef>
+      </dsp:style>
+      <dsp:txBody>
+        <a:bodyPr spcFirstLastPara="0" vert="horz" wrap="square" lIns="21590" tIns="21590" rIns="21590" bIns="21590" numCol="1" spcCol="1270" anchor="ctr" anchorCtr="0">
+          <a:noAutofit/>
+        </a:bodyPr>
+        <a:lstStyle/>
+        <a:p>
+          <a:pPr lvl="0" algn="ctr" defTabSz="755650">
+            <a:lnSpc>
+              <a:spcPct val="90000"/>
+            </a:lnSpc>
+            <a:spcBef>
+              <a:spcPct val="0"/>
+            </a:spcBef>
+            <a:spcAft>
+              <a:spcPct val="35000"/>
+            </a:spcAft>
+          </a:pPr>
+          <a:r>
+            <a:rPr lang="fr-FR" sz="1700" kern="1200" dirty="0" err="1" smtClean="0"/>
+            <a:t>Modele</a:t>
+          </a:r>
+          <a:endParaRPr lang="fr-FR" sz="1700" kern="1200" dirty="0"/>
+        </a:p>
+      </dsp:txBody>
+      <dsp:txXfrm>
+        <a:off x="2153136" y="198929"/>
+        <a:ext cx="957833" cy="957833"/>
+      </dsp:txXfrm>
+    </dsp:sp>
+    <dsp:sp modelId="{9496A391-C714-4626-AF79-25E9488D0CF7}">
+      <dsp:nvSpPr>
+        <dsp:cNvPr id="0" name=""/>
+        <dsp:cNvSpPr/>
+      </dsp:nvSpPr>
+      <dsp:spPr>
+        <a:xfrm rot="3600000">
+          <a:off x="2955459" y="1320292"/>
+          <a:ext cx="358968" cy="457171"/>
+        </a:xfrm>
+        <a:prstGeom prst="rightArrow">
+          <a:avLst>
+            <a:gd name="adj1" fmla="val 60000"/>
+            <a:gd name="adj2" fmla="val 50000"/>
+          </a:avLst>
+        </a:prstGeom>
+        <a:solidFill>
+          <a:schemeClr val="accent4">
+            <a:hueOff val="0"/>
+            <a:satOff val="0"/>
+            <a:lumOff val="0"/>
+            <a:alphaOff val="0"/>
+          </a:schemeClr>
+        </a:solidFill>
+        <a:ln>
+          <a:noFill/>
+        </a:ln>
+        <a:effectLst/>
+      </dsp:spPr>
+      <dsp:style>
+        <a:lnRef idx="0">
+          <a:scrgbClr r="0" g="0" b="0"/>
+        </a:lnRef>
+        <a:fillRef idx="1">
+          <a:scrgbClr r="0" g="0" b="0"/>
+        </a:fillRef>
+        <a:effectRef idx="0">
+          <a:scrgbClr r="0" g="0" b="0"/>
+        </a:effectRef>
+        <a:fontRef idx="minor">
+          <a:schemeClr val="lt1"/>
+        </a:fontRef>
+      </dsp:style>
+      <dsp:txBody>
+        <a:bodyPr spcFirstLastPara="0" vert="horz" wrap="square" lIns="0" tIns="0" rIns="0" bIns="0" numCol="1" spcCol="1270" anchor="ctr" anchorCtr="0">
+          <a:noAutofit/>
+        </a:bodyPr>
+        <a:lstStyle/>
+        <a:p>
+          <a:pPr lvl="0" algn="ctr" defTabSz="622300">
+            <a:lnSpc>
+              <a:spcPct val="90000"/>
+            </a:lnSpc>
+            <a:spcBef>
+              <a:spcPct val="0"/>
+            </a:spcBef>
+            <a:spcAft>
+              <a:spcPct val="35000"/>
+            </a:spcAft>
+          </a:pPr>
+          <a:endParaRPr lang="fr-FR" sz="1400" kern="1200"/>
+        </a:p>
+      </dsp:txBody>
+      <dsp:txXfrm>
+        <a:off x="2982382" y="1365095"/>
+        <a:ext cx="251278" cy="274303"/>
+      </dsp:txXfrm>
+    </dsp:sp>
+    <dsp:sp modelId="{EEA101B2-B466-41E8-905E-173094F354F0}">
+      <dsp:nvSpPr>
+        <dsp:cNvPr id="0" name=""/>
+        <dsp:cNvSpPr/>
+      </dsp:nvSpPr>
+      <dsp:spPr>
+        <a:xfrm>
+          <a:off x="2970702" y="1760216"/>
+          <a:ext cx="1354581" cy="1354581"/>
+        </a:xfrm>
+        <a:prstGeom prst="ellipse">
+          <a:avLst/>
+        </a:prstGeom>
+        <a:solidFill>
+          <a:schemeClr val="accent4">
+            <a:hueOff val="4458342"/>
+            <a:satOff val="-21334"/>
+            <a:lumOff val="7942"/>
+            <a:alphaOff val="0"/>
+          </a:schemeClr>
+        </a:solidFill>
+        <a:ln w="15875" cap="flat" cmpd="sng" algn="ctr">
+          <a:solidFill>
+            <a:schemeClr val="lt1">
+              <a:hueOff val="0"/>
+              <a:satOff val="0"/>
+              <a:lumOff val="0"/>
+              <a:alphaOff val="0"/>
+            </a:schemeClr>
+          </a:solidFill>
+          <a:prstDash val="solid"/>
+        </a:ln>
+        <a:effectLst/>
+      </dsp:spPr>
+      <dsp:style>
+        <a:lnRef idx="2">
+          <a:scrgbClr r="0" g="0" b="0"/>
+        </a:lnRef>
+        <a:fillRef idx="1">
+          <a:scrgbClr r="0" g="0" b="0"/>
+        </a:fillRef>
+        <a:effectRef idx="0">
+          <a:scrgbClr r="0" g="0" b="0"/>
+        </a:effectRef>
+        <a:fontRef idx="minor">
+          <a:schemeClr val="lt1"/>
+        </a:fontRef>
+      </dsp:style>
+      <dsp:txBody>
+        <a:bodyPr spcFirstLastPara="0" vert="horz" wrap="square" lIns="21590" tIns="21590" rIns="21590" bIns="21590" numCol="1" spcCol="1270" anchor="ctr" anchorCtr="0">
+          <a:noAutofit/>
+        </a:bodyPr>
+        <a:lstStyle/>
+        <a:p>
+          <a:pPr lvl="0" algn="ctr" defTabSz="755650">
+            <a:lnSpc>
+              <a:spcPct val="90000"/>
+            </a:lnSpc>
+            <a:spcBef>
+              <a:spcPct val="0"/>
+            </a:spcBef>
+            <a:spcAft>
+              <a:spcPct val="35000"/>
+            </a:spcAft>
+          </a:pPr>
+          <a:r>
+            <a:rPr lang="fr-FR" sz="1700" kern="1200" dirty="0" smtClean="0"/>
+            <a:t>Vue</a:t>
+          </a:r>
+          <a:endParaRPr lang="fr-FR" sz="1700" kern="1200" dirty="0"/>
+        </a:p>
+      </dsp:txBody>
+      <dsp:txXfrm>
+        <a:off x="3169076" y="1958590"/>
+        <a:ext cx="957833" cy="957833"/>
+      </dsp:txXfrm>
+    </dsp:sp>
+    <dsp:sp modelId="{70981418-9F6D-4063-BD77-201527E865C4}">
+      <dsp:nvSpPr>
+        <dsp:cNvPr id="0" name=""/>
+        <dsp:cNvSpPr/>
+      </dsp:nvSpPr>
+      <dsp:spPr>
+        <a:xfrm rot="10800000">
+          <a:off x="2462728" y="2208921"/>
+          <a:ext cx="358968" cy="457171"/>
+        </a:xfrm>
+        <a:prstGeom prst="rightArrow">
+          <a:avLst>
+            <a:gd name="adj1" fmla="val 60000"/>
+            <a:gd name="adj2" fmla="val 50000"/>
+          </a:avLst>
+        </a:prstGeom>
+        <a:solidFill>
+          <a:schemeClr val="accent4">
+            <a:hueOff val="4458342"/>
+            <a:satOff val="-21334"/>
+            <a:lumOff val="7942"/>
+            <a:alphaOff val="0"/>
+          </a:schemeClr>
+        </a:solidFill>
+        <a:ln>
+          <a:noFill/>
+        </a:ln>
+        <a:effectLst/>
+      </dsp:spPr>
+      <dsp:style>
+        <a:lnRef idx="0">
+          <a:scrgbClr r="0" g="0" b="0"/>
+        </a:lnRef>
+        <a:fillRef idx="1">
+          <a:scrgbClr r="0" g="0" b="0"/>
+        </a:fillRef>
+        <a:effectRef idx="0">
+          <a:scrgbClr r="0" g="0" b="0"/>
+        </a:effectRef>
+        <a:fontRef idx="minor">
+          <a:schemeClr val="lt1"/>
+        </a:fontRef>
+      </dsp:style>
+      <dsp:txBody>
+        <a:bodyPr spcFirstLastPara="0" vert="horz" wrap="square" lIns="0" tIns="0" rIns="0" bIns="0" numCol="1" spcCol="1270" anchor="ctr" anchorCtr="0">
+          <a:noAutofit/>
+        </a:bodyPr>
+        <a:lstStyle/>
+        <a:p>
+          <a:pPr lvl="0" algn="ctr" defTabSz="622300">
+            <a:lnSpc>
+              <a:spcPct val="90000"/>
+            </a:lnSpc>
+            <a:spcBef>
+              <a:spcPct val="0"/>
+            </a:spcBef>
+            <a:spcAft>
+              <a:spcPct val="35000"/>
+            </a:spcAft>
+          </a:pPr>
+          <a:endParaRPr lang="fr-FR" sz="1400" kern="1200"/>
+        </a:p>
+      </dsp:txBody>
+      <dsp:txXfrm rot="10800000">
+        <a:off x="2570418" y="2300355"/>
+        <a:ext cx="251278" cy="274303"/>
+      </dsp:txXfrm>
+    </dsp:sp>
+    <dsp:sp modelId="{B6FA0B5D-B83D-433C-AB1B-717C2EFA7054}">
+      <dsp:nvSpPr>
+        <dsp:cNvPr id="0" name=""/>
+        <dsp:cNvSpPr/>
+      </dsp:nvSpPr>
+      <dsp:spPr>
+        <a:xfrm>
+          <a:off x="938821" y="1760216"/>
+          <a:ext cx="1354581" cy="1354581"/>
+        </a:xfrm>
+        <a:prstGeom prst="ellipse">
+          <a:avLst/>
+        </a:prstGeom>
+        <a:solidFill>
+          <a:schemeClr val="accent4">
+            <a:hueOff val="8916683"/>
+            <a:satOff val="-42667"/>
+            <a:lumOff val="15883"/>
+            <a:alphaOff val="0"/>
+          </a:schemeClr>
+        </a:solidFill>
+        <a:ln w="15875" cap="flat" cmpd="sng" algn="ctr">
+          <a:solidFill>
+            <a:schemeClr val="lt1">
+              <a:hueOff val="0"/>
+              <a:satOff val="0"/>
+              <a:lumOff val="0"/>
+              <a:alphaOff val="0"/>
+            </a:schemeClr>
+          </a:solidFill>
+          <a:prstDash val="solid"/>
+        </a:ln>
+        <a:effectLst/>
+      </dsp:spPr>
+      <dsp:style>
+        <a:lnRef idx="2">
+          <a:scrgbClr r="0" g="0" b="0"/>
+        </a:lnRef>
+        <a:fillRef idx="1">
+          <a:scrgbClr r="0" g="0" b="0"/>
+        </a:fillRef>
+        <a:effectRef idx="0">
+          <a:scrgbClr r="0" g="0" b="0"/>
+        </a:effectRef>
+        <a:fontRef idx="minor">
+          <a:schemeClr val="lt1"/>
+        </a:fontRef>
+      </dsp:style>
+      <dsp:txBody>
+        <a:bodyPr spcFirstLastPara="0" vert="horz" wrap="square" lIns="21590" tIns="21590" rIns="21590" bIns="21590" numCol="1" spcCol="1270" anchor="ctr" anchorCtr="0">
+          <a:noAutofit/>
+        </a:bodyPr>
+        <a:lstStyle/>
+        <a:p>
+          <a:pPr lvl="0" algn="ctr" defTabSz="755650">
+            <a:lnSpc>
+              <a:spcPct val="90000"/>
+            </a:lnSpc>
+            <a:spcBef>
+              <a:spcPct val="0"/>
+            </a:spcBef>
+            <a:spcAft>
+              <a:spcPct val="35000"/>
+            </a:spcAft>
+          </a:pPr>
+          <a:r>
+            <a:rPr lang="fr-FR" sz="1700" kern="1200" dirty="0" err="1" smtClean="0"/>
+            <a:t>Controleur</a:t>
+          </a:r>
+          <a:endParaRPr lang="fr-FR" sz="1700" kern="1200" dirty="0"/>
+        </a:p>
+      </dsp:txBody>
+      <dsp:txXfrm>
+        <a:off x="1137195" y="1958590"/>
+        <a:ext cx="957833" cy="957833"/>
+      </dsp:txXfrm>
+    </dsp:sp>
+    <dsp:sp modelId="{80761FF3-B1D2-466F-B8A2-C75EE4F098FA}">
+      <dsp:nvSpPr>
+        <dsp:cNvPr id="0" name=""/>
+        <dsp:cNvSpPr/>
+      </dsp:nvSpPr>
+      <dsp:spPr>
+        <a:xfrm rot="18000000">
+          <a:off x="1939518" y="1337889"/>
+          <a:ext cx="358968" cy="457171"/>
+        </a:xfrm>
+        <a:prstGeom prst="rightArrow">
+          <a:avLst>
+            <a:gd name="adj1" fmla="val 60000"/>
+            <a:gd name="adj2" fmla="val 50000"/>
+          </a:avLst>
+        </a:prstGeom>
+        <a:solidFill>
+          <a:schemeClr val="accent4">
+            <a:hueOff val="8916683"/>
+            <a:satOff val="-42667"/>
+            <a:lumOff val="15883"/>
+            <a:alphaOff val="0"/>
+          </a:schemeClr>
+        </a:solidFill>
+        <a:ln>
+          <a:noFill/>
+        </a:ln>
+        <a:effectLst/>
+      </dsp:spPr>
+      <dsp:style>
+        <a:lnRef idx="0">
+          <a:scrgbClr r="0" g="0" b="0"/>
+        </a:lnRef>
+        <a:fillRef idx="1">
+          <a:scrgbClr r="0" g="0" b="0"/>
+        </a:fillRef>
+        <a:effectRef idx="0">
+          <a:scrgbClr r="0" g="0" b="0"/>
+        </a:effectRef>
+        <a:fontRef idx="minor">
+          <a:schemeClr val="lt1"/>
+        </a:fontRef>
+      </dsp:style>
+      <dsp:txBody>
+        <a:bodyPr spcFirstLastPara="0" vert="horz" wrap="square" lIns="0" tIns="0" rIns="0" bIns="0" numCol="1" spcCol="1270" anchor="ctr" anchorCtr="0">
+          <a:noAutofit/>
+        </a:bodyPr>
+        <a:lstStyle/>
+        <a:p>
+          <a:pPr lvl="0" algn="ctr" defTabSz="622300">
+            <a:lnSpc>
+              <a:spcPct val="90000"/>
+            </a:lnSpc>
+            <a:spcBef>
+              <a:spcPct val="0"/>
+            </a:spcBef>
+            <a:spcAft>
+              <a:spcPct val="35000"/>
+            </a:spcAft>
+          </a:pPr>
+          <a:endParaRPr lang="fr-FR" sz="1400" kern="1200"/>
+        </a:p>
+      </dsp:txBody>
+      <dsp:txXfrm>
+        <a:off x="1966441" y="1475954"/>
+        <a:ext cx="251278" cy="274303"/>
+      </dsp:txXfrm>
+    </dsp:sp>
   </dsp:spTree>
 </dsp:drawing>
 </file>
@@ -17317,6 +21225,391 @@
       <dsp:cNvGrpSpPr/>
     </dsp:nvGrpSpPr>
     <dsp:grpSpPr/>
+    <dsp:sp modelId="{432CD230-FEE0-4209-A1E2-E14178F8D4D8}">
+      <dsp:nvSpPr>
+        <dsp:cNvPr id="0" name=""/>
+        <dsp:cNvSpPr/>
+      </dsp:nvSpPr>
+      <dsp:spPr>
+        <a:xfrm>
+          <a:off x="1434" y="0"/>
+          <a:ext cx="2797348" cy="336884"/>
+        </a:xfrm>
+        <a:prstGeom prst="homePlate">
+          <a:avLst/>
+        </a:prstGeom>
+        <a:solidFill>
+          <a:schemeClr val="accent2">
+            <a:hueOff val="0"/>
+            <a:satOff val="0"/>
+            <a:lumOff val="0"/>
+            <a:alphaOff val="0"/>
+          </a:schemeClr>
+        </a:solidFill>
+        <a:ln w="19050" cap="flat" cmpd="sng" algn="ctr">
+          <a:solidFill>
+            <a:schemeClr val="lt1">
+              <a:hueOff val="0"/>
+              <a:satOff val="0"/>
+              <a:lumOff val="0"/>
+              <a:alphaOff val="0"/>
+            </a:schemeClr>
+          </a:solidFill>
+          <a:prstDash val="solid"/>
+        </a:ln>
+        <a:effectLst/>
+      </dsp:spPr>
+      <dsp:style>
+        <a:lnRef idx="3">
+          <a:scrgbClr r="0" g="0" b="0"/>
+        </a:lnRef>
+        <a:fillRef idx="1">
+          <a:scrgbClr r="0" g="0" b="0"/>
+        </a:fillRef>
+        <a:effectRef idx="1">
+          <a:scrgbClr r="0" g="0" b="0"/>
+        </a:effectRef>
+        <a:fontRef idx="minor">
+          <a:schemeClr val="lt1"/>
+        </a:fontRef>
+      </dsp:style>
+      <dsp:txBody>
+        <a:bodyPr spcFirstLastPara="0" vert="horz" wrap="square" lIns="96012" tIns="48006" rIns="24003" bIns="48006" numCol="1" spcCol="1270" anchor="ctr" anchorCtr="0">
+          <a:noAutofit/>
+        </a:bodyPr>
+        <a:lstStyle/>
+        <a:p>
+          <a:pPr lvl="0" algn="ctr" defTabSz="800100">
+            <a:lnSpc>
+              <a:spcPct val="90000"/>
+            </a:lnSpc>
+            <a:spcBef>
+              <a:spcPct val="0"/>
+            </a:spcBef>
+            <a:spcAft>
+              <a:spcPct val="35000"/>
+            </a:spcAft>
+          </a:pPr>
+          <a:r>
+            <a:rPr lang="fr-FR" sz="1800" kern="1200" dirty="0" smtClean="0"/>
+            <a:t>Sujet</a:t>
+          </a:r>
+          <a:endParaRPr lang="fr-FR" sz="1800" kern="1200" dirty="0"/>
+        </a:p>
+      </dsp:txBody>
+      <dsp:txXfrm>
+        <a:off x="1434" y="0"/>
+        <a:ext cx="2713127" cy="336884"/>
+      </dsp:txXfrm>
+    </dsp:sp>
+    <dsp:sp modelId="{BF36116C-7362-4FBA-B493-4C2CC2BF6976}">
+      <dsp:nvSpPr>
+        <dsp:cNvPr id="0" name=""/>
+        <dsp:cNvSpPr/>
+      </dsp:nvSpPr>
+      <dsp:spPr>
+        <a:xfrm>
+          <a:off x="2239313" y="0"/>
+          <a:ext cx="2797348" cy="336884"/>
+        </a:xfrm>
+        <a:prstGeom prst="chevron">
+          <a:avLst/>
+        </a:prstGeom>
+        <a:solidFill>
+          <a:schemeClr val="accent3">
+            <a:hueOff val="0"/>
+            <a:satOff val="0"/>
+            <a:lumOff val="0"/>
+            <a:alphaOff val="0"/>
+          </a:schemeClr>
+        </a:solidFill>
+        <a:ln w="19050" cap="flat" cmpd="sng" algn="ctr">
+          <a:solidFill>
+            <a:schemeClr val="lt1">
+              <a:hueOff val="0"/>
+              <a:satOff val="0"/>
+              <a:lumOff val="0"/>
+              <a:alphaOff val="0"/>
+            </a:schemeClr>
+          </a:solidFill>
+          <a:prstDash val="solid"/>
+        </a:ln>
+        <a:effectLst/>
+      </dsp:spPr>
+      <dsp:style>
+        <a:lnRef idx="3">
+          <a:scrgbClr r="0" g="0" b="0"/>
+        </a:lnRef>
+        <a:fillRef idx="1">
+          <a:scrgbClr r="0" g="0" b="0"/>
+        </a:fillRef>
+        <a:effectRef idx="1">
+          <a:scrgbClr r="0" g="0" b="0"/>
+        </a:effectRef>
+        <a:fontRef idx="minor">
+          <a:schemeClr val="lt1"/>
+        </a:fontRef>
+      </dsp:style>
+      <dsp:txBody>
+        <a:bodyPr spcFirstLastPara="0" vert="horz" wrap="square" lIns="72009" tIns="48006" rIns="24003" bIns="48006" numCol="1" spcCol="1270" anchor="ctr" anchorCtr="0">
+          <a:noAutofit/>
+        </a:bodyPr>
+        <a:lstStyle/>
+        <a:p>
+          <a:pPr lvl="0" algn="ctr" defTabSz="800100">
+            <a:lnSpc>
+              <a:spcPct val="90000"/>
+            </a:lnSpc>
+            <a:spcBef>
+              <a:spcPct val="0"/>
+            </a:spcBef>
+            <a:spcAft>
+              <a:spcPct val="35000"/>
+            </a:spcAft>
+          </a:pPr>
+          <a:r>
+            <a:rPr lang="fr-FR" sz="1800" kern="1200" dirty="0" smtClean="0"/>
+            <a:t>Méthodologie</a:t>
+          </a:r>
+          <a:endParaRPr lang="fr-FR" sz="1800" kern="1200" dirty="0"/>
+        </a:p>
+      </dsp:txBody>
+      <dsp:txXfrm>
+        <a:off x="2407755" y="0"/>
+        <a:ext cx="2460464" cy="336884"/>
+      </dsp:txXfrm>
+    </dsp:sp>
+    <dsp:sp modelId="{10103450-6A68-475F-A740-88D1385D49F4}">
+      <dsp:nvSpPr>
+        <dsp:cNvPr id="0" name=""/>
+        <dsp:cNvSpPr/>
+      </dsp:nvSpPr>
+      <dsp:spPr>
+        <a:xfrm>
+          <a:off x="4477192" y="0"/>
+          <a:ext cx="2797348" cy="336884"/>
+        </a:xfrm>
+        <a:prstGeom prst="chevron">
+          <a:avLst/>
+        </a:prstGeom>
+        <a:solidFill>
+          <a:schemeClr val="accent4">
+            <a:hueOff val="0"/>
+            <a:satOff val="0"/>
+            <a:lumOff val="0"/>
+            <a:alphaOff val="0"/>
+          </a:schemeClr>
+        </a:solidFill>
+        <a:ln w="19050" cap="flat" cmpd="sng" algn="ctr">
+          <a:solidFill>
+            <a:schemeClr val="lt1">
+              <a:hueOff val="0"/>
+              <a:satOff val="0"/>
+              <a:lumOff val="0"/>
+              <a:alphaOff val="0"/>
+            </a:schemeClr>
+          </a:solidFill>
+          <a:prstDash val="solid"/>
+        </a:ln>
+        <a:effectLst/>
+      </dsp:spPr>
+      <dsp:style>
+        <a:lnRef idx="3">
+          <a:scrgbClr r="0" g="0" b="0"/>
+        </a:lnRef>
+        <a:fillRef idx="1">
+          <a:scrgbClr r="0" g="0" b="0"/>
+        </a:fillRef>
+        <a:effectRef idx="1">
+          <a:scrgbClr r="0" g="0" b="0"/>
+        </a:effectRef>
+        <a:fontRef idx="minor">
+          <a:schemeClr val="lt1"/>
+        </a:fontRef>
+      </dsp:style>
+      <dsp:txBody>
+        <a:bodyPr spcFirstLastPara="0" vert="horz" wrap="square" lIns="96012" tIns="64008" rIns="32004" bIns="64008" numCol="1" spcCol="1270" anchor="ctr" anchorCtr="0">
+          <a:noAutofit/>
+        </a:bodyPr>
+        <a:lstStyle/>
+        <a:p>
+          <a:pPr lvl="0" algn="ctr" defTabSz="1066800">
+            <a:lnSpc>
+              <a:spcPct val="90000"/>
+            </a:lnSpc>
+            <a:spcBef>
+              <a:spcPct val="0"/>
+            </a:spcBef>
+            <a:spcAft>
+              <a:spcPct val="35000"/>
+            </a:spcAft>
+          </a:pPr>
+          <a:r>
+            <a:rPr lang="fr-FR" sz="2400" i="1" u="none" kern="1200" dirty="0" smtClean="0"/>
+            <a:t>Conception</a:t>
+          </a:r>
+          <a:endParaRPr lang="fr-FR" sz="2400" i="1" u="none" kern="1200" dirty="0"/>
+        </a:p>
+      </dsp:txBody>
+      <dsp:txXfrm>
+        <a:off x="4645634" y="0"/>
+        <a:ext cx="2460464" cy="336884"/>
+      </dsp:txXfrm>
+    </dsp:sp>
+    <dsp:sp modelId="{8550E3DC-F81D-4ADB-96EF-9C933F38F645}">
+      <dsp:nvSpPr>
+        <dsp:cNvPr id="0" name=""/>
+        <dsp:cNvSpPr/>
+      </dsp:nvSpPr>
+      <dsp:spPr>
+        <a:xfrm>
+          <a:off x="6715071" y="0"/>
+          <a:ext cx="2797348" cy="336884"/>
+        </a:xfrm>
+        <a:prstGeom prst="chevron">
+          <a:avLst/>
+        </a:prstGeom>
+        <a:solidFill>
+          <a:schemeClr val="accent5">
+            <a:hueOff val="0"/>
+            <a:satOff val="0"/>
+            <a:lumOff val="0"/>
+            <a:alphaOff val="0"/>
+          </a:schemeClr>
+        </a:solidFill>
+        <a:ln w="19050" cap="flat" cmpd="sng" algn="ctr">
+          <a:solidFill>
+            <a:schemeClr val="lt1">
+              <a:hueOff val="0"/>
+              <a:satOff val="0"/>
+              <a:lumOff val="0"/>
+              <a:alphaOff val="0"/>
+            </a:schemeClr>
+          </a:solidFill>
+          <a:prstDash val="solid"/>
+        </a:ln>
+        <a:effectLst/>
+      </dsp:spPr>
+      <dsp:style>
+        <a:lnRef idx="3">
+          <a:scrgbClr r="0" g="0" b="0"/>
+        </a:lnRef>
+        <a:fillRef idx="1">
+          <a:scrgbClr r="0" g="0" b="0"/>
+        </a:fillRef>
+        <a:effectRef idx="1">
+          <a:scrgbClr r="0" g="0" b="0"/>
+        </a:effectRef>
+        <a:fontRef idx="minor">
+          <a:schemeClr val="lt1"/>
+        </a:fontRef>
+      </dsp:style>
+      <dsp:txBody>
+        <a:bodyPr spcFirstLastPara="0" vert="horz" wrap="square" lIns="72009" tIns="48006" rIns="24003" bIns="48006" numCol="1" spcCol="1270" anchor="ctr" anchorCtr="0">
+          <a:noAutofit/>
+        </a:bodyPr>
+        <a:lstStyle/>
+        <a:p>
+          <a:pPr lvl="0" algn="ctr" defTabSz="800100">
+            <a:lnSpc>
+              <a:spcPct val="90000"/>
+            </a:lnSpc>
+            <a:spcBef>
+              <a:spcPct val="0"/>
+            </a:spcBef>
+            <a:spcAft>
+              <a:spcPct val="35000"/>
+            </a:spcAft>
+          </a:pPr>
+          <a:r>
+            <a:rPr lang="fr-FR" sz="1800" kern="1200" dirty="0" smtClean="0"/>
+            <a:t>Bilan</a:t>
+          </a:r>
+          <a:endParaRPr lang="fr-FR" sz="1800" kern="1200" dirty="0"/>
+        </a:p>
+      </dsp:txBody>
+      <dsp:txXfrm>
+        <a:off x="6883513" y="0"/>
+        <a:ext cx="2460464" cy="336884"/>
+      </dsp:txXfrm>
+    </dsp:sp>
+    <dsp:sp modelId="{0CC8E1C3-4157-4992-BCEB-C1333A5D98B4}">
+      <dsp:nvSpPr>
+        <dsp:cNvPr id="0" name=""/>
+        <dsp:cNvSpPr/>
+      </dsp:nvSpPr>
+      <dsp:spPr>
+        <a:xfrm>
+          <a:off x="8952950" y="0"/>
+          <a:ext cx="2797348" cy="336884"/>
+        </a:xfrm>
+        <a:prstGeom prst="chevron">
+          <a:avLst/>
+        </a:prstGeom>
+        <a:solidFill>
+          <a:schemeClr val="accent6">
+            <a:hueOff val="0"/>
+            <a:satOff val="0"/>
+            <a:lumOff val="0"/>
+            <a:alphaOff val="0"/>
+          </a:schemeClr>
+        </a:solidFill>
+        <a:ln w="19050" cap="flat" cmpd="sng" algn="ctr">
+          <a:solidFill>
+            <a:schemeClr val="lt1">
+              <a:hueOff val="0"/>
+              <a:satOff val="0"/>
+              <a:lumOff val="0"/>
+              <a:alphaOff val="0"/>
+            </a:schemeClr>
+          </a:solidFill>
+          <a:prstDash val="solid"/>
+        </a:ln>
+        <a:effectLst/>
+      </dsp:spPr>
+      <dsp:style>
+        <a:lnRef idx="3">
+          <a:scrgbClr r="0" g="0" b="0"/>
+        </a:lnRef>
+        <a:fillRef idx="1">
+          <a:scrgbClr r="0" g="0" b="0"/>
+        </a:fillRef>
+        <a:effectRef idx="1">
+          <a:scrgbClr r="0" g="0" b="0"/>
+        </a:effectRef>
+        <a:fontRef idx="minor">
+          <a:schemeClr val="lt1"/>
+        </a:fontRef>
+      </dsp:style>
+      <dsp:txBody>
+        <a:bodyPr spcFirstLastPara="0" vert="horz" wrap="square" lIns="72009" tIns="48006" rIns="24003" bIns="48006" numCol="1" spcCol="1270" anchor="ctr" anchorCtr="0">
+          <a:noAutofit/>
+        </a:bodyPr>
+        <a:lstStyle/>
+        <a:p>
+          <a:pPr lvl="0" algn="ctr" defTabSz="800100">
+            <a:lnSpc>
+              <a:spcPct val="90000"/>
+            </a:lnSpc>
+            <a:spcBef>
+              <a:spcPct val="0"/>
+            </a:spcBef>
+            <a:spcAft>
+              <a:spcPct val="35000"/>
+            </a:spcAft>
+          </a:pPr>
+          <a:r>
+            <a:rPr lang="fr-FR" sz="1800" kern="1200" dirty="0" smtClean="0"/>
+            <a:t>Démonstration</a:t>
+          </a:r>
+          <a:endParaRPr lang="fr-FR" sz="1800" kern="1200" dirty="0"/>
+        </a:p>
+      </dsp:txBody>
+      <dsp:txXfrm>
+        <a:off x="9121392" y="0"/>
+        <a:ext cx="2460464" cy="336884"/>
+      </dsp:txXfrm>
+    </dsp:sp>
   </dsp:spTree>
 </dsp:drawing>
 </file>
@@ -39805,13 +44098,6 @@
   <p:clrMapOvr>
     <a:masterClrMapping/>
   </p:clrMapOvr>
-  <p:timing>
-    <p:tnLst>
-      <p:par>
-        <p:cTn id="1" dur="indefinite" restart="never" nodeType="tmRoot"/>
-      </p:par>
-    </p:tnLst>
-  </p:timing>
 </p:sld>
 </file>
 
@@ -40264,13 +44550,6 @@
   <p:clrMapOvr>
     <a:masterClrMapping/>
   </p:clrMapOvr>
-  <p:timing>
-    <p:tnLst>
-      <p:par>
-        <p:cTn id="1" dur="indefinite" restart="never" nodeType="tmRoot"/>
-      </p:par>
-    </p:tnLst>
-  </p:timing>
 </p:sld>
 </file>
 
@@ -40709,13 +44988,6 @@
   <p:clrMapOvr>
     <a:masterClrMapping/>
   </p:clrMapOvr>
-  <p:timing>
-    <p:tnLst>
-      <p:par>
-        <p:cTn id="1" dur="indefinite" restart="never" nodeType="tmRoot"/>
-      </p:par>
-    </p:tnLst>
-  </p:timing>
 </p:sld>
 </file>
 
@@ -40979,13 +45251,6 @@
   <p:clrMapOvr>
     <a:masterClrMapping/>
   </p:clrMapOvr>
-  <p:timing>
-    <p:tnLst>
-      <p:par>
-        <p:cTn id="1" dur="indefinite" restart="never" nodeType="tmRoot"/>
-      </p:par>
-    </p:tnLst>
-  </p:timing>
 </p:sld>
 </file>
 
@@ -41435,13 +45700,6 @@
   <p:clrMapOvr>
     <a:masterClrMapping/>
   </p:clrMapOvr>
-  <p:timing>
-    <p:tnLst>
-      <p:par>
-        <p:cTn id="1" dur="indefinite" restart="never" nodeType="tmRoot"/>
-      </p:par>
-    </p:tnLst>
-  </p:timing>
 </p:sld>
 </file>
 
@@ -41737,13 +45995,6 @@
   <p:clrMapOvr>
     <a:masterClrMapping/>
   </p:clrMapOvr>
-  <p:timing>
-    <p:tnLst>
-      <p:par>
-        <p:cTn id="1" dur="indefinite" restart="never" nodeType="tmRoot"/>
-      </p:par>
-    </p:tnLst>
-  </p:timing>
 </p:sld>
 </file>
 
@@ -42059,13 +46310,6 @@
   <p:clrMapOvr>
     <a:masterClrMapping/>
   </p:clrMapOvr>
-  <p:timing>
-    <p:tnLst>
-      <p:par>
-        <p:cTn id="1" dur="indefinite" restart="never" nodeType="tmRoot"/>
-      </p:par>
-    </p:tnLst>
-  </p:timing>
 </p:sld>
 </file>
 
@@ -42509,13 +46753,6 @@
   <p:clrMapOvr>
     <a:masterClrMapping/>
   </p:clrMapOvr>
-  <p:timing>
-    <p:tnLst>
-      <p:par>
-        <p:cTn id="1" dur="indefinite" restart="never" nodeType="tmRoot"/>
-      </p:par>
-    </p:tnLst>
-  </p:timing>
 </p:sld>
 </file>
 
@@ -42927,13 +47164,6 @@
   <p:clrMapOvr>
     <a:masterClrMapping/>
   </p:clrMapOvr>
-  <p:timing>
-    <p:tnLst>
-      <p:par>
-        <p:cTn id="1" dur="indefinite" restart="never" nodeType="tmRoot"/>
-      </p:par>
-    </p:tnLst>
-  </p:timing>
 </p:sld>
 </file>
 
@@ -43396,13 +47626,6 @@
   <p:clrMapOvr>
     <a:masterClrMapping/>
   </p:clrMapOvr>
-  <p:timing>
-    <p:tnLst>
-      <p:par>
-        <p:cTn id="1" dur="indefinite" restart="never" nodeType="tmRoot"/>
-      </p:par>
-    </p:tnLst>
-  </p:timing>
 </p:sld>
 </file>
 
@@ -43927,13 +48150,6 @@
   <p:clrMapOvr>
     <a:masterClrMapping/>
   </p:clrMapOvr>
-  <p:timing>
-    <p:tnLst>
-      <p:par>
-        <p:cTn id="1" dur="indefinite" restart="never" nodeType="tmRoot"/>
-      </p:par>
-    </p:tnLst>
-  </p:timing>
 </p:sld>
 </file>
 
@@ -44315,13 +48531,6 @@
   <p:clrMapOvr>
     <a:masterClrMapping/>
   </p:clrMapOvr>
-  <p:timing>
-    <p:tnLst>
-      <p:par>
-        <p:cTn id="1" dur="indefinite" restart="never" nodeType="tmRoot"/>
-      </p:par>
-    </p:tnLst>
-  </p:timing>
 </p:sld>
 </file>
 
@@ -44717,13 +48926,6 @@
   <p:clrMapOvr>
     <a:masterClrMapping/>
   </p:clrMapOvr>
-  <p:timing>
-    <p:tnLst>
-      <p:par>
-        <p:cTn id="1" dur="indefinite" restart="never" nodeType="tmRoot"/>
-      </p:par>
-    </p:tnLst>
-  </p:timing>
 </p:sld>
 </file>
 
@@ -45172,13 +49374,6 @@
   <p:clrMapOvr>
     <a:masterClrMapping/>
   </p:clrMapOvr>
-  <p:timing>
-    <p:tnLst>
-      <p:par>
-        <p:cTn id="1" dur="indefinite" restart="never" nodeType="tmRoot"/>
-      </p:par>
-    </p:tnLst>
-  </p:timing>
 </p:sld>
 </file>
 

--- a/Projet tutoré – Livraison  V1.pptx
+++ b/Projet tutoré – Livraison  V1.pptx
@@ -15668,8 +15668,30 @@
       </dgm:t>
     </dgm:pt>
     <dgm:pt modelId="{D0AD757E-F164-43C0-9479-C4F332786324}" type="sibTrans" cxnId="{A0ECC975-D616-4644-BDDC-AE5203BBC114}">
-      <dgm:prSet/>
-      <dgm:spPr/>
+      <dgm:prSet>
+        <dgm:style>
+          <a:lnRef idx="0">
+            <a:scrgbClr r="0" g="0" b="0"/>
+          </a:lnRef>
+          <a:fillRef idx="0">
+            <a:scrgbClr r="0" g="0" b="0"/>
+          </a:fillRef>
+          <a:effectRef idx="0">
+            <a:scrgbClr r="0" g="0" b="0"/>
+          </a:effectRef>
+          <a:fontRef idx="minor">
+            <a:schemeClr val="lt1"/>
+          </a:fontRef>
+        </dgm:style>
+      </dgm:prSet>
+      <dgm:spPr>
+        <a:solidFill>
+          <a:schemeClr val="accent5"/>
+        </a:solidFill>
+        <a:ln>
+          <a:noFill/>
+        </a:ln>
+      </dgm:spPr>
       <dgm:t>
         <a:bodyPr/>
         <a:lstStyle/>
@@ -15784,7 +15806,7 @@
       </dgm:t>
     </dgm:pt>
     <dgm:pt modelId="{70981418-9F6D-4063-BD77-201527E865C4}" type="pres">
-      <dgm:prSet presAssocID="{D0AD757E-F164-43C0-9479-C4F332786324}" presName="sibTrans" presStyleLbl="sibTrans2D1" presStyleIdx="1" presStyleCnt="3"/>
+      <dgm:prSet presAssocID="{D0AD757E-F164-43C0-9479-C4F332786324}" presName="sibTrans" presStyleLbl="sibTrans2D1" presStyleIdx="1" presStyleCnt="3" custAng="10800000"/>
       <dgm:spPr/>
       <dgm:t>
         <a:bodyPr/>
@@ -21006,7 +21028,7 @@
         <dsp:cNvSpPr/>
       </dsp:nvSpPr>
       <dsp:spPr>
-        <a:xfrm rot="10800000">
+        <a:xfrm>
           <a:off x="2462728" y="2208921"/>
           <a:ext cx="358968" cy="457171"/>
         </a:xfrm>
@@ -21017,12 +21039,7 @@
           </a:avLst>
         </a:prstGeom>
         <a:solidFill>
-          <a:schemeClr val="accent4">
-            <a:hueOff val="4458342"/>
-            <a:satOff val="-21334"/>
-            <a:lumOff val="7942"/>
-            <a:alphaOff val="0"/>
-          </a:schemeClr>
+          <a:schemeClr val="accent5"/>
         </a:solidFill>
         <a:ln>
           <a:noFill/>
@@ -21033,7 +21050,7 @@
         <a:lnRef idx="0">
           <a:scrgbClr r="0" g="0" b="0"/>
         </a:lnRef>
-        <a:fillRef idx="1">
+        <a:fillRef idx="0">
           <a:scrgbClr r="0" g="0" b="0"/>
         </a:fillRef>
         <a:effectRef idx="0">
@@ -21064,7 +21081,7 @@
         </a:p>
       </dsp:txBody>
       <dsp:txXfrm rot="10800000">
-        <a:off x="2570418" y="2300355"/>
+        <a:off x="2462728" y="2300355"/>
         <a:ext cx="251278" cy="274303"/>
       </dsp:txXfrm>
     </dsp:sp>
@@ -44833,7 +44850,7 @@
         <p:spPr>
           <a:xfrm>
             <a:off x="1978925" y="2634018"/>
-            <a:ext cx="6305266" cy="2862322"/>
+            <a:ext cx="6305266" cy="2585323"/>
           </a:xfrm>
           <a:prstGeom prst="rect">
             <a:avLst/>
@@ -44885,20 +44902,6 @@
                 </a:solidFill>
               </a:rPr>
               <a:t>Refonte de la vue du parcours</a:t>
-            </a:r>
-          </a:p>
-          <a:p>
-            <a:pPr marL="285750" indent="-285750">
-              <a:buFont typeface="Arial" panose="020B0604020202020204" pitchFamily="34" charset="0"/>
-              <a:buChar char="•"/>
-            </a:pPr>
-            <a:r>
-              <a:rPr lang="fr-FR" dirty="0" smtClean="0">
-                <a:solidFill>
-                  <a:schemeClr val="bg1"/>
-                </a:solidFill>
-              </a:rPr>
-              <a:t>Correction d’erreur</a:t>
             </a:r>
           </a:p>
           <a:p>
@@ -46143,20 +46146,12 @@
               <a:buChar char="•"/>
             </a:pPr>
             <a:r>
-              <a:rPr lang="fr-FR" dirty="0" err="1" smtClean="0">
-                <a:solidFill>
-                  <a:schemeClr val="bg1"/>
-                </a:solidFill>
-              </a:rPr>
-              <a:t>Mr.CUPERTY</a:t>
-            </a:r>
-            <a:r>
               <a:rPr lang="fr-FR" dirty="0" smtClean="0">
                 <a:solidFill>
                   <a:schemeClr val="bg1"/>
                 </a:solidFill>
               </a:rPr>
-              <a:t> professeur en Sciences économiques et sociales (SES).</a:t>
+              <a:t>M. CUPERTY professeur en Sciences économiques et sociales (SES).</a:t>
             </a:r>
           </a:p>
           <a:p>
@@ -46190,7 +46185,23 @@
                   <a:schemeClr val="bg1"/>
                 </a:solidFill>
               </a:rPr>
-              <a:t>Objectif : En apprendre sur la culture économique et sociale en s’amusant.</a:t>
+              <a:t>Objectif : En </a:t>
+            </a:r>
+            <a:r>
+              <a:rPr lang="fr-FR" dirty="0" smtClean="0">
+                <a:solidFill>
+                  <a:schemeClr val="bg1"/>
+                </a:solidFill>
+              </a:rPr>
+              <a:t>apprendre plus </a:t>
+            </a:r>
+            <a:r>
+              <a:rPr lang="fr-FR" dirty="0" smtClean="0">
+                <a:solidFill>
+                  <a:schemeClr val="bg1"/>
+                </a:solidFill>
+              </a:rPr>
+              <a:t>sur la culture économique et sociale en s’amusant.</a:t>
             </a:r>
           </a:p>
         </p:txBody>
@@ -46228,6 +46239,15 @@
         <p:blipFill>
           <a:blip r:embed="rId8">
             <a:extLst>
+              <a:ext uri="{BEBA8EAE-BF5A-486C-A8C5-ECC9F3942E4B}">
+                <a14:imgProps xmlns:a14="http://schemas.microsoft.com/office/drawing/2010/main">
+                  <a14:imgLayer r:embed="rId9">
+                    <a14:imgEffect>
+                      <a14:brightnessContrast bright="40000" contrast="20000"/>
+                    </a14:imgEffect>
+                  </a14:imgLayer>
+                </a14:imgProps>
+              </a:ext>
               <a:ext uri="{28A0092B-C50C-407E-A947-70E740481C1C}">
                 <a14:useLocalDpi xmlns:a14="http://schemas.microsoft.com/office/drawing/2010/main" val="0"/>
               </a:ext>
@@ -46280,7 +46300,7 @@
           <p:nvPr/>
         </p:nvPicPr>
         <p:blipFill rotWithShape="1">
-          <a:blip r:embed="rId9">
+          <a:blip r:embed="rId10">
             <a:extLst>
               <a:ext uri="{28A0092B-C50C-407E-A947-70E740481C1C}">
                 <a14:useLocalDpi xmlns:a14="http://schemas.microsoft.com/office/drawing/2010/main" val="0"/>
@@ -46501,7 +46521,24 @@
                   <a:schemeClr val="bg1"/>
                 </a:solidFill>
               </a:rPr>
-              <a:t>Créer un site internet à partir d’un parcours de vidéos.</a:t>
+              <a:t>Réaliser une base de données des QCM.</a:t>
+            </a:r>
+          </a:p>
+          <a:p>
+            <a:pPr marL="285750" indent="-285750">
+              <a:lnSpc>
+                <a:spcPct val="150000"/>
+              </a:lnSpc>
+              <a:buFont typeface="Arial" panose="020B0604020202020204" pitchFamily="34" charset="0"/>
+              <a:buChar char="•"/>
+            </a:pPr>
+            <a:r>
+              <a:rPr lang="fr-FR" dirty="0" smtClean="0">
+                <a:solidFill>
+                  <a:schemeClr val="bg1"/>
+                </a:solidFill>
+              </a:rPr>
+              <a:t>Créer un site internet proposant un parcours de vidéos, avec un QCM par vidéo.</a:t>
             </a:r>
           </a:p>
           <a:p>
@@ -46537,28 +46574,6 @@
               </a:rPr>
               <a:t>Proposer un type de licence approprié.</a:t>
             </a:r>
-          </a:p>
-          <a:p>
-            <a:pPr marL="285750" indent="-285750">
-              <a:lnSpc>
-                <a:spcPct val="150000"/>
-              </a:lnSpc>
-              <a:buFont typeface="Arial" panose="020B0604020202020204" pitchFamily="34" charset="0"/>
-              <a:buChar char="•"/>
-            </a:pPr>
-            <a:r>
-              <a:rPr lang="fr-FR" dirty="0" smtClean="0">
-                <a:solidFill>
-                  <a:schemeClr val="bg1"/>
-                </a:solidFill>
-              </a:rPr>
-              <a:t>Interface à 3 niveaux (Seconde / Première / Terminale).</a:t>
-            </a:r>
-            <a:endParaRPr lang="fr-FR" dirty="0">
-              <a:solidFill>
-                <a:schemeClr val="bg1"/>
-              </a:solidFill>
-            </a:endParaRPr>
           </a:p>
         </p:txBody>
       </p:sp>
@@ -48901,7 +48916,7 @@
           <p:nvPr>
             <p:extLst>
               <p:ext uri="{D42A27DB-BD31-4B8C-83A1-F6EECF244321}">
-                <p14:modId xmlns:p14="http://schemas.microsoft.com/office/powerpoint/2010/main" val="3765140616"/>
+                <p14:modId xmlns:p14="http://schemas.microsoft.com/office/powerpoint/2010/main" val="3937239074"/>
               </p:ext>
             </p:extLst>
           </p:nvPr>
